--- a/Documentation/Architecture.pptx
+++ b/Documentation/Architecture.pptx
@@ -289,6 +289,7 @@
           <a:p>
             <a:fld id="{9E7539CF-A853-46E9-9284-C283F40F4A5C}" type="datetimeFigureOut">
               <a:rPr lang="en-GB" smtClean="0"/>
+              <a:pPr/>
               <a:t>04/12/2014</a:t>
             </a:fld>
             <a:endParaRPr lang="en-GB"/>
@@ -331,6 +332,7 @@
           <a:p>
             <a:fld id="{232330A7-EEC2-492D-B751-44B8E3729928}" type="slidenum">
               <a:rPr lang="en-GB" smtClean="0"/>
+              <a:pPr/>
               <a:t>‹#›</a:t>
             </a:fld>
             <a:endParaRPr lang="en-GB"/>
@@ -454,6 +456,7 @@
           <a:p>
             <a:fld id="{9E7539CF-A853-46E9-9284-C283F40F4A5C}" type="datetimeFigureOut">
               <a:rPr lang="en-GB" smtClean="0"/>
+              <a:pPr/>
               <a:t>04/12/2014</a:t>
             </a:fld>
             <a:endParaRPr lang="en-GB"/>
@@ -496,6 +499,7 @@
           <a:p>
             <a:fld id="{232330A7-EEC2-492D-B751-44B8E3729928}" type="slidenum">
               <a:rPr lang="en-GB" smtClean="0"/>
+              <a:pPr/>
               <a:t>‹#›</a:t>
             </a:fld>
             <a:endParaRPr lang="en-GB"/>
@@ -629,6 +633,7 @@
           <a:p>
             <a:fld id="{9E7539CF-A853-46E9-9284-C283F40F4A5C}" type="datetimeFigureOut">
               <a:rPr lang="en-GB" smtClean="0"/>
+              <a:pPr/>
               <a:t>04/12/2014</a:t>
             </a:fld>
             <a:endParaRPr lang="en-GB"/>
@@ -671,6 +676,7 @@
           <a:p>
             <a:fld id="{232330A7-EEC2-492D-B751-44B8E3729928}" type="slidenum">
               <a:rPr lang="en-GB" smtClean="0"/>
+              <a:pPr/>
               <a:t>‹#›</a:t>
             </a:fld>
             <a:endParaRPr lang="en-GB"/>
@@ -794,6 +800,7 @@
           <a:p>
             <a:fld id="{9E7539CF-A853-46E9-9284-C283F40F4A5C}" type="datetimeFigureOut">
               <a:rPr lang="en-GB" smtClean="0"/>
+              <a:pPr/>
               <a:t>04/12/2014</a:t>
             </a:fld>
             <a:endParaRPr lang="en-GB"/>
@@ -836,6 +843,7 @@
           <a:p>
             <a:fld id="{232330A7-EEC2-492D-B751-44B8E3729928}" type="slidenum">
               <a:rPr lang="en-GB" smtClean="0"/>
+              <a:pPr/>
               <a:t>‹#›</a:t>
             </a:fld>
             <a:endParaRPr lang="en-GB"/>
@@ -1035,6 +1043,7 @@
           <a:p>
             <a:fld id="{9E7539CF-A853-46E9-9284-C283F40F4A5C}" type="datetimeFigureOut">
               <a:rPr lang="en-GB" smtClean="0"/>
+              <a:pPr/>
               <a:t>04/12/2014</a:t>
             </a:fld>
             <a:endParaRPr lang="en-GB"/>
@@ -1077,6 +1086,7 @@
           <a:p>
             <a:fld id="{232330A7-EEC2-492D-B751-44B8E3729928}" type="slidenum">
               <a:rPr lang="en-GB" smtClean="0"/>
+              <a:pPr/>
               <a:t>‹#›</a:t>
             </a:fld>
             <a:endParaRPr lang="en-GB"/>
@@ -1318,6 +1328,7 @@
           <a:p>
             <a:fld id="{9E7539CF-A853-46E9-9284-C283F40F4A5C}" type="datetimeFigureOut">
               <a:rPr lang="en-GB" smtClean="0"/>
+              <a:pPr/>
               <a:t>04/12/2014</a:t>
             </a:fld>
             <a:endParaRPr lang="en-GB"/>
@@ -1360,6 +1371,7 @@
           <a:p>
             <a:fld id="{232330A7-EEC2-492D-B751-44B8E3729928}" type="slidenum">
               <a:rPr lang="en-GB" smtClean="0"/>
+              <a:pPr/>
               <a:t>‹#›</a:t>
             </a:fld>
             <a:endParaRPr lang="en-GB"/>
@@ -1735,6 +1747,7 @@
           <a:p>
             <a:fld id="{9E7539CF-A853-46E9-9284-C283F40F4A5C}" type="datetimeFigureOut">
               <a:rPr lang="en-GB" smtClean="0"/>
+              <a:pPr/>
               <a:t>04/12/2014</a:t>
             </a:fld>
             <a:endParaRPr lang="en-GB"/>
@@ -1777,6 +1790,7 @@
           <a:p>
             <a:fld id="{232330A7-EEC2-492D-B751-44B8E3729928}" type="slidenum">
               <a:rPr lang="en-GB" smtClean="0"/>
+              <a:pPr/>
               <a:t>‹#›</a:t>
             </a:fld>
             <a:endParaRPr lang="en-GB"/>
@@ -1848,6 +1862,7 @@
           <a:p>
             <a:fld id="{9E7539CF-A853-46E9-9284-C283F40F4A5C}" type="datetimeFigureOut">
               <a:rPr lang="en-GB" smtClean="0"/>
+              <a:pPr/>
               <a:t>04/12/2014</a:t>
             </a:fld>
             <a:endParaRPr lang="en-GB"/>
@@ -1890,6 +1905,7 @@
           <a:p>
             <a:fld id="{232330A7-EEC2-492D-B751-44B8E3729928}" type="slidenum">
               <a:rPr lang="en-GB" smtClean="0"/>
+              <a:pPr/>
               <a:t>‹#›</a:t>
             </a:fld>
             <a:endParaRPr lang="en-GB"/>
@@ -1938,6 +1954,7 @@
           <a:p>
             <a:fld id="{9E7539CF-A853-46E9-9284-C283F40F4A5C}" type="datetimeFigureOut">
               <a:rPr lang="en-GB" smtClean="0"/>
+              <a:pPr/>
               <a:t>04/12/2014</a:t>
             </a:fld>
             <a:endParaRPr lang="en-GB"/>
@@ -1980,6 +1997,7 @@
           <a:p>
             <a:fld id="{232330A7-EEC2-492D-B751-44B8E3729928}" type="slidenum">
               <a:rPr lang="en-GB" smtClean="0"/>
+              <a:pPr/>
               <a:t>‹#›</a:t>
             </a:fld>
             <a:endParaRPr lang="en-GB"/>
@@ -2210,6 +2228,7 @@
           <a:p>
             <a:fld id="{9E7539CF-A853-46E9-9284-C283F40F4A5C}" type="datetimeFigureOut">
               <a:rPr lang="en-GB" smtClean="0"/>
+              <a:pPr/>
               <a:t>04/12/2014</a:t>
             </a:fld>
             <a:endParaRPr lang="en-GB"/>
@@ -2252,6 +2271,7 @@
           <a:p>
             <a:fld id="{232330A7-EEC2-492D-B751-44B8E3729928}" type="slidenum">
               <a:rPr lang="en-GB" smtClean="0"/>
+              <a:pPr/>
               <a:t>‹#›</a:t>
             </a:fld>
             <a:endParaRPr lang="en-GB"/>
@@ -2458,6 +2478,7 @@
           <a:p>
             <a:fld id="{9E7539CF-A853-46E9-9284-C283F40F4A5C}" type="datetimeFigureOut">
               <a:rPr lang="en-GB" smtClean="0"/>
+              <a:pPr/>
               <a:t>04/12/2014</a:t>
             </a:fld>
             <a:endParaRPr lang="en-GB"/>
@@ -2500,6 +2521,7 @@
           <a:p>
             <a:fld id="{232330A7-EEC2-492D-B751-44B8E3729928}" type="slidenum">
               <a:rPr lang="en-GB" smtClean="0"/>
+              <a:pPr/>
               <a:t>‹#›</a:t>
             </a:fld>
             <a:endParaRPr lang="en-GB"/>
@@ -2666,6 +2688,7 @@
           <a:p>
             <a:fld id="{9E7539CF-A853-46E9-9284-C283F40F4A5C}" type="datetimeFigureOut">
               <a:rPr lang="en-GB" smtClean="0"/>
+              <a:pPr/>
               <a:t>04/12/2014</a:t>
             </a:fld>
             <a:endParaRPr lang="en-GB"/>
@@ -2744,6 +2767,7 @@
           <a:p>
             <a:fld id="{232330A7-EEC2-492D-B751-44B8E3729928}" type="slidenum">
               <a:rPr lang="en-GB" smtClean="0"/>
+              <a:pPr/>
               <a:t>‹#›</a:t>
             </a:fld>
             <a:endParaRPr lang="en-GB"/>
@@ -4179,6 +4203,48 @@
           </a:p>
         </p:txBody>
       </p:sp>
+      <p:sp>
+        <p:nvSpPr>
+          <p:cNvPr id="34" name="Rectangle 33"/>
+          <p:cNvSpPr/>
+          <p:nvPr/>
+        </p:nvSpPr>
+        <p:spPr>
+          <a:xfrm>
+            <a:off x="5292080" y="3212976"/>
+            <a:ext cx="1296144" cy="288032"/>
+          </a:xfrm>
+          <a:prstGeom prst="rect">
+            <a:avLst/>
+          </a:prstGeom>
+        </p:spPr>
+        <p:style>
+          <a:lnRef idx="1">
+            <a:schemeClr val="accent3"/>
+          </a:lnRef>
+          <a:fillRef idx="2">
+            <a:schemeClr val="accent3"/>
+          </a:fillRef>
+          <a:effectRef idx="1">
+            <a:schemeClr val="accent3"/>
+          </a:effectRef>
+          <a:fontRef idx="minor">
+            <a:schemeClr val="dk1"/>
+          </a:fontRef>
+        </p:style>
+        <p:txBody>
+          <a:bodyPr rtlCol="0" anchor="t"/>
+          <a:lstStyle/>
+          <a:p>
+            <a:pPr algn="ctr"/>
+            <a:r>
+              <a:rPr lang="en-GB" sz="1000" dirty="0" err="1" smtClean="0"/>
+              <a:t>CaptchaApi</a:t>
+            </a:r>
+            <a:endParaRPr lang="en-GB" sz="1000" dirty="0"/>
+          </a:p>
+        </p:txBody>
+      </p:sp>
     </p:spTree>
   </p:cSld>
   <p:clrMapOvr>

--- a/Documentation/Architecture.pptx
+++ b/Documentation/Architecture.pptx
@@ -4,6 +4,9 @@
   <p:sldMasterIdLst>
     <p:sldMasterId id="2147483648" r:id="rId1"/>
   </p:sldMasterIdLst>
+  <p:notesMasterIdLst>
+    <p:notesMasterId r:id="rId4"/>
+  </p:notesMasterIdLst>
   <p:sldIdLst>
     <p:sldId id="256" r:id="rId2"/>
     <p:sldId id="257" r:id="rId3"/>
@@ -108,6 +111,434 @@
 </p:presentation>
 </file>
 
+<file path=ppt/notesMasters/notesMaster1.xml><?xml version="1.0" encoding="utf-8"?>
+<p:notesMaster xmlns:a="http://schemas.openxmlformats.org/drawingml/2006/main" xmlns:r="http://schemas.openxmlformats.org/officeDocument/2006/relationships" xmlns:p="http://schemas.openxmlformats.org/presentationml/2006/main">
+  <p:cSld>
+    <p:bg>
+      <p:bgRef idx="1001">
+        <a:schemeClr val="bg1"/>
+      </p:bgRef>
+    </p:bg>
+    <p:spTree>
+      <p:nvGrpSpPr>
+        <p:cNvPr id="1" name=""/>
+        <p:cNvGrpSpPr/>
+        <p:nvPr/>
+      </p:nvGrpSpPr>
+      <p:grpSpPr>
+        <a:xfrm>
+          <a:off x="0" y="0"/>
+          <a:ext cx="0" cy="0"/>
+          <a:chOff x="0" y="0"/>
+          <a:chExt cx="0" cy="0"/>
+        </a:xfrm>
+      </p:grpSpPr>
+      <p:sp>
+        <p:nvSpPr>
+          <p:cNvPr id="2" name="Header Placeholder 1"/>
+          <p:cNvSpPr>
+            <a:spLocks noGrp="1"/>
+          </p:cNvSpPr>
+          <p:nvPr>
+            <p:ph type="hdr" sz="quarter"/>
+          </p:nvPr>
+        </p:nvSpPr>
+        <p:spPr>
+          <a:xfrm>
+            <a:off x="0" y="0"/>
+            <a:ext cx="2971800" cy="457200"/>
+          </a:xfrm>
+          <a:prstGeom prst="rect">
+            <a:avLst/>
+          </a:prstGeom>
+        </p:spPr>
+        <p:txBody>
+          <a:bodyPr vert="horz" lIns="91440" tIns="45720" rIns="91440" bIns="45720" rtlCol="0"/>
+          <a:lstStyle>
+            <a:lvl1pPr algn="l">
+              <a:defRPr sz="1200"/>
+            </a:lvl1pPr>
+          </a:lstStyle>
+          <a:p>
+            <a:endParaRPr lang="en-GB"/>
+          </a:p>
+        </p:txBody>
+      </p:sp>
+      <p:sp>
+        <p:nvSpPr>
+          <p:cNvPr id="3" name="Date Placeholder 2"/>
+          <p:cNvSpPr>
+            <a:spLocks noGrp="1"/>
+          </p:cNvSpPr>
+          <p:nvPr>
+            <p:ph type="dt" idx="1"/>
+          </p:nvPr>
+        </p:nvSpPr>
+        <p:spPr>
+          <a:xfrm>
+            <a:off x="3884613" y="0"/>
+            <a:ext cx="2971800" cy="457200"/>
+          </a:xfrm>
+          <a:prstGeom prst="rect">
+            <a:avLst/>
+          </a:prstGeom>
+        </p:spPr>
+        <p:txBody>
+          <a:bodyPr vert="horz" lIns="91440" tIns="45720" rIns="91440" bIns="45720" rtlCol="0"/>
+          <a:lstStyle>
+            <a:lvl1pPr algn="r">
+              <a:defRPr sz="1200"/>
+            </a:lvl1pPr>
+          </a:lstStyle>
+          <a:p>
+            <a:fld id="{3D842951-A5D4-4CCE-A843-7F2B2D8D0F7F}" type="datetimeFigureOut">
+              <a:rPr lang="en-GB" smtClean="0"/>
+              <a:t>08/12/2014</a:t>
+            </a:fld>
+            <a:endParaRPr lang="en-GB"/>
+          </a:p>
+        </p:txBody>
+      </p:sp>
+      <p:sp>
+        <p:nvSpPr>
+          <p:cNvPr id="4" name="Slide Image Placeholder 3"/>
+          <p:cNvSpPr>
+            <a:spLocks noGrp="1" noRot="1" noChangeAspect="1"/>
+          </p:cNvSpPr>
+          <p:nvPr>
+            <p:ph type="sldImg" idx="2"/>
+          </p:nvPr>
+        </p:nvSpPr>
+        <p:spPr>
+          <a:xfrm>
+            <a:off x="1143000" y="685800"/>
+            <a:ext cx="4572000" cy="3429000"/>
+          </a:xfrm>
+          <a:prstGeom prst="rect">
+            <a:avLst/>
+          </a:prstGeom>
+          <a:noFill/>
+          <a:ln w="12700">
+            <a:solidFill>
+              <a:prstClr val="black"/>
+            </a:solidFill>
+          </a:ln>
+        </p:spPr>
+        <p:txBody>
+          <a:bodyPr vert="horz" lIns="91440" tIns="45720" rIns="91440" bIns="45720" rtlCol="0" anchor="ctr"/>
+          <a:lstStyle/>
+          <a:p>
+            <a:endParaRPr lang="en-GB"/>
+          </a:p>
+        </p:txBody>
+      </p:sp>
+      <p:sp>
+        <p:nvSpPr>
+          <p:cNvPr id="5" name="Notes Placeholder 4"/>
+          <p:cNvSpPr>
+            <a:spLocks noGrp="1"/>
+          </p:cNvSpPr>
+          <p:nvPr>
+            <p:ph type="body" sz="quarter" idx="3"/>
+          </p:nvPr>
+        </p:nvSpPr>
+        <p:spPr>
+          <a:xfrm>
+            <a:off x="685800" y="4343400"/>
+            <a:ext cx="5486400" cy="4114800"/>
+          </a:xfrm>
+          <a:prstGeom prst="rect">
+            <a:avLst/>
+          </a:prstGeom>
+        </p:spPr>
+        <p:txBody>
+          <a:bodyPr vert="horz" lIns="91440" tIns="45720" rIns="91440" bIns="45720" rtlCol="0">
+            <a:normAutofit/>
+          </a:bodyPr>
+          <a:lstStyle/>
+          <a:p>
+            <a:pPr lvl="0"/>
+            <a:r>
+              <a:rPr lang="en-US" smtClean="0"/>
+              <a:t>Click to edit Master text styles</a:t>
+            </a:r>
+          </a:p>
+          <a:p>
+            <a:pPr lvl="1"/>
+            <a:r>
+              <a:rPr lang="en-US" smtClean="0"/>
+              <a:t>Second level</a:t>
+            </a:r>
+          </a:p>
+          <a:p>
+            <a:pPr lvl="2"/>
+            <a:r>
+              <a:rPr lang="en-US" smtClean="0"/>
+              <a:t>Third level</a:t>
+            </a:r>
+          </a:p>
+          <a:p>
+            <a:pPr lvl="3"/>
+            <a:r>
+              <a:rPr lang="en-US" smtClean="0"/>
+              <a:t>Fourth level</a:t>
+            </a:r>
+          </a:p>
+          <a:p>
+            <a:pPr lvl="4"/>
+            <a:r>
+              <a:rPr lang="en-US" smtClean="0"/>
+              <a:t>Fifth level</a:t>
+            </a:r>
+            <a:endParaRPr lang="en-GB"/>
+          </a:p>
+        </p:txBody>
+      </p:sp>
+      <p:sp>
+        <p:nvSpPr>
+          <p:cNvPr id="6" name="Footer Placeholder 5"/>
+          <p:cNvSpPr>
+            <a:spLocks noGrp="1"/>
+          </p:cNvSpPr>
+          <p:nvPr>
+            <p:ph type="ftr" sz="quarter" idx="4"/>
+          </p:nvPr>
+        </p:nvSpPr>
+        <p:spPr>
+          <a:xfrm>
+            <a:off x="0" y="8685213"/>
+            <a:ext cx="2971800" cy="457200"/>
+          </a:xfrm>
+          <a:prstGeom prst="rect">
+            <a:avLst/>
+          </a:prstGeom>
+        </p:spPr>
+        <p:txBody>
+          <a:bodyPr vert="horz" lIns="91440" tIns="45720" rIns="91440" bIns="45720" rtlCol="0" anchor="b"/>
+          <a:lstStyle>
+            <a:lvl1pPr algn="l">
+              <a:defRPr sz="1200"/>
+            </a:lvl1pPr>
+          </a:lstStyle>
+          <a:p>
+            <a:endParaRPr lang="en-GB"/>
+          </a:p>
+        </p:txBody>
+      </p:sp>
+      <p:sp>
+        <p:nvSpPr>
+          <p:cNvPr id="7" name="Slide Number Placeholder 6"/>
+          <p:cNvSpPr>
+            <a:spLocks noGrp="1"/>
+          </p:cNvSpPr>
+          <p:nvPr>
+            <p:ph type="sldNum" sz="quarter" idx="5"/>
+          </p:nvPr>
+        </p:nvSpPr>
+        <p:spPr>
+          <a:xfrm>
+            <a:off x="3884613" y="8685213"/>
+            <a:ext cx="2971800" cy="457200"/>
+          </a:xfrm>
+          <a:prstGeom prst="rect">
+            <a:avLst/>
+          </a:prstGeom>
+        </p:spPr>
+        <p:txBody>
+          <a:bodyPr vert="horz" lIns="91440" tIns="45720" rIns="91440" bIns="45720" rtlCol="0" anchor="b"/>
+          <a:lstStyle>
+            <a:lvl1pPr algn="r">
+              <a:defRPr sz="1200"/>
+            </a:lvl1pPr>
+          </a:lstStyle>
+          <a:p>
+            <a:fld id="{75F8A834-C7AC-431A-9AC1-8BE0AF12D329}" type="slidenum">
+              <a:rPr lang="en-GB" smtClean="0"/>
+              <a:t>‹#›</a:t>
+            </a:fld>
+            <a:endParaRPr lang="en-GB"/>
+          </a:p>
+        </p:txBody>
+      </p:sp>
+    </p:spTree>
+  </p:cSld>
+  <p:clrMap bg1="lt1" tx1="dk1" bg2="lt2" tx2="dk2" accent1="accent1" accent2="accent2" accent3="accent3" accent4="accent4" accent5="accent5" accent6="accent6" hlink="hlink" folHlink="folHlink"/>
+  <p:notesStyle>
+    <a:lvl1pPr marL="0" algn="l" defTabSz="914400" rtl="0" eaLnBrk="1" latinLnBrk="0" hangingPunct="1">
+      <a:defRPr sz="1200" kern="1200">
+        <a:solidFill>
+          <a:schemeClr val="tx1"/>
+        </a:solidFill>
+        <a:latin typeface="+mn-lt"/>
+        <a:ea typeface="+mn-ea"/>
+        <a:cs typeface="+mn-cs"/>
+      </a:defRPr>
+    </a:lvl1pPr>
+    <a:lvl2pPr marL="457200" algn="l" defTabSz="914400" rtl="0" eaLnBrk="1" latinLnBrk="0" hangingPunct="1">
+      <a:defRPr sz="1200" kern="1200">
+        <a:solidFill>
+          <a:schemeClr val="tx1"/>
+        </a:solidFill>
+        <a:latin typeface="+mn-lt"/>
+        <a:ea typeface="+mn-ea"/>
+        <a:cs typeface="+mn-cs"/>
+      </a:defRPr>
+    </a:lvl2pPr>
+    <a:lvl3pPr marL="914400" algn="l" defTabSz="914400" rtl="0" eaLnBrk="1" latinLnBrk="0" hangingPunct="1">
+      <a:defRPr sz="1200" kern="1200">
+        <a:solidFill>
+          <a:schemeClr val="tx1"/>
+        </a:solidFill>
+        <a:latin typeface="+mn-lt"/>
+        <a:ea typeface="+mn-ea"/>
+        <a:cs typeface="+mn-cs"/>
+      </a:defRPr>
+    </a:lvl3pPr>
+    <a:lvl4pPr marL="1371600" algn="l" defTabSz="914400" rtl="0" eaLnBrk="1" latinLnBrk="0" hangingPunct="1">
+      <a:defRPr sz="1200" kern="1200">
+        <a:solidFill>
+          <a:schemeClr val="tx1"/>
+        </a:solidFill>
+        <a:latin typeface="+mn-lt"/>
+        <a:ea typeface="+mn-ea"/>
+        <a:cs typeface="+mn-cs"/>
+      </a:defRPr>
+    </a:lvl4pPr>
+    <a:lvl5pPr marL="1828800" algn="l" defTabSz="914400" rtl="0" eaLnBrk="1" latinLnBrk="0" hangingPunct="1">
+      <a:defRPr sz="1200" kern="1200">
+        <a:solidFill>
+          <a:schemeClr val="tx1"/>
+        </a:solidFill>
+        <a:latin typeface="+mn-lt"/>
+        <a:ea typeface="+mn-ea"/>
+        <a:cs typeface="+mn-cs"/>
+      </a:defRPr>
+    </a:lvl5pPr>
+    <a:lvl6pPr marL="2286000" algn="l" defTabSz="914400" rtl="0" eaLnBrk="1" latinLnBrk="0" hangingPunct="1">
+      <a:defRPr sz="1200" kern="1200">
+        <a:solidFill>
+          <a:schemeClr val="tx1"/>
+        </a:solidFill>
+        <a:latin typeface="+mn-lt"/>
+        <a:ea typeface="+mn-ea"/>
+        <a:cs typeface="+mn-cs"/>
+      </a:defRPr>
+    </a:lvl6pPr>
+    <a:lvl7pPr marL="2743200" algn="l" defTabSz="914400" rtl="0" eaLnBrk="1" latinLnBrk="0" hangingPunct="1">
+      <a:defRPr sz="1200" kern="1200">
+        <a:solidFill>
+          <a:schemeClr val="tx1"/>
+        </a:solidFill>
+        <a:latin typeface="+mn-lt"/>
+        <a:ea typeface="+mn-ea"/>
+        <a:cs typeface="+mn-cs"/>
+      </a:defRPr>
+    </a:lvl7pPr>
+    <a:lvl8pPr marL="3200400" algn="l" defTabSz="914400" rtl="0" eaLnBrk="1" latinLnBrk="0" hangingPunct="1">
+      <a:defRPr sz="1200" kern="1200">
+        <a:solidFill>
+          <a:schemeClr val="tx1"/>
+        </a:solidFill>
+        <a:latin typeface="+mn-lt"/>
+        <a:ea typeface="+mn-ea"/>
+        <a:cs typeface="+mn-cs"/>
+      </a:defRPr>
+    </a:lvl8pPr>
+    <a:lvl9pPr marL="3657600" algn="l" defTabSz="914400" rtl="0" eaLnBrk="1" latinLnBrk="0" hangingPunct="1">
+      <a:defRPr sz="1200" kern="1200">
+        <a:solidFill>
+          <a:schemeClr val="tx1"/>
+        </a:solidFill>
+        <a:latin typeface="+mn-lt"/>
+        <a:ea typeface="+mn-ea"/>
+        <a:cs typeface="+mn-cs"/>
+      </a:defRPr>
+    </a:lvl9pPr>
+  </p:notesStyle>
+</p:notesMaster>
+</file>
+
+<file path=ppt/notesSlides/notesSlide1.xml><?xml version="1.0" encoding="utf-8"?>
+<p:notes xmlns:a="http://schemas.openxmlformats.org/drawingml/2006/main" xmlns:r="http://schemas.openxmlformats.org/officeDocument/2006/relationships" xmlns:p="http://schemas.openxmlformats.org/presentationml/2006/main">
+  <p:cSld>
+    <p:spTree>
+      <p:nvGrpSpPr>
+        <p:cNvPr id="1" name=""/>
+        <p:cNvGrpSpPr/>
+        <p:nvPr/>
+      </p:nvGrpSpPr>
+      <p:grpSpPr>
+        <a:xfrm>
+          <a:off x="0" y="0"/>
+          <a:ext cx="0" cy="0"/>
+          <a:chOff x="0" y="0"/>
+          <a:chExt cx="0" cy="0"/>
+        </a:xfrm>
+      </p:grpSpPr>
+      <p:sp>
+        <p:nvSpPr>
+          <p:cNvPr id="2" name="Slide Image Placeholder 1"/>
+          <p:cNvSpPr>
+            <a:spLocks noGrp="1" noRot="1" noChangeAspect="1"/>
+          </p:cNvSpPr>
+          <p:nvPr>
+            <p:ph type="sldImg"/>
+          </p:nvPr>
+        </p:nvSpPr>
+        <p:spPr/>
+      </p:sp>
+      <p:sp>
+        <p:nvSpPr>
+          <p:cNvPr id="3" name="Notes Placeholder 2"/>
+          <p:cNvSpPr>
+            <a:spLocks noGrp="1"/>
+          </p:cNvSpPr>
+          <p:nvPr>
+            <p:ph type="body" idx="1"/>
+          </p:nvPr>
+        </p:nvSpPr>
+        <p:spPr/>
+        <p:txBody>
+          <a:bodyPr>
+            <a:normAutofit/>
+          </a:bodyPr>
+          <a:lstStyle/>
+          <a:p>
+            <a:endParaRPr lang="en-GB" dirty="0"/>
+          </a:p>
+        </p:txBody>
+      </p:sp>
+      <p:sp>
+        <p:nvSpPr>
+          <p:cNvPr id="4" name="Slide Number Placeholder 3"/>
+          <p:cNvSpPr>
+            <a:spLocks noGrp="1"/>
+          </p:cNvSpPr>
+          <p:nvPr>
+            <p:ph type="sldNum" sz="quarter" idx="10"/>
+          </p:nvPr>
+        </p:nvSpPr>
+        <p:spPr/>
+        <p:txBody>
+          <a:bodyPr/>
+          <a:lstStyle/>
+          <a:p>
+            <a:fld id="{75F8A834-C7AC-431A-9AC1-8BE0AF12D329}" type="slidenum">
+              <a:rPr lang="en-GB" smtClean="0"/>
+              <a:t>1</a:t>
+            </a:fld>
+            <a:endParaRPr lang="en-GB"/>
+          </a:p>
+        </p:txBody>
+      </p:sp>
+    </p:spTree>
+  </p:cSld>
+  <p:clrMapOvr>
+    <a:masterClrMapping/>
+  </p:clrMapOvr>
+</p:notes>
+</file>
+
 <file path=ppt/slideLayouts/slideLayout1.xml><?xml version="1.0" encoding="utf-8"?>
 <p:sldLayout xmlns:a="http://schemas.openxmlformats.org/drawingml/2006/main" xmlns:r="http://schemas.openxmlformats.org/officeDocument/2006/relationships" xmlns:p="http://schemas.openxmlformats.org/presentationml/2006/main" type="title" preserve="1">
   <p:cSld name="Title Slide">
@@ -290,7 +721,7 @@
             <a:fld id="{9E7539CF-A853-46E9-9284-C283F40F4A5C}" type="datetimeFigureOut">
               <a:rPr lang="en-GB" smtClean="0"/>
               <a:pPr/>
-              <a:t>04/12/2014</a:t>
+              <a:t>08/12/2014</a:t>
             </a:fld>
             <a:endParaRPr lang="en-GB"/>
           </a:p>
@@ -457,7 +888,7 @@
             <a:fld id="{9E7539CF-A853-46E9-9284-C283F40F4A5C}" type="datetimeFigureOut">
               <a:rPr lang="en-GB" smtClean="0"/>
               <a:pPr/>
-              <a:t>04/12/2014</a:t>
+              <a:t>08/12/2014</a:t>
             </a:fld>
             <a:endParaRPr lang="en-GB"/>
           </a:p>
@@ -634,7 +1065,7 @@
             <a:fld id="{9E7539CF-A853-46E9-9284-C283F40F4A5C}" type="datetimeFigureOut">
               <a:rPr lang="en-GB" smtClean="0"/>
               <a:pPr/>
-              <a:t>04/12/2014</a:t>
+              <a:t>08/12/2014</a:t>
             </a:fld>
             <a:endParaRPr lang="en-GB"/>
           </a:p>
@@ -801,7 +1232,7 @@
             <a:fld id="{9E7539CF-A853-46E9-9284-C283F40F4A5C}" type="datetimeFigureOut">
               <a:rPr lang="en-GB" smtClean="0"/>
               <a:pPr/>
-              <a:t>04/12/2014</a:t>
+              <a:t>08/12/2014</a:t>
             </a:fld>
             <a:endParaRPr lang="en-GB"/>
           </a:p>
@@ -1044,7 +1475,7 @@
             <a:fld id="{9E7539CF-A853-46E9-9284-C283F40F4A5C}" type="datetimeFigureOut">
               <a:rPr lang="en-GB" smtClean="0"/>
               <a:pPr/>
-              <a:t>04/12/2014</a:t>
+              <a:t>08/12/2014</a:t>
             </a:fld>
             <a:endParaRPr lang="en-GB"/>
           </a:p>
@@ -1329,7 +1760,7 @@
             <a:fld id="{9E7539CF-A853-46E9-9284-C283F40F4A5C}" type="datetimeFigureOut">
               <a:rPr lang="en-GB" smtClean="0"/>
               <a:pPr/>
-              <a:t>04/12/2014</a:t>
+              <a:t>08/12/2014</a:t>
             </a:fld>
             <a:endParaRPr lang="en-GB"/>
           </a:p>
@@ -1748,7 +2179,7 @@
             <a:fld id="{9E7539CF-A853-46E9-9284-C283F40F4A5C}" type="datetimeFigureOut">
               <a:rPr lang="en-GB" smtClean="0"/>
               <a:pPr/>
-              <a:t>04/12/2014</a:t>
+              <a:t>08/12/2014</a:t>
             </a:fld>
             <a:endParaRPr lang="en-GB"/>
           </a:p>
@@ -1863,7 +2294,7 @@
             <a:fld id="{9E7539CF-A853-46E9-9284-C283F40F4A5C}" type="datetimeFigureOut">
               <a:rPr lang="en-GB" smtClean="0"/>
               <a:pPr/>
-              <a:t>04/12/2014</a:t>
+              <a:t>08/12/2014</a:t>
             </a:fld>
             <a:endParaRPr lang="en-GB"/>
           </a:p>
@@ -1955,7 +2386,7 @@
             <a:fld id="{9E7539CF-A853-46E9-9284-C283F40F4A5C}" type="datetimeFigureOut">
               <a:rPr lang="en-GB" smtClean="0"/>
               <a:pPr/>
-              <a:t>04/12/2014</a:t>
+              <a:t>08/12/2014</a:t>
             </a:fld>
             <a:endParaRPr lang="en-GB"/>
           </a:p>
@@ -2229,7 +2660,7 @@
             <a:fld id="{9E7539CF-A853-46E9-9284-C283F40F4A5C}" type="datetimeFigureOut">
               <a:rPr lang="en-GB" smtClean="0"/>
               <a:pPr/>
-              <a:t>04/12/2014</a:t>
+              <a:t>08/12/2014</a:t>
             </a:fld>
             <a:endParaRPr lang="en-GB"/>
           </a:p>
@@ -2479,7 +2910,7 @@
             <a:fld id="{9E7539CF-A853-46E9-9284-C283F40F4A5C}" type="datetimeFigureOut">
               <a:rPr lang="en-GB" smtClean="0"/>
               <a:pPr/>
-              <a:t>04/12/2014</a:t>
+              <a:t>08/12/2014</a:t>
             </a:fld>
             <a:endParaRPr lang="en-GB"/>
           </a:p>
@@ -2689,7 +3120,7 @@
             <a:fld id="{9E7539CF-A853-46E9-9284-C283F40F4A5C}" type="datetimeFigureOut">
               <a:rPr lang="en-GB" smtClean="0"/>
               <a:pPr/>
-              <a:t>04/12/2014</a:t>
+              <a:t>08/12/2014</a:t>
             </a:fld>
             <a:endParaRPr lang="en-GB"/>
           </a:p>
@@ -3062,14 +3493,14 @@
       </p:grpSpPr>
       <p:sp>
         <p:nvSpPr>
-          <p:cNvPr id="53" name="Rectangle 52"/>
+          <p:cNvPr id="62" name="Rectangle 61"/>
           <p:cNvSpPr/>
           <p:nvPr/>
         </p:nvSpPr>
         <p:spPr>
           <a:xfrm>
-            <a:off x="2411760" y="4365104"/>
-            <a:ext cx="4320480" cy="2204864"/>
+            <a:off x="2483768" y="2996952"/>
+            <a:ext cx="1296144" cy="288032"/>
           </a:xfrm>
           <a:prstGeom prst="rect">
             <a:avLst/>
@@ -3077,41 +3508,242 @@
         </p:spPr>
         <p:style>
           <a:lnRef idx="1">
-            <a:schemeClr val="accent1"/>
+            <a:schemeClr val="accent3"/>
           </a:lnRef>
           <a:fillRef idx="2">
-            <a:schemeClr val="accent1"/>
+            <a:schemeClr val="accent3"/>
           </a:fillRef>
           <a:effectRef idx="1">
-            <a:schemeClr val="accent1"/>
+            <a:schemeClr val="accent3"/>
           </a:effectRef>
           <a:fontRef idx="minor">
             <a:schemeClr val="dk1"/>
           </a:fontRef>
         </p:style>
         <p:txBody>
-          <a:bodyPr rtlCol="0" anchor="ctr"/>
+          <a:bodyPr rtlCol="0" anchor="t"/>
           <a:lstStyle/>
           <a:p>
             <a:pPr algn="ctr"/>
-            <a:endParaRPr lang="en-GB"/>
+            <a:r>
+              <a:rPr lang="en-GB" sz="1000" dirty="0" err="1" smtClean="0"/>
+              <a:t>RegistrationApi</a:t>
+            </a:r>
+            <a:endParaRPr lang="en-GB" sz="1000" dirty="0"/>
+          </a:p>
+        </p:txBody>
+      </p:sp>
+      <p:cxnSp>
+        <p:nvCxnSpPr>
+          <p:cNvPr id="64" name="Straight Connector 63"/>
+          <p:cNvCxnSpPr>
+            <a:stCxn id="65" idx="2"/>
+            <a:endCxn id="51" idx="0"/>
+          </p:cNvCxnSpPr>
+          <p:nvPr/>
+        </p:nvCxnSpPr>
+        <p:spPr>
+          <a:xfrm>
+            <a:off x="4572000" y="3284984"/>
+            <a:ext cx="0" cy="720080"/>
+          </a:xfrm>
+          <a:prstGeom prst="line">
+            <a:avLst/>
+          </a:prstGeom>
+        </p:spPr>
+        <p:style>
+          <a:lnRef idx="1">
+            <a:schemeClr val="accent1"/>
+          </a:lnRef>
+          <a:fillRef idx="0">
+            <a:schemeClr val="accent1"/>
+          </a:fillRef>
+          <a:effectRef idx="0">
+            <a:schemeClr val="accent1"/>
+          </a:effectRef>
+          <a:fontRef idx="minor">
+            <a:schemeClr val="tx1"/>
+          </a:fontRef>
+        </p:style>
+      </p:cxnSp>
+      <p:sp>
+        <p:nvSpPr>
+          <p:cNvPr id="65" name="Rectangle 64"/>
+          <p:cNvSpPr/>
+          <p:nvPr/>
+        </p:nvSpPr>
+        <p:spPr>
+          <a:xfrm>
+            <a:off x="3923928" y="2996952"/>
+            <a:ext cx="1296144" cy="288032"/>
+          </a:xfrm>
+          <a:prstGeom prst="rect">
+            <a:avLst/>
+          </a:prstGeom>
+        </p:spPr>
+        <p:style>
+          <a:lnRef idx="1">
+            <a:schemeClr val="accent3"/>
+          </a:lnRef>
+          <a:fillRef idx="2">
+            <a:schemeClr val="accent3"/>
+          </a:fillRef>
+          <a:effectRef idx="1">
+            <a:schemeClr val="accent3"/>
+          </a:effectRef>
+          <a:fontRef idx="minor">
+            <a:schemeClr val="dk1"/>
+          </a:fontRef>
+        </p:style>
+        <p:txBody>
+          <a:bodyPr rtlCol="0" anchor="t"/>
+          <a:lstStyle/>
+          <a:p>
+            <a:pPr algn="ctr"/>
+            <a:r>
+              <a:rPr lang="en-GB" sz="1000" dirty="0" err="1" smtClean="0"/>
+              <a:t>AdminMemberApi</a:t>
+            </a:r>
+            <a:endParaRPr lang="en-GB" sz="1000" dirty="0"/>
+          </a:p>
+        </p:txBody>
+      </p:sp>
+      <p:sp>
+        <p:nvSpPr>
+          <p:cNvPr id="66" name="Rectangle 65"/>
+          <p:cNvSpPr/>
+          <p:nvPr/>
+        </p:nvSpPr>
+        <p:spPr>
+          <a:xfrm>
+            <a:off x="1403648" y="1412776"/>
+            <a:ext cx="1296144" cy="288032"/>
+          </a:xfrm>
+          <a:prstGeom prst="rect">
+            <a:avLst/>
+          </a:prstGeom>
+        </p:spPr>
+        <p:style>
+          <a:lnRef idx="1">
+            <a:schemeClr val="accent6"/>
+          </a:lnRef>
+          <a:fillRef idx="2">
+            <a:schemeClr val="accent6"/>
+          </a:fillRef>
+          <a:effectRef idx="1">
+            <a:schemeClr val="accent6"/>
+          </a:effectRef>
+          <a:fontRef idx="minor">
+            <a:schemeClr val="dk1"/>
+          </a:fontRef>
+        </p:style>
+        <p:txBody>
+          <a:bodyPr rtlCol="0" anchor="t"/>
+          <a:lstStyle/>
+          <a:p>
+            <a:pPr algn="ctr"/>
+            <a:r>
+              <a:rPr lang="en-GB" sz="1000" dirty="0" err="1" smtClean="0"/>
+              <a:t>SiteController</a:t>
+            </a:r>
+            <a:endParaRPr lang="en-GB" sz="1000" dirty="0"/>
+          </a:p>
+        </p:txBody>
+      </p:sp>
+      <p:sp>
+        <p:nvSpPr>
+          <p:cNvPr id="34" name="Rectangle 33"/>
+          <p:cNvSpPr/>
+          <p:nvPr/>
+        </p:nvSpPr>
+        <p:spPr>
+          <a:xfrm>
+            <a:off x="5364088" y="2996952"/>
+            <a:ext cx="1296144" cy="288032"/>
+          </a:xfrm>
+          <a:prstGeom prst="rect">
+            <a:avLst/>
+          </a:prstGeom>
+        </p:spPr>
+        <p:style>
+          <a:lnRef idx="1">
+            <a:schemeClr val="accent3"/>
+          </a:lnRef>
+          <a:fillRef idx="2">
+            <a:schemeClr val="accent3"/>
+          </a:fillRef>
+          <a:effectRef idx="1">
+            <a:schemeClr val="accent3"/>
+          </a:effectRef>
+          <a:fontRef idx="minor">
+            <a:schemeClr val="dk1"/>
+          </a:fontRef>
+        </p:style>
+        <p:txBody>
+          <a:bodyPr rtlCol="0" anchor="t"/>
+          <a:lstStyle/>
+          <a:p>
+            <a:pPr algn="ctr"/>
+            <a:r>
+              <a:rPr lang="en-GB" sz="1000" dirty="0" err="1" smtClean="0"/>
+              <a:t>CaptchaApi</a:t>
+            </a:r>
+            <a:endParaRPr lang="en-GB" sz="1000" dirty="0"/>
           </a:p>
         </p:txBody>
       </p:sp>
       <p:grpSp>
         <p:nvGrpSpPr>
-          <p:cNvPr id="60" name="Group 59"/>
+          <p:cNvPr id="38" name="Group 37"/>
           <p:cNvGrpSpPr/>
           <p:nvPr/>
         </p:nvGrpSpPr>
         <p:grpSpPr>
           <a:xfrm>
-            <a:off x="683568" y="4221088"/>
-            <a:ext cx="1520552" cy="2348880"/>
-            <a:chOff x="179512" y="4509120"/>
-            <a:chExt cx="1520552" cy="2348880"/>
+            <a:off x="683568" y="4005064"/>
+            <a:ext cx="7776864" cy="2736304"/>
+            <a:chOff x="683568" y="4005064"/>
+            <a:chExt cx="7776864" cy="2736304"/>
           </a:xfrm>
         </p:grpSpPr>
+        <p:sp>
+          <p:nvSpPr>
+            <p:cNvPr id="53" name="Rectangle 52"/>
+            <p:cNvSpPr/>
+            <p:nvPr/>
+          </p:nvSpPr>
+          <p:spPr>
+            <a:xfrm>
+              <a:off x="2411760" y="4149080"/>
+              <a:ext cx="4320480" cy="2592288"/>
+            </a:xfrm>
+            <a:prstGeom prst="rect">
+              <a:avLst/>
+            </a:prstGeom>
+          </p:spPr>
+          <p:style>
+            <a:lnRef idx="1">
+              <a:schemeClr val="accent1"/>
+            </a:lnRef>
+            <a:fillRef idx="2">
+              <a:schemeClr val="accent1"/>
+            </a:fillRef>
+            <a:effectRef idx="1">
+              <a:schemeClr val="accent1"/>
+            </a:effectRef>
+            <a:fontRef idx="minor">
+              <a:schemeClr val="dk1"/>
+            </a:fontRef>
+          </p:style>
+          <p:txBody>
+            <a:bodyPr rtlCol="0" anchor="ctr"/>
+            <a:lstStyle/>
+            <a:p>
+              <a:pPr algn="ctr"/>
+              <a:endParaRPr lang="en-GB"/>
+            </a:p>
+          </p:txBody>
+        </p:sp>
         <p:sp>
           <p:nvSpPr>
             <p:cNvPr id="57" name="Rectangle 56"/>
@@ -3120,8 +3752,8 @@
           </p:nvSpPr>
           <p:spPr>
             <a:xfrm>
-              <a:off x="179512" y="4653136"/>
-              <a:ext cx="1520552" cy="2204864"/>
+              <a:off x="683568" y="4149080"/>
+              <a:ext cx="1520552" cy="2592288"/>
             </a:xfrm>
             <a:prstGeom prst="rect">
               <a:avLst/>
@@ -3158,7 +3790,7 @@
           </p:nvGrpSpPr>
           <p:grpSpPr>
             <a:xfrm>
-              <a:off x="291716" y="4509120"/>
+              <a:off x="795772" y="4005064"/>
               <a:ext cx="1296144" cy="1656184"/>
               <a:chOff x="323528" y="4509120"/>
               <a:chExt cx="1296144" cy="1656184"/>
@@ -3324,21 +3956,6 @@
             </p:txBody>
           </p:sp>
         </p:grpSp>
-      </p:grpSp>
-      <p:grpSp>
-        <p:nvGrpSpPr>
-          <p:cNvPr id="56" name="Group 55"/>
-          <p:cNvGrpSpPr/>
-          <p:nvPr/>
-        </p:nvGrpSpPr>
-        <p:grpSpPr>
-          <a:xfrm>
-            <a:off x="2483768" y="4221088"/>
-            <a:ext cx="4176464" cy="2160240"/>
-            <a:chOff x="1979712" y="4509120"/>
-            <a:chExt cx="4176464" cy="2160240"/>
-          </a:xfrm>
-        </p:grpSpPr>
         <p:sp>
           <p:nvSpPr>
             <p:cNvPr id="8" name="Rectangle 7"/>
@@ -3347,7 +3964,7 @@
           </p:nvSpPr>
           <p:spPr>
             <a:xfrm>
-              <a:off x="3419872" y="5877272"/>
+              <a:off x="3923928" y="5373216"/>
               <a:ext cx="1296144" cy="288032"/>
             </a:xfrm>
             <a:prstGeom prst="rect">
@@ -3389,7 +4006,7 @@
           </p:nvSpPr>
           <p:spPr>
             <a:xfrm>
-              <a:off x="2699792" y="6381328"/>
+              <a:off x="3203848" y="5877272"/>
               <a:ext cx="1296144" cy="288032"/>
             </a:xfrm>
             <a:prstGeom prst="rect">
@@ -3431,7 +4048,7 @@
           </p:nvSpPr>
           <p:spPr>
             <a:xfrm>
-              <a:off x="1979712" y="5877272"/>
+              <a:off x="2483768" y="5373216"/>
               <a:ext cx="1296144" cy="288032"/>
             </a:xfrm>
             <a:prstGeom prst="rect">
@@ -3473,7 +4090,7 @@
           </p:nvSpPr>
           <p:spPr>
             <a:xfrm>
-              <a:off x="2699792" y="5085184"/>
+              <a:off x="3203848" y="4581128"/>
               <a:ext cx="1296144" cy="288032"/>
             </a:xfrm>
             <a:prstGeom prst="rect">
@@ -3515,7 +4132,7 @@
           </p:nvSpPr>
           <p:spPr>
             <a:xfrm>
-              <a:off x="4139952" y="5085184"/>
+              <a:off x="4644008" y="4581128"/>
               <a:ext cx="1296144" cy="288032"/>
             </a:xfrm>
             <a:prstGeom prst="rect">
@@ -3557,7 +4174,7 @@
           </p:nvSpPr>
           <p:spPr>
             <a:xfrm>
-              <a:off x="4139952" y="6381328"/>
+              <a:off x="4644008" y="5877272"/>
               <a:ext cx="1296144" cy="288032"/>
             </a:xfrm>
             <a:prstGeom prst="rect">
@@ -3599,7 +4216,7 @@
           </p:nvSpPr>
           <p:spPr>
             <a:xfrm>
-              <a:off x="4860032" y="5877272"/>
+              <a:off x="5364088" y="5373216"/>
               <a:ext cx="1296144" cy="288032"/>
             </a:xfrm>
             <a:prstGeom prst="rect">
@@ -3644,7 +4261,7 @@
           </p:nvCxnSpPr>
           <p:spPr>
             <a:xfrm flipH="1">
-              <a:off x="4067944" y="5373216"/>
+              <a:off x="4572000" y="4869160"/>
               <a:ext cx="720080" cy="504056"/>
             </a:xfrm>
             <a:prstGeom prst="line">
@@ -3677,7 +4294,7 @@
           </p:nvCxnSpPr>
           <p:spPr>
             <a:xfrm>
-              <a:off x="4788024" y="5373216"/>
+              <a:off x="5292080" y="4869160"/>
               <a:ext cx="0" cy="1008112"/>
             </a:xfrm>
             <a:prstGeom prst="line">
@@ -3710,7 +4327,7 @@
           </p:nvCxnSpPr>
           <p:spPr>
             <a:xfrm>
-              <a:off x="4788024" y="5373216"/>
+              <a:off x="5292080" y="4869160"/>
               <a:ext cx="720080" cy="504056"/>
             </a:xfrm>
             <a:prstGeom prst="line">
@@ -3743,7 +4360,7 @@
           </p:nvCxnSpPr>
           <p:spPr>
             <a:xfrm>
-              <a:off x="3347864" y="5373216"/>
+              <a:off x="3851920" y="4869160"/>
               <a:ext cx="720080" cy="504056"/>
             </a:xfrm>
             <a:prstGeom prst="line">
@@ -3776,7 +4393,7 @@
           </p:nvCxnSpPr>
           <p:spPr>
             <a:xfrm flipH="1">
-              <a:off x="2627784" y="5373216"/>
+              <a:off x="3131840" y="4869160"/>
               <a:ext cx="720080" cy="504056"/>
             </a:xfrm>
             <a:prstGeom prst="line">
@@ -3809,7 +4426,7 @@
           </p:nvCxnSpPr>
           <p:spPr>
             <a:xfrm>
-              <a:off x="3347864" y="5373216"/>
+              <a:off x="3851920" y="4869160"/>
               <a:ext cx="0" cy="1008112"/>
             </a:xfrm>
             <a:prstGeom prst="line">
@@ -3839,7 +4456,7 @@
           </p:nvSpPr>
           <p:spPr>
             <a:xfrm>
-              <a:off x="3419872" y="4509120"/>
+              <a:off x="3923928" y="4005064"/>
               <a:ext cx="1296144" cy="288032"/>
             </a:xfrm>
             <a:prstGeom prst="rect">
@@ -3873,21 +4490,6 @@
             </a:p>
           </p:txBody>
         </p:sp>
-      </p:grpSp>
-      <p:grpSp>
-        <p:nvGrpSpPr>
-          <p:cNvPr id="58" name="Group 57"/>
-          <p:cNvGrpSpPr/>
-          <p:nvPr/>
-        </p:nvGrpSpPr>
-        <p:grpSpPr>
-          <a:xfrm>
-            <a:off x="6939880" y="4221088"/>
-            <a:ext cx="1520552" cy="2348880"/>
-            <a:chOff x="6435824" y="4509120"/>
-            <a:chExt cx="1520552" cy="2348880"/>
-          </a:xfrm>
-        </p:grpSpPr>
         <p:sp>
           <p:nvSpPr>
             <p:cNvPr id="54" name="Rectangle 53"/>
@@ -3896,8 +4498,8 @@
           </p:nvSpPr>
           <p:spPr>
             <a:xfrm>
-              <a:off x="6435824" y="4653136"/>
-              <a:ext cx="1520552" cy="2204864"/>
+              <a:off x="6939880" y="4149080"/>
+              <a:ext cx="1520552" cy="2592288"/>
             </a:xfrm>
             <a:prstGeom prst="rect">
               <a:avLst/>
@@ -3934,7 +4536,7 @@
           </p:nvSpPr>
           <p:spPr>
             <a:xfrm>
-              <a:off x="6548028" y="5085184"/>
+              <a:off x="7052084" y="4581128"/>
               <a:ext cx="1296144" cy="288032"/>
             </a:xfrm>
             <a:prstGeom prst="rect">
@@ -3976,7 +4578,7 @@
           </p:nvSpPr>
           <p:spPr>
             <a:xfrm>
-              <a:off x="6548028" y="4509120"/>
+              <a:off x="7052084" y="4005064"/>
               <a:ext cx="1296144" cy="288032"/>
             </a:xfrm>
             <a:prstGeom prst="rect">
@@ -4010,20 +4612,95 @@
             </a:p>
           </p:txBody>
         </p:sp>
+        <p:cxnSp>
+          <p:nvCxnSpPr>
+            <p:cNvPr id="40" name="Straight Connector 39"/>
+            <p:cNvCxnSpPr>
+              <a:stCxn id="11" idx="1"/>
+              <a:endCxn id="7" idx="3"/>
+            </p:cNvCxnSpPr>
+            <p:nvPr/>
+          </p:nvCxnSpPr>
+          <p:spPr>
+            <a:xfrm flipH="1">
+              <a:off x="2091916" y="4725144"/>
+              <a:ext cx="1111932" cy="0"/>
+            </a:xfrm>
+            <a:prstGeom prst="line">
+              <a:avLst/>
+            </a:prstGeom>
+          </p:spPr>
+          <p:style>
+            <a:lnRef idx="1">
+              <a:schemeClr val="accent1"/>
+            </a:lnRef>
+            <a:fillRef idx="0">
+              <a:schemeClr val="accent1"/>
+            </a:fillRef>
+            <a:effectRef idx="0">
+              <a:schemeClr val="accent1"/>
+            </a:effectRef>
+            <a:fontRef idx="minor">
+              <a:schemeClr val="tx1"/>
+            </a:fontRef>
+          </p:style>
+        </p:cxnSp>
+        <p:sp>
+          <p:nvSpPr>
+            <p:cNvPr id="36" name="Rectangle 35"/>
+            <p:cNvSpPr/>
+            <p:nvPr/>
+          </p:nvSpPr>
+          <p:spPr>
+            <a:xfrm>
+              <a:off x="3203848" y="6309320"/>
+              <a:ext cx="1296144" cy="288032"/>
+            </a:xfrm>
+            <a:prstGeom prst="rect">
+              <a:avLst/>
+            </a:prstGeom>
+          </p:spPr>
+          <p:style>
+            <a:lnRef idx="1">
+              <a:schemeClr val="dk1"/>
+            </a:lnRef>
+            <a:fillRef idx="2">
+              <a:schemeClr val="dk1"/>
+            </a:fillRef>
+            <a:effectRef idx="1">
+              <a:schemeClr val="dk1"/>
+            </a:effectRef>
+            <a:fontRef idx="minor">
+              <a:schemeClr val="dk1"/>
+            </a:fontRef>
+          </p:style>
+          <p:txBody>
+            <a:bodyPr rtlCol="0" anchor="t"/>
+            <a:lstStyle/>
+            <a:p>
+              <a:pPr algn="ctr"/>
+              <a:r>
+                <a:rPr lang="en-GB" sz="1000" dirty="0" err="1" smtClean="0"/>
+                <a:t>ActivationEmail</a:t>
+              </a:r>
+              <a:endParaRPr lang="en-GB" sz="1000" dirty="0"/>
+            </a:p>
+          </p:txBody>
+        </p:sp>
       </p:grpSp>
       <p:cxnSp>
         <p:nvCxnSpPr>
-          <p:cNvPr id="40" name="Straight Connector 39"/>
+          <p:cNvPr id="41" name="Straight Connector 40"/>
           <p:cNvCxnSpPr>
-            <a:stCxn id="11" idx="1"/>
-            <a:endCxn id="7" idx="3"/>
+            <a:stCxn id="34" idx="2"/>
+            <a:endCxn id="51" idx="0"/>
           </p:cNvCxnSpPr>
           <p:nvPr/>
         </p:nvCxnSpPr>
         <p:spPr>
           <a:xfrm flipH="1">
-            <a:off x="2091916" y="4941168"/>
-            <a:ext cx="1111932" cy="0"/>
+            <a:off x="4572000" y="3284984"/>
+            <a:ext cx="1440160" cy="720080"/>
           </a:xfrm>
           <a:prstGeom prst="line">
             <a:avLst/>
@@ -4046,13 +4723,13 @@
       </p:cxnSp>
       <p:sp>
         <p:nvSpPr>
-          <p:cNvPr id="62" name="Rectangle 61"/>
+          <p:cNvPr id="45" name="Rectangle 44"/>
           <p:cNvSpPr/>
           <p:nvPr/>
         </p:nvSpPr>
         <p:spPr>
           <a:xfrm>
-            <a:off x="2411760" y="3212976"/>
+            <a:off x="7020272" y="2996952"/>
             <a:ext cx="1296144" cy="288032"/>
           </a:xfrm>
           <a:prstGeom prst="rect">
@@ -4080,7 +4757,7 @@
             <a:pPr algn="ctr"/>
             <a:r>
               <a:rPr lang="en-GB" sz="1000" dirty="0" err="1" smtClean="0"/>
-              <a:t>RegistrationApi</a:t>
+              <a:t>ConfigurationApi</a:t>
             </a:r>
             <a:endParaRPr lang="en-GB" sz="1000" dirty="0"/>
           </a:p>
@@ -4088,7 +4765,7 @@
       </p:sp>
       <p:cxnSp>
         <p:nvCxnSpPr>
-          <p:cNvPr id="64" name="Straight Connector 63"/>
+          <p:cNvPr id="46" name="Straight Connector 45"/>
           <p:cNvCxnSpPr>
             <a:stCxn id="62" idx="2"/>
             <a:endCxn id="51" idx="0"/>
@@ -4097,8 +4774,8 @@
         </p:nvCxnSpPr>
         <p:spPr>
           <a:xfrm>
-            <a:off x="3059832" y="3501008"/>
-            <a:ext cx="1512168" cy="720080"/>
+            <a:off x="3131840" y="3284984"/>
+            <a:ext cx="1440160" cy="720080"/>
           </a:xfrm>
           <a:prstGeom prst="line">
             <a:avLst/>
@@ -4119,132 +4796,39 @@
           </a:fontRef>
         </p:style>
       </p:cxnSp>
-      <p:sp>
-        <p:nvSpPr>
-          <p:cNvPr id="65" name="Rectangle 64"/>
-          <p:cNvSpPr/>
+      <p:cxnSp>
+        <p:nvCxnSpPr>
+          <p:cNvPr id="49" name="Straight Connector 48"/>
+          <p:cNvCxnSpPr>
+            <a:stCxn id="45" idx="2"/>
+            <a:endCxn id="52" idx="0"/>
+          </p:cNvCxnSpPr>
           <p:nvPr/>
-        </p:nvSpPr>
+        </p:nvCxnSpPr>
         <p:spPr>
           <a:xfrm>
-            <a:off x="3851920" y="3212976"/>
-            <a:ext cx="1296144" cy="288032"/>
+            <a:off x="7668344" y="3284984"/>
+            <a:ext cx="31812" cy="720080"/>
           </a:xfrm>
-          <a:prstGeom prst="rect">
+          <a:prstGeom prst="line">
             <a:avLst/>
           </a:prstGeom>
         </p:spPr>
         <p:style>
           <a:lnRef idx="1">
-            <a:schemeClr val="accent3"/>
+            <a:schemeClr val="accent1"/>
           </a:lnRef>
-          <a:fillRef idx="2">
-            <a:schemeClr val="accent3"/>
+          <a:fillRef idx="0">
+            <a:schemeClr val="accent1"/>
           </a:fillRef>
-          <a:effectRef idx="1">
-            <a:schemeClr val="accent3"/>
+          <a:effectRef idx="0">
+            <a:schemeClr val="accent1"/>
           </a:effectRef>
           <a:fontRef idx="minor">
-            <a:schemeClr val="dk1"/>
+            <a:schemeClr val="tx1"/>
           </a:fontRef>
         </p:style>
-        <p:txBody>
-          <a:bodyPr rtlCol="0" anchor="t"/>
-          <a:lstStyle/>
-          <a:p>
-            <a:pPr algn="ctr"/>
-            <a:r>
-              <a:rPr lang="en-GB" sz="1000" dirty="0" err="1" smtClean="0"/>
-              <a:t>CaptchaApi</a:t>
-            </a:r>
-            <a:endParaRPr lang="en-GB" sz="1000" dirty="0"/>
-          </a:p>
-        </p:txBody>
-      </p:sp>
-      <p:sp>
-        <p:nvSpPr>
-          <p:cNvPr id="66" name="Rectangle 65"/>
-          <p:cNvSpPr/>
-          <p:nvPr/>
-        </p:nvSpPr>
-        <p:spPr>
-          <a:xfrm>
-            <a:off x="1403648" y="1628800"/>
-            <a:ext cx="1296144" cy="288032"/>
-          </a:xfrm>
-          <a:prstGeom prst="rect">
-            <a:avLst/>
-          </a:prstGeom>
-        </p:spPr>
-        <p:style>
-          <a:lnRef idx="1">
-            <a:schemeClr val="accent6"/>
-          </a:lnRef>
-          <a:fillRef idx="2">
-            <a:schemeClr val="accent6"/>
-          </a:fillRef>
-          <a:effectRef idx="1">
-            <a:schemeClr val="accent6"/>
-          </a:effectRef>
-          <a:fontRef idx="minor">
-            <a:schemeClr val="dk1"/>
-          </a:fontRef>
-        </p:style>
-        <p:txBody>
-          <a:bodyPr rtlCol="0" anchor="t"/>
-          <a:lstStyle/>
-          <a:p>
-            <a:pPr algn="ctr"/>
-            <a:r>
-              <a:rPr lang="en-GB" sz="1000" dirty="0" err="1" smtClean="0"/>
-              <a:t>SiteController</a:t>
-            </a:r>
-            <a:endParaRPr lang="en-GB" sz="1000" dirty="0"/>
-          </a:p>
-        </p:txBody>
-      </p:sp>
-      <p:sp>
-        <p:nvSpPr>
-          <p:cNvPr id="34" name="Rectangle 33"/>
-          <p:cNvSpPr/>
-          <p:nvPr/>
-        </p:nvSpPr>
-        <p:spPr>
-          <a:xfrm>
-            <a:off x="5292080" y="3212976"/>
-            <a:ext cx="1296144" cy="288032"/>
-          </a:xfrm>
-          <a:prstGeom prst="rect">
-            <a:avLst/>
-          </a:prstGeom>
-        </p:spPr>
-        <p:style>
-          <a:lnRef idx="1">
-            <a:schemeClr val="accent3"/>
-          </a:lnRef>
-          <a:fillRef idx="2">
-            <a:schemeClr val="accent3"/>
-          </a:fillRef>
-          <a:effectRef idx="1">
-            <a:schemeClr val="accent3"/>
-          </a:effectRef>
-          <a:fontRef idx="minor">
-            <a:schemeClr val="dk1"/>
-          </a:fontRef>
-        </p:style>
-        <p:txBody>
-          <a:bodyPr rtlCol="0" anchor="t"/>
-          <a:lstStyle/>
-          <a:p>
-            <a:pPr algn="ctr"/>
-            <a:r>
-              <a:rPr lang="en-GB" sz="1000" dirty="0" err="1" smtClean="0"/>
-              <a:t>CaptchaApi</a:t>
-            </a:r>
-            <a:endParaRPr lang="en-GB" sz="1000" dirty="0"/>
-          </a:p>
-        </p:txBody>
-      </p:sp>
+      </p:cxnSp>
     </p:spTree>
   </p:cSld>
   <p:clrMapOvr>
@@ -5680,4 +6264,287 @@
   <a:objectDefaults/>
   <a:extraClrSchemeLst/>
 </a:theme>
+</file>
+
+<file path=ppt/theme/theme2.xml><?xml version="1.0" encoding="utf-8"?>
+<a:theme xmlns:a="http://schemas.openxmlformats.org/drawingml/2006/main" name="Office Theme">
+  <a:themeElements>
+    <a:clrScheme name="Office">
+      <a:dk1>
+        <a:sysClr val="windowText" lastClr="000000"/>
+      </a:dk1>
+      <a:lt1>
+        <a:sysClr val="window" lastClr="FFFFFF"/>
+      </a:lt1>
+      <a:dk2>
+        <a:srgbClr val="1F497D"/>
+      </a:dk2>
+      <a:lt2>
+        <a:srgbClr val="EEECE1"/>
+      </a:lt2>
+      <a:accent1>
+        <a:srgbClr val="4F81BD"/>
+      </a:accent1>
+      <a:accent2>
+        <a:srgbClr val="C0504D"/>
+      </a:accent2>
+      <a:accent3>
+        <a:srgbClr val="9BBB59"/>
+      </a:accent3>
+      <a:accent4>
+        <a:srgbClr val="8064A2"/>
+      </a:accent4>
+      <a:accent5>
+        <a:srgbClr val="4BACC6"/>
+      </a:accent5>
+      <a:accent6>
+        <a:srgbClr val="F79646"/>
+      </a:accent6>
+      <a:hlink>
+        <a:srgbClr val="0000FF"/>
+      </a:hlink>
+      <a:folHlink>
+        <a:srgbClr val="800080"/>
+      </a:folHlink>
+    </a:clrScheme>
+    <a:fontScheme name="Office">
+      <a:majorFont>
+        <a:latin typeface="Calibri"/>
+        <a:ea typeface=""/>
+        <a:cs typeface=""/>
+        <a:font script="Jpan" typeface="ＭＳ Ｐゴシック"/>
+        <a:font script="Hang" typeface="맑은 고딕"/>
+        <a:font script="Hans" typeface="宋体"/>
+        <a:font script="Hant" typeface="新細明體"/>
+        <a:font script="Arab" typeface="Times New Roman"/>
+        <a:font script="Hebr" typeface="Times New Roman"/>
+        <a:font script="Thai" typeface="Angsana New"/>
+        <a:font script="Ethi" typeface="Nyala"/>
+        <a:font script="Beng" typeface="Vrinda"/>
+        <a:font script="Gujr" typeface="Shruti"/>
+        <a:font script="Khmr" typeface="MoolBoran"/>
+        <a:font script="Knda" typeface="Tunga"/>
+        <a:font script="Guru" typeface="Raavi"/>
+        <a:font script="Cans" typeface="Euphemia"/>
+        <a:font script="Cher" typeface="Plantagenet Cherokee"/>
+        <a:font script="Yiii" typeface="Microsoft Yi Baiti"/>
+        <a:font script="Tibt" typeface="Microsoft Himalaya"/>
+        <a:font script="Thaa" typeface="MV Boli"/>
+        <a:font script="Deva" typeface="Mangal"/>
+        <a:font script="Telu" typeface="Gautami"/>
+        <a:font script="Taml" typeface="Latha"/>
+        <a:font script="Syrc" typeface="Estrangelo Edessa"/>
+        <a:font script="Orya" typeface="Kalinga"/>
+        <a:font script="Mlym" typeface="Kartika"/>
+        <a:font script="Laoo" typeface="DokChampa"/>
+        <a:font script="Sinh" typeface="Iskoola Pota"/>
+        <a:font script="Mong" typeface="Mongolian Baiti"/>
+        <a:font script="Viet" typeface="Times New Roman"/>
+        <a:font script="Uigh" typeface="Microsoft Uighur"/>
+      </a:majorFont>
+      <a:minorFont>
+        <a:latin typeface="Calibri"/>
+        <a:ea typeface=""/>
+        <a:cs typeface=""/>
+        <a:font script="Jpan" typeface="ＭＳ Ｐゴシック"/>
+        <a:font script="Hang" typeface="맑은 고딕"/>
+        <a:font script="Hans" typeface="宋体"/>
+        <a:font script="Hant" typeface="新細明體"/>
+        <a:font script="Arab" typeface="Arial"/>
+        <a:font script="Hebr" typeface="Arial"/>
+        <a:font script="Thai" typeface="Cordia New"/>
+        <a:font script="Ethi" typeface="Nyala"/>
+        <a:font script="Beng" typeface="Vrinda"/>
+        <a:font script="Gujr" typeface="Shruti"/>
+        <a:font script="Khmr" typeface="DaunPenh"/>
+        <a:font script="Knda" typeface="Tunga"/>
+        <a:font script="Guru" typeface="Raavi"/>
+        <a:font script="Cans" typeface="Euphemia"/>
+        <a:font script="Cher" typeface="Plantagenet Cherokee"/>
+        <a:font script="Yiii" typeface="Microsoft Yi Baiti"/>
+        <a:font script="Tibt" typeface="Microsoft Himalaya"/>
+        <a:font script="Thaa" typeface="MV Boli"/>
+        <a:font script="Deva" typeface="Mangal"/>
+        <a:font script="Telu" typeface="Gautami"/>
+        <a:font script="Taml" typeface="Latha"/>
+        <a:font script="Syrc" typeface="Estrangelo Edessa"/>
+        <a:font script="Orya" typeface="Kalinga"/>
+        <a:font script="Mlym" typeface="Kartika"/>
+        <a:font script="Laoo" typeface="DokChampa"/>
+        <a:font script="Sinh" typeface="Iskoola Pota"/>
+        <a:font script="Mong" typeface="Mongolian Baiti"/>
+        <a:font script="Viet" typeface="Arial"/>
+        <a:font script="Uigh" typeface="Microsoft Uighur"/>
+      </a:minorFont>
+    </a:fontScheme>
+    <a:fmtScheme name="Office">
+      <a:fillStyleLst>
+        <a:solidFill>
+          <a:schemeClr val="phClr"/>
+        </a:solidFill>
+        <a:gradFill rotWithShape="1">
+          <a:gsLst>
+            <a:gs pos="0">
+              <a:schemeClr val="phClr">
+                <a:tint val="50000"/>
+                <a:satMod val="300000"/>
+              </a:schemeClr>
+            </a:gs>
+            <a:gs pos="35000">
+              <a:schemeClr val="phClr">
+                <a:tint val="37000"/>
+                <a:satMod val="300000"/>
+              </a:schemeClr>
+            </a:gs>
+            <a:gs pos="100000">
+              <a:schemeClr val="phClr">
+                <a:tint val="15000"/>
+                <a:satMod val="350000"/>
+              </a:schemeClr>
+            </a:gs>
+          </a:gsLst>
+          <a:lin ang="16200000" scaled="1"/>
+        </a:gradFill>
+        <a:gradFill rotWithShape="1">
+          <a:gsLst>
+            <a:gs pos="0">
+              <a:schemeClr val="phClr">
+                <a:shade val="51000"/>
+                <a:satMod val="130000"/>
+              </a:schemeClr>
+            </a:gs>
+            <a:gs pos="80000">
+              <a:schemeClr val="phClr">
+                <a:shade val="93000"/>
+                <a:satMod val="130000"/>
+              </a:schemeClr>
+            </a:gs>
+            <a:gs pos="100000">
+              <a:schemeClr val="phClr">
+                <a:shade val="94000"/>
+                <a:satMod val="135000"/>
+              </a:schemeClr>
+            </a:gs>
+          </a:gsLst>
+          <a:lin ang="16200000" scaled="0"/>
+        </a:gradFill>
+      </a:fillStyleLst>
+      <a:lnStyleLst>
+        <a:ln w="9525" cap="flat" cmpd="sng" algn="ctr">
+          <a:solidFill>
+            <a:schemeClr val="phClr">
+              <a:shade val="95000"/>
+              <a:satMod val="105000"/>
+            </a:schemeClr>
+          </a:solidFill>
+          <a:prstDash val="solid"/>
+        </a:ln>
+        <a:ln w="25400" cap="flat" cmpd="sng" algn="ctr">
+          <a:solidFill>
+            <a:schemeClr val="phClr"/>
+          </a:solidFill>
+          <a:prstDash val="solid"/>
+        </a:ln>
+        <a:ln w="38100" cap="flat" cmpd="sng" algn="ctr">
+          <a:solidFill>
+            <a:schemeClr val="phClr"/>
+          </a:solidFill>
+          <a:prstDash val="solid"/>
+        </a:ln>
+      </a:lnStyleLst>
+      <a:effectStyleLst>
+        <a:effectStyle>
+          <a:effectLst>
+            <a:outerShdw blurRad="40000" dist="20000" dir="5400000" rotWithShape="0">
+              <a:srgbClr val="000000">
+                <a:alpha val="38000"/>
+              </a:srgbClr>
+            </a:outerShdw>
+          </a:effectLst>
+        </a:effectStyle>
+        <a:effectStyle>
+          <a:effectLst>
+            <a:outerShdw blurRad="40000" dist="23000" dir="5400000" rotWithShape="0">
+              <a:srgbClr val="000000">
+                <a:alpha val="35000"/>
+              </a:srgbClr>
+            </a:outerShdw>
+          </a:effectLst>
+        </a:effectStyle>
+        <a:effectStyle>
+          <a:effectLst>
+            <a:outerShdw blurRad="40000" dist="23000" dir="5400000" rotWithShape="0">
+              <a:srgbClr val="000000">
+                <a:alpha val="35000"/>
+              </a:srgbClr>
+            </a:outerShdw>
+          </a:effectLst>
+          <a:scene3d>
+            <a:camera prst="orthographicFront">
+              <a:rot lat="0" lon="0" rev="0"/>
+            </a:camera>
+            <a:lightRig rig="threePt" dir="t">
+              <a:rot lat="0" lon="0" rev="1200000"/>
+            </a:lightRig>
+          </a:scene3d>
+          <a:sp3d>
+            <a:bevelT w="63500" h="25400"/>
+          </a:sp3d>
+        </a:effectStyle>
+      </a:effectStyleLst>
+      <a:bgFillStyleLst>
+        <a:solidFill>
+          <a:schemeClr val="phClr"/>
+        </a:solidFill>
+        <a:gradFill rotWithShape="1">
+          <a:gsLst>
+            <a:gs pos="0">
+              <a:schemeClr val="phClr">
+                <a:tint val="40000"/>
+                <a:satMod val="350000"/>
+              </a:schemeClr>
+            </a:gs>
+            <a:gs pos="40000">
+              <a:schemeClr val="phClr">
+                <a:tint val="45000"/>
+                <a:shade val="99000"/>
+                <a:satMod val="350000"/>
+              </a:schemeClr>
+            </a:gs>
+            <a:gs pos="100000">
+              <a:schemeClr val="phClr">
+                <a:shade val="20000"/>
+                <a:satMod val="255000"/>
+              </a:schemeClr>
+            </a:gs>
+          </a:gsLst>
+          <a:path path="circle">
+            <a:fillToRect l="50000" t="-80000" r="50000" b="180000"/>
+          </a:path>
+        </a:gradFill>
+        <a:gradFill rotWithShape="1">
+          <a:gsLst>
+            <a:gs pos="0">
+              <a:schemeClr val="phClr">
+                <a:tint val="80000"/>
+                <a:satMod val="300000"/>
+              </a:schemeClr>
+            </a:gs>
+            <a:gs pos="100000">
+              <a:schemeClr val="phClr">
+                <a:shade val="30000"/>
+                <a:satMod val="200000"/>
+              </a:schemeClr>
+            </a:gs>
+          </a:gsLst>
+          <a:path path="circle">
+            <a:fillToRect l="50000" t="50000" r="50000" b="50000"/>
+          </a:path>
+        </a:gradFill>
+      </a:bgFillStyleLst>
+    </a:fmtScheme>
+  </a:themeElements>
+  <a:objectDefaults/>
+  <a:extraClrSchemeLst/>
+</a:theme>
 </file>
--- a/Documentation/Architecture.pptx
+++ b/Documentation/Architecture.pptx
@@ -3499,7 +3499,7 @@
         </p:nvSpPr>
         <p:spPr>
           <a:xfrm>
-            <a:off x="2483768" y="2996952"/>
+            <a:off x="2483768" y="3429000"/>
             <a:ext cx="1296144" cy="288032"/>
           </a:xfrm>
           <a:prstGeom prst="rect">
@@ -3544,8 +3544,8 @@
         </p:nvCxnSpPr>
         <p:spPr>
           <a:xfrm>
-            <a:off x="4572000" y="3284984"/>
-            <a:ext cx="0" cy="720080"/>
+            <a:off x="4572000" y="3717032"/>
+            <a:ext cx="0" cy="288032"/>
           </a:xfrm>
           <a:prstGeom prst="line">
             <a:avLst/>
@@ -3574,7 +3574,7 @@
         </p:nvSpPr>
         <p:spPr>
           <a:xfrm>
-            <a:off x="3923928" y="2996952"/>
+            <a:off x="3923928" y="3429000"/>
             <a:ext cx="1296144" cy="288032"/>
           </a:xfrm>
           <a:prstGeom prst="rect">
@@ -3616,7 +3616,7 @@
         </p:nvSpPr>
         <p:spPr>
           <a:xfrm>
-            <a:off x="1403648" y="1412776"/>
+            <a:off x="2339752" y="1700808"/>
             <a:ext cx="1296144" cy="288032"/>
           </a:xfrm>
           <a:prstGeom prst="rect">
@@ -3658,7 +3658,7 @@
         </p:nvSpPr>
         <p:spPr>
           <a:xfrm>
-            <a:off x="5364088" y="2996952"/>
+            <a:off x="5364088" y="3429000"/>
             <a:ext cx="1296144" cy="288032"/>
           </a:xfrm>
           <a:prstGeom prst="rect">
@@ -3694,7 +3694,7 @@
       </p:sp>
       <p:grpSp>
         <p:nvGrpSpPr>
-          <p:cNvPr id="38" name="Group 37"/>
+          <p:cNvPr id="73" name="Group 72"/>
           <p:cNvGrpSpPr/>
           <p:nvPr/>
         </p:nvGrpSpPr>
@@ -4699,8 +4699,8 @@
         </p:nvCxnSpPr>
         <p:spPr>
           <a:xfrm flipH="1">
-            <a:off x="4572000" y="3284984"/>
-            <a:ext cx="1440160" cy="720080"/>
+            <a:off x="4572000" y="3717032"/>
+            <a:ext cx="1440160" cy="288032"/>
           </a:xfrm>
           <a:prstGeom prst="line">
             <a:avLst/>
@@ -4729,7 +4729,7 @@
         </p:nvSpPr>
         <p:spPr>
           <a:xfrm>
-            <a:off x="7020272" y="2996952"/>
+            <a:off x="7052084" y="3429000"/>
             <a:ext cx="1296144" cy="288032"/>
           </a:xfrm>
           <a:prstGeom prst="rect">
@@ -4774,8 +4774,8 @@
         </p:nvCxnSpPr>
         <p:spPr>
           <a:xfrm>
-            <a:off x="3131840" y="3284984"/>
-            <a:ext cx="1440160" cy="720080"/>
+            <a:off x="3131840" y="3717032"/>
+            <a:ext cx="1440160" cy="288032"/>
           </a:xfrm>
           <a:prstGeom prst="line">
             <a:avLst/>
@@ -4799,16 +4799,13 @@
       <p:cxnSp>
         <p:nvCxnSpPr>
           <p:cNvPr id="49" name="Straight Connector 48"/>
-          <p:cNvCxnSpPr>
-            <a:stCxn id="45" idx="2"/>
-            <a:endCxn id="52" idx="0"/>
-          </p:cNvCxnSpPr>
+          <p:cNvCxnSpPr/>
           <p:nvPr/>
         </p:nvCxnSpPr>
         <p:spPr>
           <a:xfrm>
-            <a:off x="7668344" y="3284984"/>
-            <a:ext cx="31812" cy="720080"/>
+            <a:off x="7700156" y="3717032"/>
+            <a:ext cx="0" cy="288032"/>
           </a:xfrm>
           <a:prstGeom prst="line">
             <a:avLst/>
@@ -4829,6 +4826,304 @@
           </a:fontRef>
         </p:style>
       </p:cxnSp>
+      <p:sp>
+        <p:nvSpPr>
+          <p:cNvPr id="67" name="Rectangle 66"/>
+          <p:cNvSpPr/>
+          <p:nvPr/>
+        </p:nvSpPr>
+        <p:spPr>
+          <a:xfrm>
+            <a:off x="3923928" y="1700808"/>
+            <a:ext cx="1296144" cy="288032"/>
+          </a:xfrm>
+          <a:prstGeom prst="rect">
+            <a:avLst/>
+          </a:prstGeom>
+        </p:spPr>
+        <p:style>
+          <a:lnRef idx="1">
+            <a:schemeClr val="accent6"/>
+          </a:lnRef>
+          <a:fillRef idx="2">
+            <a:schemeClr val="accent6"/>
+          </a:fillRef>
+          <a:effectRef idx="1">
+            <a:schemeClr val="accent6"/>
+          </a:effectRef>
+          <a:fontRef idx="minor">
+            <a:schemeClr val="dk1"/>
+          </a:fontRef>
+        </p:style>
+        <p:txBody>
+          <a:bodyPr rtlCol="0" anchor="t"/>
+          <a:lstStyle/>
+          <a:p>
+            <a:pPr algn="ctr"/>
+            <a:r>
+              <a:rPr lang="en-GB" sz="1000" dirty="0" err="1" smtClean="0"/>
+              <a:t>SecureSiteController</a:t>
+            </a:r>
+            <a:endParaRPr lang="en-GB" sz="1000" dirty="0"/>
+          </a:p>
+        </p:txBody>
+      </p:sp>
+      <p:sp>
+        <p:nvSpPr>
+          <p:cNvPr id="68" name="Rectangle 67"/>
+          <p:cNvSpPr/>
+          <p:nvPr/>
+        </p:nvSpPr>
+        <p:spPr>
+          <a:xfrm>
+            <a:off x="5508104" y="1700808"/>
+            <a:ext cx="1296144" cy="288032"/>
+          </a:xfrm>
+          <a:prstGeom prst="rect">
+            <a:avLst/>
+          </a:prstGeom>
+        </p:spPr>
+        <p:style>
+          <a:lnRef idx="1">
+            <a:schemeClr val="accent6"/>
+          </a:lnRef>
+          <a:fillRef idx="2">
+            <a:schemeClr val="accent6"/>
+          </a:fillRef>
+          <a:effectRef idx="1">
+            <a:schemeClr val="accent6"/>
+          </a:effectRef>
+          <a:fontRef idx="minor">
+            <a:schemeClr val="dk1"/>
+          </a:fontRef>
+        </p:style>
+        <p:txBody>
+          <a:bodyPr rtlCol="0" anchor="t"/>
+          <a:lstStyle/>
+          <a:p>
+            <a:pPr algn="ctr"/>
+            <a:r>
+              <a:rPr lang="en-GB" sz="1000" dirty="0" err="1" smtClean="0"/>
+              <a:t>Admin</a:t>
+            </a:r>
+            <a:r>
+              <a:rPr lang="en-GB" sz="1000" dirty="0" err="1" smtClean="0"/>
+              <a:t>SiteController</a:t>
+            </a:r>
+            <a:endParaRPr lang="en-GB" sz="1000" dirty="0"/>
+          </a:p>
+        </p:txBody>
+      </p:sp>
+      <p:sp>
+        <p:nvSpPr>
+          <p:cNvPr id="69" name="Rectangle 68"/>
+          <p:cNvSpPr/>
+          <p:nvPr/>
+        </p:nvSpPr>
+        <p:spPr>
+          <a:xfrm>
+            <a:off x="1763688" y="2852936"/>
+            <a:ext cx="2016224" cy="288032"/>
+          </a:xfrm>
+          <a:prstGeom prst="rect">
+            <a:avLst/>
+          </a:prstGeom>
+        </p:spPr>
+        <p:style>
+          <a:lnRef idx="1">
+            <a:schemeClr val="accent4"/>
+          </a:lnRef>
+          <a:fillRef idx="2">
+            <a:schemeClr val="accent4"/>
+          </a:fillRef>
+          <a:effectRef idx="1">
+            <a:schemeClr val="accent4"/>
+          </a:effectRef>
+          <a:fontRef idx="minor">
+            <a:schemeClr val="dk1"/>
+          </a:fontRef>
+        </p:style>
+        <p:txBody>
+          <a:bodyPr rtlCol="0" anchor="t"/>
+          <a:lstStyle/>
+          <a:p>
+            <a:pPr algn="ctr"/>
+            <a:r>
+              <a:rPr lang="en-GB" sz="1000" dirty="0" err="1" smtClean="0"/>
+              <a:t>Membership.New.Registration.App</a:t>
+            </a:r>
+            <a:endParaRPr lang="en-GB" sz="1000" dirty="0"/>
+          </a:p>
+        </p:txBody>
+      </p:sp>
+      <p:sp>
+        <p:nvSpPr>
+          <p:cNvPr id="70" name="Rectangle 69"/>
+          <p:cNvSpPr/>
+          <p:nvPr/>
+        </p:nvSpPr>
+        <p:spPr>
+          <a:xfrm>
+            <a:off x="1763688" y="2420888"/>
+            <a:ext cx="2016224" cy="288032"/>
+          </a:xfrm>
+          <a:prstGeom prst="rect">
+            <a:avLst/>
+          </a:prstGeom>
+        </p:spPr>
+        <p:style>
+          <a:lnRef idx="1">
+            <a:schemeClr val="accent4"/>
+          </a:lnRef>
+          <a:fillRef idx="2">
+            <a:schemeClr val="accent4"/>
+          </a:fillRef>
+          <a:effectRef idx="1">
+            <a:schemeClr val="accent4"/>
+          </a:effectRef>
+          <a:fontRef idx="minor">
+            <a:schemeClr val="dk1"/>
+          </a:fontRef>
+        </p:style>
+        <p:txBody>
+          <a:bodyPr rtlCol="0" anchor="t"/>
+          <a:lstStyle/>
+          <a:p>
+            <a:pPr algn="ctr"/>
+            <a:r>
+              <a:rPr lang="en-GB" sz="1000" dirty="0" err="1" smtClean="0"/>
+              <a:t>Membership.My.Registration.App</a:t>
+            </a:r>
+            <a:endParaRPr lang="en-GB" sz="1000" dirty="0"/>
+          </a:p>
+        </p:txBody>
+      </p:sp>
+      <p:sp>
+        <p:nvSpPr>
+          <p:cNvPr id="71" name="Rectangle 70"/>
+          <p:cNvSpPr/>
+          <p:nvPr/>
+        </p:nvSpPr>
+        <p:spPr>
+          <a:xfrm>
+            <a:off x="3995936" y="2420888"/>
+            <a:ext cx="2016224" cy="288032"/>
+          </a:xfrm>
+          <a:prstGeom prst="rect">
+            <a:avLst/>
+          </a:prstGeom>
+        </p:spPr>
+        <p:style>
+          <a:lnRef idx="1">
+            <a:schemeClr val="accent4"/>
+          </a:lnRef>
+          <a:fillRef idx="2">
+            <a:schemeClr val="accent4"/>
+          </a:fillRef>
+          <a:effectRef idx="1">
+            <a:schemeClr val="accent4"/>
+          </a:effectRef>
+          <a:fontRef idx="minor">
+            <a:schemeClr val="dk1"/>
+          </a:fontRef>
+        </p:style>
+        <p:txBody>
+          <a:bodyPr rtlCol="0" anchor="t"/>
+          <a:lstStyle/>
+          <a:p>
+            <a:pPr algn="ctr"/>
+            <a:r>
+              <a:rPr lang="en-GB" sz="1000" dirty="0" err="1" smtClean="0"/>
+              <a:t>Admin.Member.Activate.App</a:t>
+            </a:r>
+            <a:endParaRPr lang="en-GB" sz="1000" dirty="0"/>
+          </a:p>
+        </p:txBody>
+      </p:sp>
+      <p:sp>
+        <p:nvSpPr>
+          <p:cNvPr id="72" name="Rectangle 71"/>
+          <p:cNvSpPr/>
+          <p:nvPr/>
+        </p:nvSpPr>
+        <p:spPr>
+          <a:xfrm>
+            <a:off x="3995936" y="2852936"/>
+            <a:ext cx="2016224" cy="288032"/>
+          </a:xfrm>
+          <a:prstGeom prst="rect">
+            <a:avLst/>
+          </a:prstGeom>
+        </p:spPr>
+        <p:style>
+          <a:lnRef idx="1">
+            <a:schemeClr val="accent4"/>
+          </a:lnRef>
+          <a:fillRef idx="2">
+            <a:schemeClr val="accent4"/>
+          </a:fillRef>
+          <a:effectRef idx="1">
+            <a:schemeClr val="accent4"/>
+          </a:effectRef>
+          <a:fontRef idx="minor">
+            <a:schemeClr val="dk1"/>
+          </a:fontRef>
+        </p:style>
+        <p:txBody>
+          <a:bodyPr rtlCol="0" anchor="t"/>
+          <a:lstStyle/>
+          <a:p>
+            <a:pPr algn="ctr"/>
+            <a:r>
+              <a:rPr lang="en-GB" sz="1000" dirty="0" err="1" smtClean="0"/>
+              <a:t>Admin.Member.List.All.App</a:t>
+            </a:r>
+            <a:endParaRPr lang="en-GB" sz="1000" dirty="0"/>
+          </a:p>
+        </p:txBody>
+      </p:sp>
+      <p:sp>
+        <p:nvSpPr>
+          <p:cNvPr id="74" name="Rectangle 73"/>
+          <p:cNvSpPr/>
+          <p:nvPr/>
+        </p:nvSpPr>
+        <p:spPr>
+          <a:xfrm>
+            <a:off x="6660232" y="2852936"/>
+            <a:ext cx="2016224" cy="288032"/>
+          </a:xfrm>
+          <a:prstGeom prst="rect">
+            <a:avLst/>
+          </a:prstGeom>
+        </p:spPr>
+        <p:style>
+          <a:lnRef idx="1">
+            <a:schemeClr val="accent4"/>
+          </a:lnRef>
+          <a:fillRef idx="2">
+            <a:schemeClr val="accent4"/>
+          </a:fillRef>
+          <a:effectRef idx="1">
+            <a:schemeClr val="accent4"/>
+          </a:effectRef>
+          <a:fontRef idx="minor">
+            <a:schemeClr val="dk1"/>
+          </a:fontRef>
+        </p:style>
+        <p:txBody>
+          <a:bodyPr rtlCol="0" anchor="t"/>
+          <a:lstStyle/>
+          <a:p>
+            <a:pPr algn="ctr"/>
+            <a:r>
+              <a:rPr lang="en-GB" sz="1000" dirty="0" err="1" smtClean="0"/>
+              <a:t>Club.Configuration.App</a:t>
+            </a:r>
+            <a:endParaRPr lang="en-GB" sz="1000" dirty="0"/>
+          </a:p>
+        </p:txBody>
+      </p:sp>
     </p:spTree>
   </p:cSld>
   <p:clrMapOvr>

--- a/Documentation/Architecture.pptx
+++ b/Documentation/Architecture.pptx
@@ -193,7 +193,8 @@
           <a:p>
             <a:fld id="{3D842951-A5D4-4CCE-A843-7F2B2D8D0F7F}" type="datetimeFigureOut">
               <a:rPr lang="en-GB" smtClean="0"/>
-              <a:t>08/12/2014</a:t>
+              <a:pPr/>
+              <a:t>09/12/2014</a:t>
             </a:fld>
             <a:endParaRPr lang="en-GB"/>
           </a:p>
@@ -354,6 +355,7 @@
           <a:p>
             <a:fld id="{75F8A834-C7AC-431A-9AC1-8BE0AF12D329}" type="slidenum">
               <a:rPr lang="en-GB" smtClean="0"/>
+              <a:pPr/>
               <a:t>‹#›</a:t>
             </a:fld>
             <a:endParaRPr lang="en-GB"/>
@@ -525,6 +527,7 @@
           <a:p>
             <a:fld id="{75F8A834-C7AC-431A-9AC1-8BE0AF12D329}" type="slidenum">
               <a:rPr lang="en-GB" smtClean="0"/>
+              <a:pPr/>
               <a:t>1</a:t>
             </a:fld>
             <a:endParaRPr lang="en-GB"/>
@@ -721,7 +724,7 @@
             <a:fld id="{9E7539CF-A853-46E9-9284-C283F40F4A5C}" type="datetimeFigureOut">
               <a:rPr lang="en-GB" smtClean="0"/>
               <a:pPr/>
-              <a:t>08/12/2014</a:t>
+              <a:t>09/12/2014</a:t>
             </a:fld>
             <a:endParaRPr lang="en-GB"/>
           </a:p>
@@ -888,7 +891,7 @@
             <a:fld id="{9E7539CF-A853-46E9-9284-C283F40F4A5C}" type="datetimeFigureOut">
               <a:rPr lang="en-GB" smtClean="0"/>
               <a:pPr/>
-              <a:t>08/12/2014</a:t>
+              <a:t>09/12/2014</a:t>
             </a:fld>
             <a:endParaRPr lang="en-GB"/>
           </a:p>
@@ -1065,7 +1068,7 @@
             <a:fld id="{9E7539CF-A853-46E9-9284-C283F40F4A5C}" type="datetimeFigureOut">
               <a:rPr lang="en-GB" smtClean="0"/>
               <a:pPr/>
-              <a:t>08/12/2014</a:t>
+              <a:t>09/12/2014</a:t>
             </a:fld>
             <a:endParaRPr lang="en-GB"/>
           </a:p>
@@ -1232,7 +1235,7 @@
             <a:fld id="{9E7539CF-A853-46E9-9284-C283F40F4A5C}" type="datetimeFigureOut">
               <a:rPr lang="en-GB" smtClean="0"/>
               <a:pPr/>
-              <a:t>08/12/2014</a:t>
+              <a:t>09/12/2014</a:t>
             </a:fld>
             <a:endParaRPr lang="en-GB"/>
           </a:p>
@@ -1475,7 +1478,7 @@
             <a:fld id="{9E7539CF-A853-46E9-9284-C283F40F4A5C}" type="datetimeFigureOut">
               <a:rPr lang="en-GB" smtClean="0"/>
               <a:pPr/>
-              <a:t>08/12/2014</a:t>
+              <a:t>09/12/2014</a:t>
             </a:fld>
             <a:endParaRPr lang="en-GB"/>
           </a:p>
@@ -1760,7 +1763,7 @@
             <a:fld id="{9E7539CF-A853-46E9-9284-C283F40F4A5C}" type="datetimeFigureOut">
               <a:rPr lang="en-GB" smtClean="0"/>
               <a:pPr/>
-              <a:t>08/12/2014</a:t>
+              <a:t>09/12/2014</a:t>
             </a:fld>
             <a:endParaRPr lang="en-GB"/>
           </a:p>
@@ -2179,7 +2182,7 @@
             <a:fld id="{9E7539CF-A853-46E9-9284-C283F40F4A5C}" type="datetimeFigureOut">
               <a:rPr lang="en-GB" smtClean="0"/>
               <a:pPr/>
-              <a:t>08/12/2014</a:t>
+              <a:t>09/12/2014</a:t>
             </a:fld>
             <a:endParaRPr lang="en-GB"/>
           </a:p>
@@ -2294,7 +2297,7 @@
             <a:fld id="{9E7539CF-A853-46E9-9284-C283F40F4A5C}" type="datetimeFigureOut">
               <a:rPr lang="en-GB" smtClean="0"/>
               <a:pPr/>
-              <a:t>08/12/2014</a:t>
+              <a:t>09/12/2014</a:t>
             </a:fld>
             <a:endParaRPr lang="en-GB"/>
           </a:p>
@@ -2386,7 +2389,7 @@
             <a:fld id="{9E7539CF-A853-46E9-9284-C283F40F4A5C}" type="datetimeFigureOut">
               <a:rPr lang="en-GB" smtClean="0"/>
               <a:pPr/>
-              <a:t>08/12/2014</a:t>
+              <a:t>09/12/2014</a:t>
             </a:fld>
             <a:endParaRPr lang="en-GB"/>
           </a:p>
@@ -2660,7 +2663,7 @@
             <a:fld id="{9E7539CF-A853-46E9-9284-C283F40F4A5C}" type="datetimeFigureOut">
               <a:rPr lang="en-GB" smtClean="0"/>
               <a:pPr/>
-              <a:t>08/12/2014</a:t>
+              <a:t>09/12/2014</a:t>
             </a:fld>
             <a:endParaRPr lang="en-GB"/>
           </a:p>
@@ -2910,7 +2913,7 @@
             <a:fld id="{9E7539CF-A853-46E9-9284-C283F40F4A5C}" type="datetimeFigureOut">
               <a:rPr lang="en-GB" smtClean="0"/>
               <a:pPr/>
-              <a:t>08/12/2014</a:t>
+              <a:t>09/12/2014</a:t>
             </a:fld>
             <a:endParaRPr lang="en-GB"/>
           </a:p>
@@ -3120,7 +3123,7 @@
             <a:fld id="{9E7539CF-A853-46E9-9284-C283F40F4A5C}" type="datetimeFigureOut">
               <a:rPr lang="en-GB" smtClean="0"/>
               <a:pPr/>
-              <a:t>08/12/2014</a:t>
+              <a:t>09/12/2014</a:t>
             </a:fld>
             <a:endParaRPr lang="en-GB"/>
           </a:p>
@@ -3493,130 +3496,13 @@
       </p:grpSpPr>
       <p:sp>
         <p:nvSpPr>
-          <p:cNvPr id="62" name="Rectangle 61"/>
-          <p:cNvSpPr/>
-          <p:nvPr/>
-        </p:nvSpPr>
-        <p:spPr>
-          <a:xfrm>
-            <a:off x="2483768" y="3429000"/>
-            <a:ext cx="1296144" cy="288032"/>
-          </a:xfrm>
-          <a:prstGeom prst="rect">
-            <a:avLst/>
-          </a:prstGeom>
-        </p:spPr>
-        <p:style>
-          <a:lnRef idx="1">
-            <a:schemeClr val="accent3"/>
-          </a:lnRef>
-          <a:fillRef idx="2">
-            <a:schemeClr val="accent3"/>
-          </a:fillRef>
-          <a:effectRef idx="1">
-            <a:schemeClr val="accent3"/>
-          </a:effectRef>
-          <a:fontRef idx="minor">
-            <a:schemeClr val="dk1"/>
-          </a:fontRef>
-        </p:style>
-        <p:txBody>
-          <a:bodyPr rtlCol="0" anchor="t"/>
-          <a:lstStyle/>
-          <a:p>
-            <a:pPr algn="ctr"/>
-            <a:r>
-              <a:rPr lang="en-GB" sz="1000" dirty="0" err="1" smtClean="0"/>
-              <a:t>RegistrationApi</a:t>
-            </a:r>
-            <a:endParaRPr lang="en-GB" sz="1000" dirty="0"/>
-          </a:p>
-        </p:txBody>
-      </p:sp>
-      <p:cxnSp>
-        <p:nvCxnSpPr>
-          <p:cNvPr id="64" name="Straight Connector 63"/>
-          <p:cNvCxnSpPr>
-            <a:stCxn id="65" idx="2"/>
-            <a:endCxn id="51" idx="0"/>
-          </p:cNvCxnSpPr>
-          <p:nvPr/>
-        </p:nvCxnSpPr>
-        <p:spPr>
-          <a:xfrm>
-            <a:off x="4572000" y="3717032"/>
-            <a:ext cx="0" cy="288032"/>
-          </a:xfrm>
-          <a:prstGeom prst="line">
-            <a:avLst/>
-          </a:prstGeom>
-        </p:spPr>
-        <p:style>
-          <a:lnRef idx="1">
-            <a:schemeClr val="accent1"/>
-          </a:lnRef>
-          <a:fillRef idx="0">
-            <a:schemeClr val="accent1"/>
-          </a:fillRef>
-          <a:effectRef idx="0">
-            <a:schemeClr val="accent1"/>
-          </a:effectRef>
-          <a:fontRef idx="minor">
-            <a:schemeClr val="tx1"/>
-          </a:fontRef>
-        </p:style>
-      </p:cxnSp>
-      <p:sp>
-        <p:nvSpPr>
-          <p:cNvPr id="65" name="Rectangle 64"/>
-          <p:cNvSpPr/>
-          <p:nvPr/>
-        </p:nvSpPr>
-        <p:spPr>
-          <a:xfrm>
-            <a:off x="3923928" y="3429000"/>
-            <a:ext cx="1296144" cy="288032"/>
-          </a:xfrm>
-          <a:prstGeom prst="rect">
-            <a:avLst/>
-          </a:prstGeom>
-        </p:spPr>
-        <p:style>
-          <a:lnRef idx="1">
-            <a:schemeClr val="accent3"/>
-          </a:lnRef>
-          <a:fillRef idx="2">
-            <a:schemeClr val="accent3"/>
-          </a:fillRef>
-          <a:effectRef idx="1">
-            <a:schemeClr val="accent3"/>
-          </a:effectRef>
-          <a:fontRef idx="minor">
-            <a:schemeClr val="dk1"/>
-          </a:fontRef>
-        </p:style>
-        <p:txBody>
-          <a:bodyPr rtlCol="0" anchor="t"/>
-          <a:lstStyle/>
-          <a:p>
-            <a:pPr algn="ctr"/>
-            <a:r>
-              <a:rPr lang="en-GB" sz="1000" dirty="0" err="1" smtClean="0"/>
-              <a:t>AdminMemberApi</a:t>
-            </a:r>
-            <a:endParaRPr lang="en-GB" sz="1000" dirty="0"/>
-          </a:p>
-        </p:txBody>
-      </p:sp>
-      <p:sp>
-        <p:nvSpPr>
           <p:cNvPr id="66" name="Rectangle 65"/>
           <p:cNvSpPr/>
           <p:nvPr/>
         </p:nvSpPr>
         <p:spPr>
           <a:xfrm>
-            <a:off x="2339752" y="1700808"/>
+            <a:off x="2339752" y="836712"/>
             <a:ext cx="1296144" cy="288032"/>
           </a:xfrm>
           <a:prstGeom prst="rect">
@@ -3652,13 +3538,13 @@
       </p:sp>
       <p:sp>
         <p:nvSpPr>
-          <p:cNvPr id="34" name="Rectangle 33"/>
+          <p:cNvPr id="67" name="Rectangle 66"/>
           <p:cNvSpPr/>
           <p:nvPr/>
         </p:nvSpPr>
         <p:spPr>
           <a:xfrm>
-            <a:off x="5364088" y="3429000"/>
+            <a:off x="3923928" y="836712"/>
             <a:ext cx="1296144" cy="288032"/>
           </a:xfrm>
           <a:prstGeom prst="rect">
@@ -3667,13 +3553,13 @@
         </p:spPr>
         <p:style>
           <a:lnRef idx="1">
-            <a:schemeClr val="accent3"/>
+            <a:schemeClr val="accent6"/>
           </a:lnRef>
           <a:fillRef idx="2">
-            <a:schemeClr val="accent3"/>
+            <a:schemeClr val="accent6"/>
           </a:fillRef>
           <a:effectRef idx="1">
-            <a:schemeClr val="accent3"/>
+            <a:schemeClr val="accent6"/>
           </a:effectRef>
           <a:fontRef idx="minor">
             <a:schemeClr val="dk1"/>
@@ -3686,7 +3572,343 @@
             <a:pPr algn="ctr"/>
             <a:r>
               <a:rPr lang="en-GB" sz="1000" dirty="0" err="1" smtClean="0"/>
-              <a:t>CaptchaApi</a:t>
+              <a:t>SecureSiteController</a:t>
+            </a:r>
+            <a:endParaRPr lang="en-GB" sz="1000" dirty="0"/>
+          </a:p>
+        </p:txBody>
+      </p:sp>
+      <p:sp>
+        <p:nvSpPr>
+          <p:cNvPr id="68" name="Rectangle 67"/>
+          <p:cNvSpPr/>
+          <p:nvPr/>
+        </p:nvSpPr>
+        <p:spPr>
+          <a:xfrm>
+            <a:off x="5508104" y="836712"/>
+            <a:ext cx="1296144" cy="288032"/>
+          </a:xfrm>
+          <a:prstGeom prst="rect">
+            <a:avLst/>
+          </a:prstGeom>
+        </p:spPr>
+        <p:style>
+          <a:lnRef idx="1">
+            <a:schemeClr val="accent6"/>
+          </a:lnRef>
+          <a:fillRef idx="2">
+            <a:schemeClr val="accent6"/>
+          </a:fillRef>
+          <a:effectRef idx="1">
+            <a:schemeClr val="accent6"/>
+          </a:effectRef>
+          <a:fontRef idx="minor">
+            <a:schemeClr val="dk1"/>
+          </a:fontRef>
+        </p:style>
+        <p:txBody>
+          <a:bodyPr rtlCol="0" anchor="t"/>
+          <a:lstStyle/>
+          <a:p>
+            <a:pPr algn="ctr"/>
+            <a:r>
+              <a:rPr lang="en-GB" sz="1000" dirty="0" err="1" smtClean="0"/>
+              <a:t>AdminSiteController</a:t>
+            </a:r>
+            <a:endParaRPr lang="en-GB" sz="1000" dirty="0"/>
+          </a:p>
+        </p:txBody>
+      </p:sp>
+      <p:sp>
+        <p:nvSpPr>
+          <p:cNvPr id="69" name="Rectangle 68"/>
+          <p:cNvSpPr/>
+          <p:nvPr/>
+        </p:nvSpPr>
+        <p:spPr>
+          <a:xfrm>
+            <a:off x="1115616" y="1916832"/>
+            <a:ext cx="2016224" cy="288032"/>
+          </a:xfrm>
+          <a:prstGeom prst="rect">
+            <a:avLst/>
+          </a:prstGeom>
+        </p:spPr>
+        <p:style>
+          <a:lnRef idx="1">
+            <a:schemeClr val="accent4"/>
+          </a:lnRef>
+          <a:fillRef idx="2">
+            <a:schemeClr val="accent4"/>
+          </a:fillRef>
+          <a:effectRef idx="1">
+            <a:schemeClr val="accent4"/>
+          </a:effectRef>
+          <a:fontRef idx="minor">
+            <a:schemeClr val="dk1"/>
+          </a:fontRef>
+        </p:style>
+        <p:txBody>
+          <a:bodyPr rtlCol="0" anchor="t"/>
+          <a:lstStyle/>
+          <a:p>
+            <a:pPr algn="ctr"/>
+            <a:r>
+              <a:rPr lang="en-GB" sz="1000" dirty="0" err="1" smtClean="0"/>
+              <a:t>Membership.New.Registration.App</a:t>
+            </a:r>
+            <a:endParaRPr lang="en-GB" sz="1000" dirty="0"/>
+          </a:p>
+        </p:txBody>
+      </p:sp>
+      <p:sp>
+        <p:nvSpPr>
+          <p:cNvPr id="70" name="Rectangle 69"/>
+          <p:cNvSpPr/>
+          <p:nvPr/>
+        </p:nvSpPr>
+        <p:spPr>
+          <a:xfrm>
+            <a:off x="1115616" y="1484784"/>
+            <a:ext cx="2016224" cy="288032"/>
+          </a:xfrm>
+          <a:prstGeom prst="rect">
+            <a:avLst/>
+          </a:prstGeom>
+        </p:spPr>
+        <p:style>
+          <a:lnRef idx="1">
+            <a:schemeClr val="accent4"/>
+          </a:lnRef>
+          <a:fillRef idx="2">
+            <a:schemeClr val="accent4"/>
+          </a:fillRef>
+          <a:effectRef idx="1">
+            <a:schemeClr val="accent4"/>
+          </a:effectRef>
+          <a:fontRef idx="minor">
+            <a:schemeClr val="dk1"/>
+          </a:fontRef>
+        </p:style>
+        <p:txBody>
+          <a:bodyPr rtlCol="0" anchor="t"/>
+          <a:lstStyle/>
+          <a:p>
+            <a:pPr algn="ctr"/>
+            <a:r>
+              <a:rPr lang="en-GB" sz="1000" dirty="0" err="1" smtClean="0"/>
+              <a:t>Membership.My.Registration.App</a:t>
+            </a:r>
+            <a:endParaRPr lang="en-GB" sz="1000" dirty="0"/>
+          </a:p>
+        </p:txBody>
+      </p:sp>
+      <p:sp>
+        <p:nvSpPr>
+          <p:cNvPr id="71" name="Rectangle 70"/>
+          <p:cNvSpPr/>
+          <p:nvPr/>
+        </p:nvSpPr>
+        <p:spPr>
+          <a:xfrm>
+            <a:off x="3347864" y="1916832"/>
+            <a:ext cx="2016224" cy="288032"/>
+          </a:xfrm>
+          <a:prstGeom prst="rect">
+            <a:avLst/>
+          </a:prstGeom>
+        </p:spPr>
+        <p:style>
+          <a:lnRef idx="1">
+            <a:schemeClr val="accent4"/>
+          </a:lnRef>
+          <a:fillRef idx="2">
+            <a:schemeClr val="accent4"/>
+          </a:fillRef>
+          <a:effectRef idx="1">
+            <a:schemeClr val="accent4"/>
+          </a:effectRef>
+          <a:fontRef idx="minor">
+            <a:schemeClr val="dk1"/>
+          </a:fontRef>
+        </p:style>
+        <p:txBody>
+          <a:bodyPr rtlCol="0" anchor="t"/>
+          <a:lstStyle/>
+          <a:p>
+            <a:pPr algn="ctr"/>
+            <a:r>
+              <a:rPr lang="en-GB" sz="1000" dirty="0" err="1" smtClean="0"/>
+              <a:t>Admin.Member.Activate.App</a:t>
+            </a:r>
+            <a:endParaRPr lang="en-GB" sz="1000" dirty="0"/>
+          </a:p>
+        </p:txBody>
+      </p:sp>
+      <p:sp>
+        <p:nvSpPr>
+          <p:cNvPr id="72" name="Rectangle 71"/>
+          <p:cNvSpPr/>
+          <p:nvPr/>
+        </p:nvSpPr>
+        <p:spPr>
+          <a:xfrm>
+            <a:off x="3347864" y="2348880"/>
+            <a:ext cx="2016224" cy="288032"/>
+          </a:xfrm>
+          <a:prstGeom prst="rect">
+            <a:avLst/>
+          </a:prstGeom>
+        </p:spPr>
+        <p:style>
+          <a:lnRef idx="1">
+            <a:schemeClr val="accent4"/>
+          </a:lnRef>
+          <a:fillRef idx="2">
+            <a:schemeClr val="accent4"/>
+          </a:fillRef>
+          <a:effectRef idx="1">
+            <a:schemeClr val="accent4"/>
+          </a:effectRef>
+          <a:fontRef idx="minor">
+            <a:schemeClr val="dk1"/>
+          </a:fontRef>
+        </p:style>
+        <p:txBody>
+          <a:bodyPr rtlCol="0" anchor="t"/>
+          <a:lstStyle/>
+          <a:p>
+            <a:pPr algn="ctr"/>
+            <a:r>
+              <a:rPr lang="en-GB" sz="1000" dirty="0" err="1" smtClean="0"/>
+              <a:t>Admin.Member.List.All.App</a:t>
+            </a:r>
+            <a:endParaRPr lang="en-GB" sz="1000" dirty="0"/>
+          </a:p>
+        </p:txBody>
+      </p:sp>
+      <p:sp>
+        <p:nvSpPr>
+          <p:cNvPr id="74" name="Rectangle 73"/>
+          <p:cNvSpPr/>
+          <p:nvPr/>
+        </p:nvSpPr>
+        <p:spPr>
+          <a:xfrm>
+            <a:off x="6660232" y="2348880"/>
+            <a:ext cx="2016224" cy="288032"/>
+          </a:xfrm>
+          <a:prstGeom prst="rect">
+            <a:avLst/>
+          </a:prstGeom>
+        </p:spPr>
+        <p:style>
+          <a:lnRef idx="1">
+            <a:schemeClr val="accent4"/>
+          </a:lnRef>
+          <a:fillRef idx="2">
+            <a:schemeClr val="accent4"/>
+          </a:fillRef>
+          <a:effectRef idx="1">
+            <a:schemeClr val="accent4"/>
+          </a:effectRef>
+          <a:fontRef idx="minor">
+            <a:schemeClr val="dk1"/>
+          </a:fontRef>
+        </p:style>
+        <p:txBody>
+          <a:bodyPr rtlCol="0" anchor="t"/>
+          <a:lstStyle/>
+          <a:p>
+            <a:pPr algn="ctr"/>
+            <a:r>
+              <a:rPr lang="en-GB" sz="1000" dirty="0" err="1" smtClean="0"/>
+              <a:t>Club.Configuration.General.App</a:t>
+            </a:r>
+            <a:endParaRPr lang="en-GB" sz="1000" dirty="0"/>
+          </a:p>
+        </p:txBody>
+      </p:sp>
+      <p:sp>
+        <p:nvSpPr>
+          <p:cNvPr id="47" name="Rectangle 46"/>
+          <p:cNvSpPr/>
+          <p:nvPr/>
+        </p:nvSpPr>
+        <p:spPr>
+          <a:xfrm>
+            <a:off x="1115616" y="2348880"/>
+            <a:ext cx="2016224" cy="288032"/>
+          </a:xfrm>
+          <a:prstGeom prst="rect">
+            <a:avLst/>
+          </a:prstGeom>
+        </p:spPr>
+        <p:style>
+          <a:lnRef idx="1">
+            <a:schemeClr val="accent4"/>
+          </a:lnRef>
+          <a:fillRef idx="2">
+            <a:schemeClr val="accent4"/>
+          </a:fillRef>
+          <a:effectRef idx="1">
+            <a:schemeClr val="accent4"/>
+          </a:effectRef>
+          <a:fontRef idx="minor">
+            <a:schemeClr val="dk1"/>
+          </a:fontRef>
+        </p:style>
+        <p:txBody>
+          <a:bodyPr rtlCol="0" anchor="t"/>
+          <a:lstStyle/>
+          <a:p>
+            <a:pPr algn="ctr"/>
+            <a:r>
+              <a:rPr lang="en-GB" sz="1000" dirty="0" err="1" smtClean="0"/>
+              <a:t>Membership.New.Fee.App</a:t>
+            </a:r>
+            <a:endParaRPr lang="en-GB" sz="1000" dirty="0"/>
+          </a:p>
+        </p:txBody>
+      </p:sp>
+      <p:sp>
+        <p:nvSpPr>
+          <p:cNvPr id="61" name="Rectangle 60"/>
+          <p:cNvSpPr/>
+          <p:nvPr/>
+        </p:nvSpPr>
+        <p:spPr>
+          <a:xfrm>
+            <a:off x="6660232" y="1916832"/>
+            <a:ext cx="2016224" cy="288032"/>
+          </a:xfrm>
+          <a:prstGeom prst="rect">
+            <a:avLst/>
+          </a:prstGeom>
+        </p:spPr>
+        <p:style>
+          <a:lnRef idx="1">
+            <a:schemeClr val="accent4"/>
+          </a:lnRef>
+          <a:fillRef idx="2">
+            <a:schemeClr val="accent4"/>
+          </a:fillRef>
+          <a:effectRef idx="1">
+            <a:schemeClr val="accent4"/>
+          </a:effectRef>
+          <a:fontRef idx="minor">
+            <a:schemeClr val="dk1"/>
+          </a:fontRef>
+        </p:style>
+        <p:txBody>
+          <a:bodyPr rtlCol="0" anchor="t"/>
+          <a:lstStyle/>
+          <a:p>
+            <a:pPr algn="ctr"/>
+            <a:r>
+              <a:rPr lang="en-GB" sz="1000" dirty="0" err="1" smtClean="0"/>
+              <a:t>Club.Configuration.Fixture.App</a:t>
             </a:r>
             <a:endParaRPr lang="en-GB" sz="1000" dirty="0"/>
           </a:p>
@@ -3694,18 +3916,177 @@
       </p:sp>
       <p:grpSp>
         <p:nvGrpSpPr>
-          <p:cNvPr id="73" name="Group 72"/>
+          <p:cNvPr id="100" name="Group 99"/>
           <p:cNvGrpSpPr/>
           <p:nvPr/>
         </p:nvGrpSpPr>
         <p:grpSpPr>
           <a:xfrm>
-            <a:off x="683568" y="4005064"/>
-            <a:ext cx="7776864" cy="2736304"/>
-            <a:chOff x="683568" y="4005064"/>
-            <a:chExt cx="7776864" cy="2736304"/>
+            <a:off x="179512" y="2924944"/>
+            <a:ext cx="8784976" cy="3816424"/>
+            <a:chOff x="179512" y="2924944"/>
+            <a:chExt cx="8784976" cy="3816424"/>
           </a:xfrm>
         </p:grpSpPr>
+        <p:sp>
+          <p:nvSpPr>
+            <p:cNvPr id="62" name="Rectangle 61"/>
+            <p:cNvSpPr/>
+            <p:nvPr/>
+          </p:nvSpPr>
+          <p:spPr>
+            <a:xfrm>
+              <a:off x="1691680" y="2924944"/>
+              <a:ext cx="1512168" cy="288032"/>
+            </a:xfrm>
+            <a:prstGeom prst="rect">
+              <a:avLst/>
+            </a:prstGeom>
+          </p:spPr>
+          <p:style>
+            <a:lnRef idx="1">
+              <a:schemeClr val="accent3"/>
+            </a:lnRef>
+            <a:fillRef idx="2">
+              <a:schemeClr val="accent3"/>
+            </a:fillRef>
+            <a:effectRef idx="1">
+              <a:schemeClr val="accent3"/>
+            </a:effectRef>
+            <a:fontRef idx="minor">
+              <a:schemeClr val="dk1"/>
+            </a:fontRef>
+          </p:style>
+          <p:txBody>
+            <a:bodyPr rtlCol="0" anchor="t"/>
+            <a:lstStyle/>
+            <a:p>
+              <a:pPr algn="ctr"/>
+              <a:r>
+                <a:rPr lang="en-GB" sz="1000" dirty="0" err="1" smtClean="0"/>
+                <a:t>RegistrationApi</a:t>
+              </a:r>
+              <a:endParaRPr lang="en-GB" sz="1000" dirty="0"/>
+            </a:p>
+          </p:txBody>
+        </p:sp>
+        <p:cxnSp>
+          <p:nvCxnSpPr>
+            <p:cNvPr id="64" name="Straight Connector 63"/>
+            <p:cNvCxnSpPr>
+              <a:stCxn id="65" idx="2"/>
+              <a:endCxn id="51" idx="0"/>
+            </p:cNvCxnSpPr>
+            <p:nvPr/>
+          </p:nvCxnSpPr>
+          <p:spPr>
+            <a:xfrm>
+              <a:off x="4067944" y="3212976"/>
+              <a:ext cx="31812" cy="792088"/>
+            </a:xfrm>
+            <a:prstGeom prst="line">
+              <a:avLst/>
+            </a:prstGeom>
+          </p:spPr>
+          <p:style>
+            <a:lnRef idx="1">
+              <a:schemeClr val="accent1"/>
+            </a:lnRef>
+            <a:fillRef idx="0">
+              <a:schemeClr val="accent1"/>
+            </a:fillRef>
+            <a:effectRef idx="0">
+              <a:schemeClr val="accent1"/>
+            </a:effectRef>
+            <a:fontRef idx="minor">
+              <a:schemeClr val="tx1"/>
+            </a:fontRef>
+          </p:style>
+        </p:cxnSp>
+        <p:sp>
+          <p:nvSpPr>
+            <p:cNvPr id="65" name="Rectangle 64"/>
+            <p:cNvSpPr/>
+            <p:nvPr/>
+          </p:nvSpPr>
+          <p:spPr>
+            <a:xfrm>
+              <a:off x="3311860" y="2924944"/>
+              <a:ext cx="1512168" cy="288032"/>
+            </a:xfrm>
+            <a:prstGeom prst="rect">
+              <a:avLst/>
+            </a:prstGeom>
+          </p:spPr>
+          <p:style>
+            <a:lnRef idx="1">
+              <a:schemeClr val="accent3"/>
+            </a:lnRef>
+            <a:fillRef idx="2">
+              <a:schemeClr val="accent3"/>
+            </a:fillRef>
+            <a:effectRef idx="1">
+              <a:schemeClr val="accent3"/>
+            </a:effectRef>
+            <a:fontRef idx="minor">
+              <a:schemeClr val="dk1"/>
+            </a:fontRef>
+          </p:style>
+          <p:txBody>
+            <a:bodyPr rtlCol="0" anchor="t"/>
+            <a:lstStyle/>
+            <a:p>
+              <a:pPr algn="ctr"/>
+              <a:r>
+                <a:rPr lang="en-GB" sz="1000" dirty="0" err="1" smtClean="0"/>
+                <a:t>AdminMemberApi</a:t>
+              </a:r>
+              <a:endParaRPr lang="en-GB" sz="1000" dirty="0"/>
+            </a:p>
+          </p:txBody>
+        </p:sp>
+        <p:sp>
+          <p:nvSpPr>
+            <p:cNvPr id="34" name="Rectangle 33"/>
+            <p:cNvSpPr/>
+            <p:nvPr/>
+          </p:nvSpPr>
+          <p:spPr>
+            <a:xfrm>
+              <a:off x="4932040" y="2924944"/>
+              <a:ext cx="1512168" cy="288032"/>
+            </a:xfrm>
+            <a:prstGeom prst="rect">
+              <a:avLst/>
+            </a:prstGeom>
+          </p:spPr>
+          <p:style>
+            <a:lnRef idx="1">
+              <a:schemeClr val="accent3"/>
+            </a:lnRef>
+            <a:fillRef idx="2">
+              <a:schemeClr val="accent3"/>
+            </a:fillRef>
+            <a:effectRef idx="1">
+              <a:schemeClr val="accent3"/>
+            </a:effectRef>
+            <a:fontRef idx="minor">
+              <a:schemeClr val="dk1"/>
+            </a:fontRef>
+          </p:style>
+          <p:txBody>
+            <a:bodyPr rtlCol="0" anchor="t"/>
+            <a:lstStyle/>
+            <a:p>
+              <a:pPr algn="ctr"/>
+              <a:r>
+                <a:rPr lang="en-GB" sz="1000" dirty="0" err="1" smtClean="0"/>
+                <a:t>CaptchaApi</a:t>
+              </a:r>
+              <a:endParaRPr lang="en-GB" sz="1000" dirty="0"/>
+            </a:p>
+          </p:txBody>
+        </p:sp>
         <p:sp>
           <p:nvSpPr>
             <p:cNvPr id="53" name="Rectangle 52"/>
@@ -3714,7 +4095,7 @@
           </p:nvSpPr>
           <p:spPr>
             <a:xfrm>
-              <a:off x="2411760" y="4149080"/>
+              <a:off x="1907704" y="4149080"/>
               <a:ext cx="4320480" cy="2592288"/>
             </a:xfrm>
             <a:prstGeom prst="rect">
@@ -3752,7 +4133,7 @@
           </p:nvSpPr>
           <p:spPr>
             <a:xfrm>
-              <a:off x="683568" y="4149080"/>
+              <a:off x="179512" y="4149080"/>
               <a:ext cx="1520552" cy="2592288"/>
             </a:xfrm>
             <a:prstGeom prst="rect">
@@ -3782,180 +4163,165 @@
             </a:p>
           </p:txBody>
         </p:sp>
-        <p:grpSp>
-          <p:nvGrpSpPr>
-            <p:cNvPr id="59" name="Group 58"/>
-            <p:cNvGrpSpPr/>
+        <p:sp>
+          <p:nvSpPr>
+            <p:cNvPr id="7" name="Rectangle 6"/>
+            <p:cNvSpPr/>
             <p:nvPr/>
-          </p:nvGrpSpPr>
-          <p:grpSpPr>
+          </p:nvSpPr>
+          <p:spPr>
             <a:xfrm>
-              <a:off x="795772" y="4005064"/>
-              <a:ext cx="1296144" cy="1656184"/>
-              <a:chOff x="323528" y="4509120"/>
-              <a:chExt cx="1296144" cy="1656184"/>
+              <a:off x="287524" y="4581128"/>
+              <a:ext cx="1296144" cy="288032"/>
             </a:xfrm>
-          </p:grpSpPr>
-          <p:sp>
-            <p:nvSpPr>
-              <p:cNvPr id="7" name="Rectangle 6"/>
-              <p:cNvSpPr/>
-              <p:nvPr/>
-            </p:nvSpPr>
-            <p:spPr>
-              <a:xfrm>
-                <a:off x="323528" y="5085184"/>
-                <a:ext cx="1296144" cy="288032"/>
-              </a:xfrm>
-              <a:prstGeom prst="rect">
-                <a:avLst/>
-              </a:prstGeom>
-            </p:spPr>
-            <p:style>
-              <a:lnRef idx="1">
-                <a:schemeClr val="dk1"/>
-              </a:lnRef>
-              <a:fillRef idx="2">
-                <a:schemeClr val="dk1"/>
-              </a:fillRef>
-              <a:effectRef idx="1">
-                <a:schemeClr val="dk1"/>
-              </a:effectRef>
-              <a:fontRef idx="minor">
-                <a:schemeClr val="dk1"/>
-              </a:fontRef>
-            </p:style>
-            <p:txBody>
-              <a:bodyPr rtlCol="0" anchor="t"/>
-              <a:lstStyle/>
-              <a:p>
-                <a:pPr algn="ctr"/>
-                <a:r>
-                  <a:rPr lang="en-GB" sz="1000" dirty="0" smtClean="0"/>
-                  <a:t>Player</a:t>
-                </a:r>
-                <a:endParaRPr lang="en-GB" sz="1000" dirty="0"/>
-              </a:p>
-            </p:txBody>
-          </p:sp>
-          <p:sp>
-            <p:nvSpPr>
-              <p:cNvPr id="13" name="Rectangle 12"/>
-              <p:cNvSpPr/>
-              <p:nvPr/>
-            </p:nvSpPr>
-            <p:spPr>
-              <a:xfrm>
-                <a:off x="323528" y="5877272"/>
-                <a:ext cx="1296144" cy="288032"/>
-              </a:xfrm>
-              <a:prstGeom prst="rect">
-                <a:avLst/>
-              </a:prstGeom>
-            </p:spPr>
-            <p:style>
-              <a:lnRef idx="1">
-                <a:schemeClr val="dk1"/>
-              </a:lnRef>
-              <a:fillRef idx="2">
-                <a:schemeClr val="dk1"/>
-              </a:fillRef>
-              <a:effectRef idx="1">
-                <a:schemeClr val="dk1"/>
-              </a:effectRef>
-              <a:fontRef idx="minor">
-                <a:schemeClr val="dk1"/>
-              </a:fontRef>
-            </p:style>
-            <p:txBody>
-              <a:bodyPr rtlCol="0" anchor="t"/>
-              <a:lstStyle/>
-              <a:p>
-                <a:pPr algn="ctr"/>
-                <a:r>
-                  <a:rPr lang="en-GB" sz="1000" dirty="0" smtClean="0"/>
-                  <a:t>Fee</a:t>
-                </a:r>
-                <a:endParaRPr lang="en-GB" sz="1000" dirty="0"/>
-              </a:p>
-            </p:txBody>
-          </p:sp>
-          <p:cxnSp>
-            <p:nvCxnSpPr>
-              <p:cNvPr id="44" name="Straight Connector 43"/>
-              <p:cNvCxnSpPr>
-                <a:stCxn id="7" idx="2"/>
-                <a:endCxn id="13" idx="0"/>
-              </p:cNvCxnSpPr>
-              <p:nvPr/>
-            </p:nvCxnSpPr>
-            <p:spPr>
-              <a:xfrm>
-                <a:off x="971600" y="5373216"/>
-                <a:ext cx="0" cy="504056"/>
-              </a:xfrm>
-              <a:prstGeom prst="line">
-                <a:avLst/>
-              </a:prstGeom>
-            </p:spPr>
-            <p:style>
-              <a:lnRef idx="1">
-                <a:schemeClr val="accent1"/>
-              </a:lnRef>
-              <a:fillRef idx="0">
-                <a:schemeClr val="accent1"/>
-              </a:fillRef>
-              <a:effectRef idx="0">
-                <a:schemeClr val="accent1"/>
-              </a:effectRef>
-              <a:fontRef idx="minor">
-                <a:schemeClr val="tx1"/>
-              </a:fontRef>
-            </p:style>
-          </p:cxnSp>
-          <p:sp>
-            <p:nvSpPr>
-              <p:cNvPr id="50" name="Rectangle 49"/>
-              <p:cNvSpPr/>
-              <p:nvPr/>
-            </p:nvSpPr>
-            <p:spPr>
-              <a:xfrm>
-                <a:off x="323528" y="4509120"/>
-                <a:ext cx="1296144" cy="288032"/>
-              </a:xfrm>
-              <a:prstGeom prst="rect">
-                <a:avLst/>
-              </a:prstGeom>
-            </p:spPr>
-            <p:style>
-              <a:lnRef idx="1">
-                <a:schemeClr val="accent1"/>
-              </a:lnRef>
-              <a:fillRef idx="2">
-                <a:schemeClr val="accent1"/>
-              </a:fillRef>
-              <a:effectRef idx="1">
-                <a:schemeClr val="accent1"/>
-              </a:effectRef>
-              <a:fontRef idx="minor">
-                <a:schemeClr val="dk1"/>
-              </a:fontRef>
-            </p:style>
-            <p:txBody>
-              <a:bodyPr rtlCol="0" anchor="t"/>
-              <a:lstStyle/>
-              <a:p>
-                <a:pPr algn="ctr"/>
-                <a:r>
-                  <a:rPr lang="en-GB" sz="1000" dirty="0" err="1" smtClean="0"/>
-                  <a:t>PlayerService</a:t>
-                </a:r>
-                <a:endParaRPr lang="en-GB" sz="1000" dirty="0"/>
-              </a:p>
-            </p:txBody>
-          </p:sp>
-        </p:grpSp>
+            <a:prstGeom prst="rect">
+              <a:avLst/>
+            </a:prstGeom>
+          </p:spPr>
+          <p:style>
+            <a:lnRef idx="1">
+              <a:schemeClr val="dk1"/>
+            </a:lnRef>
+            <a:fillRef idx="2">
+              <a:schemeClr val="dk1"/>
+            </a:fillRef>
+            <a:effectRef idx="1">
+              <a:schemeClr val="dk1"/>
+            </a:effectRef>
+            <a:fontRef idx="minor">
+              <a:schemeClr val="dk1"/>
+            </a:fontRef>
+          </p:style>
+          <p:txBody>
+            <a:bodyPr rtlCol="0" anchor="t"/>
+            <a:lstStyle/>
+            <a:p>
+              <a:pPr algn="ctr"/>
+              <a:r>
+                <a:rPr lang="en-GB" sz="1000" dirty="0" smtClean="0"/>
+                <a:t>Player</a:t>
+              </a:r>
+              <a:endParaRPr lang="en-GB" sz="1000" dirty="0"/>
+            </a:p>
+          </p:txBody>
+        </p:sp>
+        <p:sp>
+          <p:nvSpPr>
+            <p:cNvPr id="13" name="Rectangle 12"/>
+            <p:cNvSpPr/>
+            <p:nvPr/>
+          </p:nvSpPr>
+          <p:spPr>
+            <a:xfrm>
+              <a:off x="287524" y="5373216"/>
+              <a:ext cx="1296144" cy="288032"/>
+            </a:xfrm>
+            <a:prstGeom prst="rect">
+              <a:avLst/>
+            </a:prstGeom>
+          </p:spPr>
+          <p:style>
+            <a:lnRef idx="1">
+              <a:schemeClr val="dk1"/>
+            </a:lnRef>
+            <a:fillRef idx="2">
+              <a:schemeClr val="dk1"/>
+            </a:fillRef>
+            <a:effectRef idx="1">
+              <a:schemeClr val="dk1"/>
+            </a:effectRef>
+            <a:fontRef idx="minor">
+              <a:schemeClr val="dk1"/>
+            </a:fontRef>
+          </p:style>
+          <p:txBody>
+            <a:bodyPr rtlCol="0" anchor="t"/>
+            <a:lstStyle/>
+            <a:p>
+              <a:pPr algn="ctr"/>
+              <a:r>
+                <a:rPr lang="en-GB" sz="1000" dirty="0" smtClean="0"/>
+                <a:t>Fee</a:t>
+              </a:r>
+              <a:endParaRPr lang="en-GB" sz="1000" dirty="0"/>
+            </a:p>
+          </p:txBody>
+        </p:sp>
+        <p:cxnSp>
+          <p:nvCxnSpPr>
+            <p:cNvPr id="44" name="Straight Connector 43"/>
+            <p:cNvCxnSpPr>
+              <a:stCxn id="7" idx="2"/>
+              <a:endCxn id="13" idx="0"/>
+            </p:cNvCxnSpPr>
+            <p:nvPr/>
+          </p:nvCxnSpPr>
+          <p:spPr>
+            <a:xfrm>
+              <a:off x="935596" y="4869160"/>
+              <a:ext cx="0" cy="504056"/>
+            </a:xfrm>
+            <a:prstGeom prst="line">
+              <a:avLst/>
+            </a:prstGeom>
+          </p:spPr>
+          <p:style>
+            <a:lnRef idx="1">
+              <a:schemeClr val="accent1"/>
+            </a:lnRef>
+            <a:fillRef idx="0">
+              <a:schemeClr val="accent1"/>
+            </a:fillRef>
+            <a:effectRef idx="0">
+              <a:schemeClr val="accent1"/>
+            </a:effectRef>
+            <a:fontRef idx="minor">
+              <a:schemeClr val="tx1"/>
+            </a:fontRef>
+          </p:style>
+        </p:cxnSp>
+        <p:sp>
+          <p:nvSpPr>
+            <p:cNvPr id="50" name="Rectangle 49"/>
+            <p:cNvSpPr/>
+            <p:nvPr/>
+          </p:nvSpPr>
+          <p:spPr>
+            <a:xfrm>
+              <a:off x="247328" y="4005064"/>
+              <a:ext cx="1440160" cy="288032"/>
+            </a:xfrm>
+            <a:prstGeom prst="rect">
+              <a:avLst/>
+            </a:prstGeom>
+          </p:spPr>
+          <p:style>
+            <a:lnRef idx="1">
+              <a:schemeClr val="accent1"/>
+            </a:lnRef>
+            <a:fillRef idx="2">
+              <a:schemeClr val="accent1"/>
+            </a:fillRef>
+            <a:effectRef idx="1">
+              <a:schemeClr val="accent1"/>
+            </a:effectRef>
+            <a:fontRef idx="minor">
+              <a:schemeClr val="dk1"/>
+            </a:fontRef>
+          </p:style>
+          <p:txBody>
+            <a:bodyPr rtlCol="0" anchor="t"/>
+            <a:lstStyle/>
+            <a:p>
+              <a:pPr algn="ctr"/>
+              <a:r>
+                <a:rPr lang="en-GB" sz="1000" dirty="0" err="1" smtClean="0"/>
+                <a:t>PlayerServices</a:t>
+              </a:r>
+              <a:endParaRPr lang="en-GB" sz="1000" dirty="0"/>
+            </a:p>
+          </p:txBody>
+        </p:sp>
         <p:sp>
           <p:nvSpPr>
             <p:cNvPr id="8" name="Rectangle 7"/>
@@ -3964,7 +4330,7 @@
           </p:nvSpPr>
           <p:spPr>
             <a:xfrm>
-              <a:off x="3923928" y="5373216"/>
+              <a:off x="3419872" y="5373216"/>
               <a:ext cx="1296144" cy="288032"/>
             </a:xfrm>
             <a:prstGeom prst="rect">
@@ -4006,7 +4372,7 @@
           </p:nvSpPr>
           <p:spPr>
             <a:xfrm>
-              <a:off x="3203848" y="5877272"/>
+              <a:off x="2699792" y="5877272"/>
               <a:ext cx="1296144" cy="288032"/>
             </a:xfrm>
             <a:prstGeom prst="rect">
@@ -4048,7 +4414,7 @@
           </p:nvSpPr>
           <p:spPr>
             <a:xfrm>
-              <a:off x="2483768" y="5373216"/>
+              <a:off x="1979712" y="5373216"/>
               <a:ext cx="1296144" cy="288032"/>
             </a:xfrm>
             <a:prstGeom prst="rect">
@@ -4090,7 +4456,7 @@
           </p:nvSpPr>
           <p:spPr>
             <a:xfrm>
-              <a:off x="3203848" y="4581128"/>
+              <a:off x="2699792" y="4581128"/>
               <a:ext cx="1296144" cy="288032"/>
             </a:xfrm>
             <a:prstGeom prst="rect">
@@ -4132,7 +4498,7 @@
           </p:nvSpPr>
           <p:spPr>
             <a:xfrm>
-              <a:off x="4644008" y="4581128"/>
+              <a:off x="4139952" y="4581128"/>
               <a:ext cx="1296144" cy="288032"/>
             </a:xfrm>
             <a:prstGeom prst="rect">
@@ -4174,7 +4540,7 @@
           </p:nvSpPr>
           <p:spPr>
             <a:xfrm>
-              <a:off x="4644008" y="5877272"/>
+              <a:off x="4139952" y="5877272"/>
               <a:ext cx="1296144" cy="288032"/>
             </a:xfrm>
             <a:prstGeom prst="rect">
@@ -4216,7 +4582,7 @@
           </p:nvSpPr>
           <p:spPr>
             <a:xfrm>
-              <a:off x="5364088" y="5373216"/>
+              <a:off x="4860032" y="5373216"/>
               <a:ext cx="1296144" cy="288032"/>
             </a:xfrm>
             <a:prstGeom prst="rect">
@@ -4261,7 +4627,7 @@
           </p:nvCxnSpPr>
           <p:spPr>
             <a:xfrm flipH="1">
-              <a:off x="4572000" y="4869160"/>
+              <a:off x="4067944" y="4869160"/>
               <a:ext cx="720080" cy="504056"/>
             </a:xfrm>
             <a:prstGeom prst="line">
@@ -4294,7 +4660,7 @@
           </p:nvCxnSpPr>
           <p:spPr>
             <a:xfrm>
-              <a:off x="5292080" y="4869160"/>
+              <a:off x="4788024" y="4869160"/>
               <a:ext cx="0" cy="1008112"/>
             </a:xfrm>
             <a:prstGeom prst="line">
@@ -4327,7 +4693,7 @@
           </p:nvCxnSpPr>
           <p:spPr>
             <a:xfrm>
-              <a:off x="5292080" y="4869160"/>
+              <a:off x="4788024" y="4869160"/>
               <a:ext cx="720080" cy="504056"/>
             </a:xfrm>
             <a:prstGeom prst="line">
@@ -4360,7 +4726,7 @@
           </p:nvCxnSpPr>
           <p:spPr>
             <a:xfrm>
-              <a:off x="3851920" y="4869160"/>
+              <a:off x="3347864" y="4869160"/>
               <a:ext cx="720080" cy="504056"/>
             </a:xfrm>
             <a:prstGeom prst="line">
@@ -4393,7 +4759,7 @@
           </p:nvCxnSpPr>
           <p:spPr>
             <a:xfrm flipH="1">
-              <a:off x="3131840" y="4869160"/>
+              <a:off x="2627784" y="4869160"/>
               <a:ext cx="720080" cy="504056"/>
             </a:xfrm>
             <a:prstGeom prst="line">
@@ -4426,7 +4792,7 @@
           </p:nvCxnSpPr>
           <p:spPr>
             <a:xfrm>
-              <a:off x="3851920" y="4869160"/>
+              <a:off x="3347864" y="4869160"/>
               <a:ext cx="0" cy="1008112"/>
             </a:xfrm>
             <a:prstGeom prst="line">
@@ -4456,8 +4822,8 @@
           </p:nvSpPr>
           <p:spPr>
             <a:xfrm>
-              <a:off x="3923928" y="4005064"/>
-              <a:ext cx="1296144" cy="288032"/>
+              <a:off x="3379676" y="4005064"/>
+              <a:ext cx="1440160" cy="288032"/>
             </a:xfrm>
             <a:prstGeom prst="rect">
               <a:avLst/>
@@ -4484,7 +4850,7 @@
               <a:pPr algn="ctr"/>
               <a:r>
                 <a:rPr lang="en-GB" sz="1000" dirty="0" err="1" smtClean="0"/>
-                <a:t>MemberService</a:t>
+                <a:t>MemberServices</a:t>
               </a:r>
               <a:endParaRPr lang="en-GB" sz="1000" dirty="0"/>
             </a:p>
@@ -4498,7 +4864,7 @@
           </p:nvSpPr>
           <p:spPr>
             <a:xfrm>
-              <a:off x="6939880" y="4149080"/>
+              <a:off x="6660232" y="4149080"/>
               <a:ext cx="1520552" cy="2592288"/>
             </a:xfrm>
             <a:prstGeom prst="rect">
@@ -4536,7 +4902,7 @@
           </p:nvSpPr>
           <p:spPr>
             <a:xfrm>
-              <a:off x="7052084" y="4581128"/>
+              <a:off x="6772436" y="4581128"/>
               <a:ext cx="1296144" cy="288032"/>
             </a:xfrm>
             <a:prstGeom prst="rect">
@@ -4578,8 +4944,8 @@
           </p:nvSpPr>
           <p:spPr>
             <a:xfrm>
-              <a:off x="7052084" y="4005064"/>
-              <a:ext cx="1296144" cy="288032"/>
+              <a:off x="6732240" y="4005064"/>
+              <a:ext cx="1440160" cy="288032"/>
             </a:xfrm>
             <a:prstGeom prst="rect">
               <a:avLst/>
@@ -4606,7 +4972,7 @@
               <a:pPr algn="ctr"/>
               <a:r>
                 <a:rPr lang="en-GB" sz="1000" dirty="0" err="1" smtClean="0"/>
-                <a:t>ConfigurationService</a:t>
+                <a:t>ConfigurationServices</a:t>
               </a:r>
               <a:endParaRPr lang="en-GB" sz="1000" dirty="0"/>
             </a:p>
@@ -4623,8 +4989,8 @@
           </p:nvCxnSpPr>
           <p:spPr>
             <a:xfrm flipH="1">
-              <a:off x="2091916" y="4725144"/>
-              <a:ext cx="1111932" cy="0"/>
+              <a:off x="1583668" y="4725144"/>
+              <a:ext cx="1116124" cy="0"/>
             </a:xfrm>
             <a:prstGeom prst="line">
               <a:avLst/>
@@ -4653,7 +5019,7 @@
           </p:nvSpPr>
           <p:spPr>
             <a:xfrm>
-              <a:off x="3203848" y="6309320"/>
+              <a:off x="2699792" y="6309320"/>
               <a:ext cx="1296144" cy="288032"/>
             </a:xfrm>
             <a:prstGeom prst="rect">
@@ -4687,443 +5053,463 @@
             </a:p>
           </p:txBody>
         </p:sp>
+        <p:cxnSp>
+          <p:nvCxnSpPr>
+            <p:cNvPr id="41" name="Straight Connector 40"/>
+            <p:cNvCxnSpPr>
+              <a:stCxn id="34" idx="2"/>
+              <a:endCxn id="51" idx="0"/>
+            </p:cNvCxnSpPr>
+            <p:nvPr/>
+          </p:nvCxnSpPr>
+          <p:spPr>
+            <a:xfrm flipH="1">
+              <a:off x="4099756" y="3212976"/>
+              <a:ext cx="1588368" cy="792088"/>
+            </a:xfrm>
+            <a:prstGeom prst="line">
+              <a:avLst/>
+            </a:prstGeom>
+          </p:spPr>
+          <p:style>
+            <a:lnRef idx="1">
+              <a:schemeClr val="accent1"/>
+            </a:lnRef>
+            <a:fillRef idx="0">
+              <a:schemeClr val="accent1"/>
+            </a:fillRef>
+            <a:effectRef idx="0">
+              <a:schemeClr val="accent1"/>
+            </a:effectRef>
+            <a:fontRef idx="minor">
+              <a:schemeClr val="tx1"/>
+            </a:fontRef>
+          </p:style>
+        </p:cxnSp>
+        <p:sp>
+          <p:nvSpPr>
+            <p:cNvPr id="45" name="Rectangle 44"/>
+            <p:cNvSpPr/>
+            <p:nvPr/>
+          </p:nvSpPr>
+          <p:spPr>
+            <a:xfrm>
+              <a:off x="5868144" y="3429000"/>
+              <a:ext cx="1512168" cy="288032"/>
+            </a:xfrm>
+            <a:prstGeom prst="rect">
+              <a:avLst/>
+            </a:prstGeom>
+          </p:spPr>
+          <p:style>
+            <a:lnRef idx="1">
+              <a:schemeClr val="accent3"/>
+            </a:lnRef>
+            <a:fillRef idx="2">
+              <a:schemeClr val="accent3"/>
+            </a:fillRef>
+            <a:effectRef idx="1">
+              <a:schemeClr val="accent3"/>
+            </a:effectRef>
+            <a:fontRef idx="minor">
+              <a:schemeClr val="dk1"/>
+            </a:fontRef>
+          </p:style>
+          <p:txBody>
+            <a:bodyPr rtlCol="0" anchor="t"/>
+            <a:lstStyle/>
+            <a:p>
+              <a:pPr algn="ctr"/>
+              <a:r>
+                <a:rPr lang="en-GB" sz="1000" dirty="0" err="1" smtClean="0"/>
+                <a:t>ConfigurationClubApi</a:t>
+              </a:r>
+              <a:endParaRPr lang="en-GB" sz="1000" dirty="0"/>
+            </a:p>
+          </p:txBody>
+        </p:sp>
+        <p:cxnSp>
+          <p:nvCxnSpPr>
+            <p:cNvPr id="46" name="Straight Connector 45"/>
+            <p:cNvCxnSpPr>
+              <a:stCxn id="62" idx="2"/>
+              <a:endCxn id="51" idx="0"/>
+            </p:cNvCxnSpPr>
+            <p:nvPr/>
+          </p:nvCxnSpPr>
+          <p:spPr>
+            <a:xfrm>
+              <a:off x="2447764" y="3212976"/>
+              <a:ext cx="1651992" cy="792088"/>
+            </a:xfrm>
+            <a:prstGeom prst="line">
+              <a:avLst/>
+            </a:prstGeom>
+          </p:spPr>
+          <p:style>
+            <a:lnRef idx="1">
+              <a:schemeClr val="accent1"/>
+            </a:lnRef>
+            <a:fillRef idx="0">
+              <a:schemeClr val="accent1"/>
+            </a:fillRef>
+            <a:effectRef idx="0">
+              <a:schemeClr val="accent1"/>
+            </a:effectRef>
+            <a:fontRef idx="minor">
+              <a:schemeClr val="tx1"/>
+            </a:fontRef>
+          </p:style>
+        </p:cxnSp>
+        <p:cxnSp>
+          <p:nvCxnSpPr>
+            <p:cNvPr id="49" name="Straight Connector 48"/>
+            <p:cNvCxnSpPr>
+              <a:stCxn id="45" idx="2"/>
+              <a:endCxn id="52" idx="0"/>
+            </p:cNvCxnSpPr>
+            <p:nvPr/>
+          </p:nvCxnSpPr>
+          <p:spPr>
+            <a:xfrm>
+              <a:off x="6624228" y="3717032"/>
+              <a:ext cx="828092" cy="288032"/>
+            </a:xfrm>
+            <a:prstGeom prst="line">
+              <a:avLst/>
+            </a:prstGeom>
+          </p:spPr>
+          <p:style>
+            <a:lnRef idx="1">
+              <a:schemeClr val="accent1"/>
+            </a:lnRef>
+            <a:fillRef idx="0">
+              <a:schemeClr val="accent1"/>
+            </a:fillRef>
+            <a:effectRef idx="0">
+              <a:schemeClr val="accent1"/>
+            </a:effectRef>
+            <a:fontRef idx="minor">
+              <a:schemeClr val="tx1"/>
+            </a:fontRef>
+          </p:style>
+        </p:cxnSp>
+        <p:sp>
+          <p:nvSpPr>
+            <p:cNvPr id="48" name="Rectangle 47"/>
+            <p:cNvSpPr/>
+            <p:nvPr/>
+          </p:nvSpPr>
+          <p:spPr>
+            <a:xfrm>
+              <a:off x="6772436" y="5013176"/>
+              <a:ext cx="1296144" cy="288032"/>
+            </a:xfrm>
+            <a:prstGeom prst="rect">
+              <a:avLst/>
+            </a:prstGeom>
+          </p:spPr>
+          <p:style>
+            <a:lnRef idx="1">
+              <a:schemeClr val="dk1"/>
+            </a:lnRef>
+            <a:fillRef idx="2">
+              <a:schemeClr val="dk1"/>
+            </a:fillRef>
+            <a:effectRef idx="1">
+              <a:schemeClr val="dk1"/>
+            </a:effectRef>
+            <a:fontRef idx="minor">
+              <a:schemeClr val="dk1"/>
+            </a:fontRef>
+          </p:style>
+          <p:txBody>
+            <a:bodyPr rtlCol="0" anchor="t"/>
+            <a:lstStyle/>
+            <a:p>
+              <a:pPr algn="ctr"/>
+              <a:r>
+                <a:rPr lang="en-GB" sz="1000" dirty="0" smtClean="0"/>
+                <a:t>Team</a:t>
+              </a:r>
+              <a:endParaRPr lang="en-GB" sz="1000" dirty="0"/>
+            </a:p>
+          </p:txBody>
+        </p:sp>
+        <p:sp>
+          <p:nvSpPr>
+            <p:cNvPr id="55" name="Rectangle 54"/>
+            <p:cNvSpPr/>
+            <p:nvPr/>
+          </p:nvSpPr>
+          <p:spPr>
+            <a:xfrm>
+              <a:off x="6772436" y="5445224"/>
+              <a:ext cx="1296144" cy="288032"/>
+            </a:xfrm>
+            <a:prstGeom prst="rect">
+              <a:avLst/>
+            </a:prstGeom>
+          </p:spPr>
+          <p:style>
+            <a:lnRef idx="1">
+              <a:schemeClr val="dk1"/>
+            </a:lnRef>
+            <a:fillRef idx="2">
+              <a:schemeClr val="dk1"/>
+            </a:fillRef>
+            <a:effectRef idx="1">
+              <a:schemeClr val="dk1"/>
+            </a:effectRef>
+            <a:fontRef idx="minor">
+              <a:schemeClr val="dk1"/>
+            </a:fontRef>
+          </p:style>
+          <p:txBody>
+            <a:bodyPr rtlCol="0" anchor="t"/>
+            <a:lstStyle/>
+            <a:p>
+              <a:pPr algn="ctr"/>
+              <a:r>
+                <a:rPr lang="en-GB" sz="1000" dirty="0" smtClean="0"/>
+                <a:t>Opponent</a:t>
+              </a:r>
+              <a:endParaRPr lang="en-GB" sz="1000" dirty="0"/>
+            </a:p>
+          </p:txBody>
+        </p:sp>
+        <p:sp>
+          <p:nvSpPr>
+            <p:cNvPr id="56" name="Rectangle 55"/>
+            <p:cNvSpPr/>
+            <p:nvPr/>
+          </p:nvSpPr>
+          <p:spPr>
+            <a:xfrm>
+              <a:off x="6772436" y="5877272"/>
+              <a:ext cx="1296144" cy="288032"/>
+            </a:xfrm>
+            <a:prstGeom prst="rect">
+              <a:avLst/>
+            </a:prstGeom>
+          </p:spPr>
+          <p:style>
+            <a:lnRef idx="1">
+              <a:schemeClr val="dk1"/>
+            </a:lnRef>
+            <a:fillRef idx="2">
+              <a:schemeClr val="dk1"/>
+            </a:fillRef>
+            <a:effectRef idx="1">
+              <a:schemeClr val="dk1"/>
+            </a:effectRef>
+            <a:fontRef idx="minor">
+              <a:schemeClr val="dk1"/>
+            </a:fontRef>
+          </p:style>
+          <p:txBody>
+            <a:bodyPr rtlCol="0" anchor="t"/>
+            <a:lstStyle/>
+            <a:p>
+              <a:pPr algn="ctr"/>
+              <a:r>
+                <a:rPr lang="en-GB" sz="1000" dirty="0" err="1" smtClean="0"/>
+                <a:t>FixtureType</a:t>
+              </a:r>
+              <a:endParaRPr lang="en-GB" sz="1000" dirty="0"/>
+            </a:p>
+          </p:txBody>
+        </p:sp>
+        <p:sp>
+          <p:nvSpPr>
+            <p:cNvPr id="58" name="Rectangle 57"/>
+            <p:cNvSpPr/>
+            <p:nvPr/>
+          </p:nvSpPr>
+          <p:spPr>
+            <a:xfrm>
+              <a:off x="6772436" y="6237312"/>
+              <a:ext cx="1296144" cy="288032"/>
+            </a:xfrm>
+            <a:prstGeom prst="rect">
+              <a:avLst/>
+            </a:prstGeom>
+          </p:spPr>
+          <p:style>
+            <a:lnRef idx="1">
+              <a:schemeClr val="dk1"/>
+            </a:lnRef>
+            <a:fillRef idx="2">
+              <a:schemeClr val="dk1"/>
+            </a:fillRef>
+            <a:effectRef idx="1">
+              <a:schemeClr val="dk1"/>
+            </a:effectRef>
+            <a:fontRef idx="minor">
+              <a:schemeClr val="dk1"/>
+            </a:fontRef>
+          </p:style>
+          <p:txBody>
+            <a:bodyPr rtlCol="0" anchor="t"/>
+            <a:lstStyle/>
+            <a:p>
+              <a:pPr algn="ctr"/>
+              <a:r>
+                <a:rPr lang="en-GB" sz="1000" dirty="0" smtClean="0"/>
+                <a:t>Location</a:t>
+              </a:r>
+              <a:endParaRPr lang="en-GB" sz="1000" dirty="0"/>
+            </a:p>
+          </p:txBody>
+        </p:sp>
+        <p:sp>
+          <p:nvSpPr>
+            <p:cNvPr id="63" name="Rectangle 62"/>
+            <p:cNvSpPr/>
+            <p:nvPr/>
+          </p:nvSpPr>
+          <p:spPr>
+            <a:xfrm>
+              <a:off x="7452320" y="3429000"/>
+              <a:ext cx="1512168" cy="288032"/>
+            </a:xfrm>
+            <a:prstGeom prst="rect">
+              <a:avLst/>
+            </a:prstGeom>
+          </p:spPr>
+          <p:style>
+            <a:lnRef idx="1">
+              <a:schemeClr val="accent3"/>
+            </a:lnRef>
+            <a:fillRef idx="2">
+              <a:schemeClr val="accent3"/>
+            </a:fillRef>
+            <a:effectRef idx="1">
+              <a:schemeClr val="accent3"/>
+            </a:effectRef>
+            <a:fontRef idx="minor">
+              <a:schemeClr val="dk1"/>
+            </a:fontRef>
+          </p:style>
+          <p:txBody>
+            <a:bodyPr rtlCol="0" anchor="t"/>
+            <a:lstStyle/>
+            <a:p>
+              <a:pPr algn="ctr"/>
+              <a:r>
+                <a:rPr lang="en-GB" sz="1000" dirty="0" err="1" smtClean="0"/>
+                <a:t>ConfigurationFixtureApi</a:t>
+              </a:r>
+              <a:endParaRPr lang="en-GB" sz="1000" dirty="0"/>
+            </a:p>
+          </p:txBody>
+        </p:sp>
+        <p:cxnSp>
+          <p:nvCxnSpPr>
+            <p:cNvPr id="76" name="Straight Connector 75"/>
+            <p:cNvCxnSpPr>
+              <a:stCxn id="63" idx="2"/>
+              <a:endCxn id="52" idx="0"/>
+            </p:cNvCxnSpPr>
+            <p:nvPr/>
+          </p:nvCxnSpPr>
+          <p:spPr>
+            <a:xfrm flipH="1">
+              <a:off x="7452320" y="3717032"/>
+              <a:ext cx="756084" cy="288032"/>
+            </a:xfrm>
+            <a:prstGeom prst="line">
+              <a:avLst/>
+            </a:prstGeom>
+          </p:spPr>
+          <p:style>
+            <a:lnRef idx="1">
+              <a:schemeClr val="accent1"/>
+            </a:lnRef>
+            <a:fillRef idx="0">
+              <a:schemeClr val="accent1"/>
+            </a:fillRef>
+            <a:effectRef idx="0">
+              <a:schemeClr val="accent1"/>
+            </a:effectRef>
+            <a:fontRef idx="minor">
+              <a:schemeClr val="tx1"/>
+            </a:fontRef>
+          </p:style>
+        </p:cxnSp>
+        <p:sp>
+          <p:nvSpPr>
+            <p:cNvPr id="89" name="Rectangle 88"/>
+            <p:cNvSpPr/>
+            <p:nvPr/>
+          </p:nvSpPr>
+          <p:spPr>
+            <a:xfrm>
+              <a:off x="179512" y="3429000"/>
+              <a:ext cx="1512168" cy="288032"/>
+            </a:xfrm>
+            <a:prstGeom prst="rect">
+              <a:avLst/>
+            </a:prstGeom>
+          </p:spPr>
+          <p:style>
+            <a:lnRef idx="1">
+              <a:schemeClr val="accent3"/>
+            </a:lnRef>
+            <a:fillRef idx="2">
+              <a:schemeClr val="accent3"/>
+            </a:fillRef>
+            <a:effectRef idx="1">
+              <a:schemeClr val="accent3"/>
+            </a:effectRef>
+            <a:fontRef idx="minor">
+              <a:schemeClr val="dk1"/>
+            </a:fontRef>
+          </p:style>
+          <p:txBody>
+            <a:bodyPr rtlCol="0" anchor="t"/>
+            <a:lstStyle/>
+            <a:p>
+              <a:pPr algn="ctr"/>
+              <a:r>
+                <a:rPr lang="en-GB" sz="1000" dirty="0" err="1" smtClean="0"/>
+                <a:t>FeeApi</a:t>
+              </a:r>
+              <a:endParaRPr lang="en-GB" sz="1000" dirty="0"/>
+            </a:p>
+          </p:txBody>
+        </p:sp>
+        <p:cxnSp>
+          <p:nvCxnSpPr>
+            <p:cNvPr id="90" name="Straight Connector 89"/>
+            <p:cNvCxnSpPr/>
+            <p:nvPr/>
+          </p:nvCxnSpPr>
+          <p:spPr>
+            <a:xfrm>
+              <a:off x="935596" y="3717032"/>
+              <a:ext cx="0" cy="288032"/>
+            </a:xfrm>
+            <a:prstGeom prst="line">
+              <a:avLst/>
+            </a:prstGeom>
+          </p:spPr>
+          <p:style>
+            <a:lnRef idx="1">
+              <a:schemeClr val="accent1"/>
+            </a:lnRef>
+            <a:fillRef idx="0">
+              <a:schemeClr val="accent1"/>
+            </a:fillRef>
+            <a:effectRef idx="0">
+              <a:schemeClr val="accent1"/>
+            </a:effectRef>
+            <a:fontRef idx="minor">
+              <a:schemeClr val="tx1"/>
+            </a:fontRef>
+          </p:style>
+        </p:cxnSp>
       </p:grpSp>
-      <p:cxnSp>
-        <p:nvCxnSpPr>
-          <p:cNvPr id="41" name="Straight Connector 40"/>
-          <p:cNvCxnSpPr>
-            <a:stCxn id="34" idx="2"/>
-            <a:endCxn id="51" idx="0"/>
-          </p:cNvCxnSpPr>
-          <p:nvPr/>
-        </p:nvCxnSpPr>
-        <p:spPr>
-          <a:xfrm flipH="1">
-            <a:off x="4572000" y="3717032"/>
-            <a:ext cx="1440160" cy="288032"/>
-          </a:xfrm>
-          <a:prstGeom prst="line">
-            <a:avLst/>
-          </a:prstGeom>
-        </p:spPr>
-        <p:style>
-          <a:lnRef idx="1">
-            <a:schemeClr val="accent1"/>
-          </a:lnRef>
-          <a:fillRef idx="0">
-            <a:schemeClr val="accent1"/>
-          </a:fillRef>
-          <a:effectRef idx="0">
-            <a:schemeClr val="accent1"/>
-          </a:effectRef>
-          <a:fontRef idx="minor">
-            <a:schemeClr val="tx1"/>
-          </a:fontRef>
-        </p:style>
-      </p:cxnSp>
-      <p:sp>
-        <p:nvSpPr>
-          <p:cNvPr id="45" name="Rectangle 44"/>
-          <p:cNvSpPr/>
-          <p:nvPr/>
-        </p:nvSpPr>
-        <p:spPr>
-          <a:xfrm>
-            <a:off x="7052084" y="3429000"/>
-            <a:ext cx="1296144" cy="288032"/>
-          </a:xfrm>
-          <a:prstGeom prst="rect">
-            <a:avLst/>
-          </a:prstGeom>
-        </p:spPr>
-        <p:style>
-          <a:lnRef idx="1">
-            <a:schemeClr val="accent3"/>
-          </a:lnRef>
-          <a:fillRef idx="2">
-            <a:schemeClr val="accent3"/>
-          </a:fillRef>
-          <a:effectRef idx="1">
-            <a:schemeClr val="accent3"/>
-          </a:effectRef>
-          <a:fontRef idx="minor">
-            <a:schemeClr val="dk1"/>
-          </a:fontRef>
-        </p:style>
-        <p:txBody>
-          <a:bodyPr rtlCol="0" anchor="t"/>
-          <a:lstStyle/>
-          <a:p>
-            <a:pPr algn="ctr"/>
-            <a:r>
-              <a:rPr lang="en-GB" sz="1000" dirty="0" err="1" smtClean="0"/>
-              <a:t>ConfigurationApi</a:t>
-            </a:r>
-            <a:endParaRPr lang="en-GB" sz="1000" dirty="0"/>
-          </a:p>
-        </p:txBody>
-      </p:sp>
-      <p:cxnSp>
-        <p:nvCxnSpPr>
-          <p:cNvPr id="46" name="Straight Connector 45"/>
-          <p:cNvCxnSpPr>
-            <a:stCxn id="62" idx="2"/>
-            <a:endCxn id="51" idx="0"/>
-          </p:cNvCxnSpPr>
-          <p:nvPr/>
-        </p:nvCxnSpPr>
-        <p:spPr>
-          <a:xfrm>
-            <a:off x="3131840" y="3717032"/>
-            <a:ext cx="1440160" cy="288032"/>
-          </a:xfrm>
-          <a:prstGeom prst="line">
-            <a:avLst/>
-          </a:prstGeom>
-        </p:spPr>
-        <p:style>
-          <a:lnRef idx="1">
-            <a:schemeClr val="accent1"/>
-          </a:lnRef>
-          <a:fillRef idx="0">
-            <a:schemeClr val="accent1"/>
-          </a:fillRef>
-          <a:effectRef idx="0">
-            <a:schemeClr val="accent1"/>
-          </a:effectRef>
-          <a:fontRef idx="minor">
-            <a:schemeClr val="tx1"/>
-          </a:fontRef>
-        </p:style>
-      </p:cxnSp>
-      <p:cxnSp>
-        <p:nvCxnSpPr>
-          <p:cNvPr id="49" name="Straight Connector 48"/>
-          <p:cNvCxnSpPr/>
-          <p:nvPr/>
-        </p:nvCxnSpPr>
-        <p:spPr>
-          <a:xfrm>
-            <a:off x="7700156" y="3717032"/>
-            <a:ext cx="0" cy="288032"/>
-          </a:xfrm>
-          <a:prstGeom prst="line">
-            <a:avLst/>
-          </a:prstGeom>
-        </p:spPr>
-        <p:style>
-          <a:lnRef idx="1">
-            <a:schemeClr val="accent1"/>
-          </a:lnRef>
-          <a:fillRef idx="0">
-            <a:schemeClr val="accent1"/>
-          </a:fillRef>
-          <a:effectRef idx="0">
-            <a:schemeClr val="accent1"/>
-          </a:effectRef>
-          <a:fontRef idx="minor">
-            <a:schemeClr val="tx1"/>
-          </a:fontRef>
-        </p:style>
-      </p:cxnSp>
-      <p:sp>
-        <p:nvSpPr>
-          <p:cNvPr id="67" name="Rectangle 66"/>
-          <p:cNvSpPr/>
-          <p:nvPr/>
-        </p:nvSpPr>
-        <p:spPr>
-          <a:xfrm>
-            <a:off x="3923928" y="1700808"/>
-            <a:ext cx="1296144" cy="288032"/>
-          </a:xfrm>
-          <a:prstGeom prst="rect">
-            <a:avLst/>
-          </a:prstGeom>
-        </p:spPr>
-        <p:style>
-          <a:lnRef idx="1">
-            <a:schemeClr val="accent6"/>
-          </a:lnRef>
-          <a:fillRef idx="2">
-            <a:schemeClr val="accent6"/>
-          </a:fillRef>
-          <a:effectRef idx="1">
-            <a:schemeClr val="accent6"/>
-          </a:effectRef>
-          <a:fontRef idx="minor">
-            <a:schemeClr val="dk1"/>
-          </a:fontRef>
-        </p:style>
-        <p:txBody>
-          <a:bodyPr rtlCol="0" anchor="t"/>
-          <a:lstStyle/>
-          <a:p>
-            <a:pPr algn="ctr"/>
-            <a:r>
-              <a:rPr lang="en-GB" sz="1000" dirty="0" err="1" smtClean="0"/>
-              <a:t>SecureSiteController</a:t>
-            </a:r>
-            <a:endParaRPr lang="en-GB" sz="1000" dirty="0"/>
-          </a:p>
-        </p:txBody>
-      </p:sp>
-      <p:sp>
-        <p:nvSpPr>
-          <p:cNvPr id="68" name="Rectangle 67"/>
-          <p:cNvSpPr/>
-          <p:nvPr/>
-        </p:nvSpPr>
-        <p:spPr>
-          <a:xfrm>
-            <a:off x="5508104" y="1700808"/>
-            <a:ext cx="1296144" cy="288032"/>
-          </a:xfrm>
-          <a:prstGeom prst="rect">
-            <a:avLst/>
-          </a:prstGeom>
-        </p:spPr>
-        <p:style>
-          <a:lnRef idx="1">
-            <a:schemeClr val="accent6"/>
-          </a:lnRef>
-          <a:fillRef idx="2">
-            <a:schemeClr val="accent6"/>
-          </a:fillRef>
-          <a:effectRef idx="1">
-            <a:schemeClr val="accent6"/>
-          </a:effectRef>
-          <a:fontRef idx="minor">
-            <a:schemeClr val="dk1"/>
-          </a:fontRef>
-        </p:style>
-        <p:txBody>
-          <a:bodyPr rtlCol="0" anchor="t"/>
-          <a:lstStyle/>
-          <a:p>
-            <a:pPr algn="ctr"/>
-            <a:r>
-              <a:rPr lang="en-GB" sz="1000" dirty="0" err="1" smtClean="0"/>
-              <a:t>Admin</a:t>
-            </a:r>
-            <a:r>
-              <a:rPr lang="en-GB" sz="1000" dirty="0" err="1" smtClean="0"/>
-              <a:t>SiteController</a:t>
-            </a:r>
-            <a:endParaRPr lang="en-GB" sz="1000" dirty="0"/>
-          </a:p>
-        </p:txBody>
-      </p:sp>
-      <p:sp>
-        <p:nvSpPr>
-          <p:cNvPr id="69" name="Rectangle 68"/>
-          <p:cNvSpPr/>
-          <p:nvPr/>
-        </p:nvSpPr>
-        <p:spPr>
-          <a:xfrm>
-            <a:off x="1763688" y="2852936"/>
-            <a:ext cx="2016224" cy="288032"/>
-          </a:xfrm>
-          <a:prstGeom prst="rect">
-            <a:avLst/>
-          </a:prstGeom>
-        </p:spPr>
-        <p:style>
-          <a:lnRef idx="1">
-            <a:schemeClr val="accent4"/>
-          </a:lnRef>
-          <a:fillRef idx="2">
-            <a:schemeClr val="accent4"/>
-          </a:fillRef>
-          <a:effectRef idx="1">
-            <a:schemeClr val="accent4"/>
-          </a:effectRef>
-          <a:fontRef idx="minor">
-            <a:schemeClr val="dk1"/>
-          </a:fontRef>
-        </p:style>
-        <p:txBody>
-          <a:bodyPr rtlCol="0" anchor="t"/>
-          <a:lstStyle/>
-          <a:p>
-            <a:pPr algn="ctr"/>
-            <a:r>
-              <a:rPr lang="en-GB" sz="1000" dirty="0" err="1" smtClean="0"/>
-              <a:t>Membership.New.Registration.App</a:t>
-            </a:r>
-            <a:endParaRPr lang="en-GB" sz="1000" dirty="0"/>
-          </a:p>
-        </p:txBody>
-      </p:sp>
-      <p:sp>
-        <p:nvSpPr>
-          <p:cNvPr id="70" name="Rectangle 69"/>
-          <p:cNvSpPr/>
-          <p:nvPr/>
-        </p:nvSpPr>
-        <p:spPr>
-          <a:xfrm>
-            <a:off x="1763688" y="2420888"/>
-            <a:ext cx="2016224" cy="288032"/>
-          </a:xfrm>
-          <a:prstGeom prst="rect">
-            <a:avLst/>
-          </a:prstGeom>
-        </p:spPr>
-        <p:style>
-          <a:lnRef idx="1">
-            <a:schemeClr val="accent4"/>
-          </a:lnRef>
-          <a:fillRef idx="2">
-            <a:schemeClr val="accent4"/>
-          </a:fillRef>
-          <a:effectRef idx="1">
-            <a:schemeClr val="accent4"/>
-          </a:effectRef>
-          <a:fontRef idx="minor">
-            <a:schemeClr val="dk1"/>
-          </a:fontRef>
-        </p:style>
-        <p:txBody>
-          <a:bodyPr rtlCol="0" anchor="t"/>
-          <a:lstStyle/>
-          <a:p>
-            <a:pPr algn="ctr"/>
-            <a:r>
-              <a:rPr lang="en-GB" sz="1000" dirty="0" err="1" smtClean="0"/>
-              <a:t>Membership.My.Registration.App</a:t>
-            </a:r>
-            <a:endParaRPr lang="en-GB" sz="1000" dirty="0"/>
-          </a:p>
-        </p:txBody>
-      </p:sp>
-      <p:sp>
-        <p:nvSpPr>
-          <p:cNvPr id="71" name="Rectangle 70"/>
-          <p:cNvSpPr/>
-          <p:nvPr/>
-        </p:nvSpPr>
-        <p:spPr>
-          <a:xfrm>
-            <a:off x="3995936" y="2420888"/>
-            <a:ext cx="2016224" cy="288032"/>
-          </a:xfrm>
-          <a:prstGeom prst="rect">
-            <a:avLst/>
-          </a:prstGeom>
-        </p:spPr>
-        <p:style>
-          <a:lnRef idx="1">
-            <a:schemeClr val="accent4"/>
-          </a:lnRef>
-          <a:fillRef idx="2">
-            <a:schemeClr val="accent4"/>
-          </a:fillRef>
-          <a:effectRef idx="1">
-            <a:schemeClr val="accent4"/>
-          </a:effectRef>
-          <a:fontRef idx="minor">
-            <a:schemeClr val="dk1"/>
-          </a:fontRef>
-        </p:style>
-        <p:txBody>
-          <a:bodyPr rtlCol="0" anchor="t"/>
-          <a:lstStyle/>
-          <a:p>
-            <a:pPr algn="ctr"/>
-            <a:r>
-              <a:rPr lang="en-GB" sz="1000" dirty="0" err="1" smtClean="0"/>
-              <a:t>Admin.Member.Activate.App</a:t>
-            </a:r>
-            <a:endParaRPr lang="en-GB" sz="1000" dirty="0"/>
-          </a:p>
-        </p:txBody>
-      </p:sp>
-      <p:sp>
-        <p:nvSpPr>
-          <p:cNvPr id="72" name="Rectangle 71"/>
-          <p:cNvSpPr/>
-          <p:nvPr/>
-        </p:nvSpPr>
-        <p:spPr>
-          <a:xfrm>
-            <a:off x="3995936" y="2852936"/>
-            <a:ext cx="2016224" cy="288032"/>
-          </a:xfrm>
-          <a:prstGeom prst="rect">
-            <a:avLst/>
-          </a:prstGeom>
-        </p:spPr>
-        <p:style>
-          <a:lnRef idx="1">
-            <a:schemeClr val="accent4"/>
-          </a:lnRef>
-          <a:fillRef idx="2">
-            <a:schemeClr val="accent4"/>
-          </a:fillRef>
-          <a:effectRef idx="1">
-            <a:schemeClr val="accent4"/>
-          </a:effectRef>
-          <a:fontRef idx="minor">
-            <a:schemeClr val="dk1"/>
-          </a:fontRef>
-        </p:style>
-        <p:txBody>
-          <a:bodyPr rtlCol="0" anchor="t"/>
-          <a:lstStyle/>
-          <a:p>
-            <a:pPr algn="ctr"/>
-            <a:r>
-              <a:rPr lang="en-GB" sz="1000" dirty="0" err="1" smtClean="0"/>
-              <a:t>Admin.Member.List.All.App</a:t>
-            </a:r>
-            <a:endParaRPr lang="en-GB" sz="1000" dirty="0"/>
-          </a:p>
-        </p:txBody>
-      </p:sp>
-      <p:sp>
-        <p:nvSpPr>
-          <p:cNvPr id="74" name="Rectangle 73"/>
-          <p:cNvSpPr/>
-          <p:nvPr/>
-        </p:nvSpPr>
-        <p:spPr>
-          <a:xfrm>
-            <a:off x="6660232" y="2852936"/>
-            <a:ext cx="2016224" cy="288032"/>
-          </a:xfrm>
-          <a:prstGeom prst="rect">
-            <a:avLst/>
-          </a:prstGeom>
-        </p:spPr>
-        <p:style>
-          <a:lnRef idx="1">
-            <a:schemeClr val="accent4"/>
-          </a:lnRef>
-          <a:fillRef idx="2">
-            <a:schemeClr val="accent4"/>
-          </a:fillRef>
-          <a:effectRef idx="1">
-            <a:schemeClr val="accent4"/>
-          </a:effectRef>
-          <a:fontRef idx="minor">
-            <a:schemeClr val="dk1"/>
-          </a:fontRef>
-        </p:style>
-        <p:txBody>
-          <a:bodyPr rtlCol="0" anchor="t"/>
-          <a:lstStyle/>
-          <a:p>
-            <a:pPr algn="ctr"/>
-            <a:r>
-              <a:rPr lang="en-GB" sz="1000" dirty="0" err="1" smtClean="0"/>
-              <a:t>Club.Configuration.App</a:t>
-            </a:r>
-            <a:endParaRPr lang="en-GB" sz="1000" dirty="0"/>
-          </a:p>
-        </p:txBody>
-      </p:sp>
     </p:spTree>
   </p:cSld>
   <p:clrMapOvr>

--- a/Documentation/Architecture.pptx
+++ b/Documentation/Architecture.pptx
@@ -5,11 +5,13 @@
     <p:sldMasterId id="2147483648" r:id="rId1"/>
   </p:sldMasterIdLst>
   <p:notesMasterIdLst>
-    <p:notesMasterId r:id="rId4"/>
+    <p:notesMasterId r:id="rId6"/>
   </p:notesMasterIdLst>
   <p:sldIdLst>
     <p:sldId id="256" r:id="rId2"/>
-    <p:sldId id="257" r:id="rId3"/>
+    <p:sldId id="258" r:id="rId3"/>
+    <p:sldId id="259" r:id="rId4"/>
+    <p:sldId id="257" r:id="rId5"/>
   </p:sldIdLst>
   <p:sldSz cx="9144000" cy="6858000" type="screen4x3"/>
   <p:notesSz cx="6858000" cy="9144000"/>
@@ -194,7 +196,7 @@
             <a:fld id="{3D842951-A5D4-4CCE-A843-7F2B2D8D0F7F}" type="datetimeFigureOut">
               <a:rPr lang="en-GB" smtClean="0"/>
               <a:pPr/>
-              <a:t>09/12/2014</a:t>
+              <a:t>10/12/2014</a:t>
             </a:fld>
             <a:endParaRPr lang="en-GB"/>
           </a:p>
@@ -542,6 +544,170 @@
 </p:notes>
 </file>
 
+<file path=ppt/notesSlides/notesSlide2.xml><?xml version="1.0" encoding="utf-8"?>
+<p:notes xmlns:a="http://schemas.openxmlformats.org/drawingml/2006/main" xmlns:r="http://schemas.openxmlformats.org/officeDocument/2006/relationships" xmlns:p="http://schemas.openxmlformats.org/presentationml/2006/main">
+  <p:cSld>
+    <p:spTree>
+      <p:nvGrpSpPr>
+        <p:cNvPr id="1" name=""/>
+        <p:cNvGrpSpPr/>
+        <p:nvPr/>
+      </p:nvGrpSpPr>
+      <p:grpSpPr>
+        <a:xfrm>
+          <a:off x="0" y="0"/>
+          <a:ext cx="0" cy="0"/>
+          <a:chOff x="0" y="0"/>
+          <a:chExt cx="0" cy="0"/>
+        </a:xfrm>
+      </p:grpSpPr>
+      <p:sp>
+        <p:nvSpPr>
+          <p:cNvPr id="2" name="Slide Image Placeholder 1"/>
+          <p:cNvSpPr>
+            <a:spLocks noGrp="1" noRot="1" noChangeAspect="1"/>
+          </p:cNvSpPr>
+          <p:nvPr>
+            <p:ph type="sldImg"/>
+          </p:nvPr>
+        </p:nvSpPr>
+        <p:spPr/>
+      </p:sp>
+      <p:sp>
+        <p:nvSpPr>
+          <p:cNvPr id="3" name="Notes Placeholder 2"/>
+          <p:cNvSpPr>
+            <a:spLocks noGrp="1"/>
+          </p:cNvSpPr>
+          <p:nvPr>
+            <p:ph type="body" idx="1"/>
+          </p:nvPr>
+        </p:nvSpPr>
+        <p:spPr/>
+        <p:txBody>
+          <a:bodyPr>
+            <a:normAutofit/>
+          </a:bodyPr>
+          <a:lstStyle/>
+          <a:p>
+            <a:endParaRPr lang="en-GB" dirty="0"/>
+          </a:p>
+        </p:txBody>
+      </p:sp>
+      <p:sp>
+        <p:nvSpPr>
+          <p:cNvPr id="4" name="Slide Number Placeholder 3"/>
+          <p:cNvSpPr>
+            <a:spLocks noGrp="1"/>
+          </p:cNvSpPr>
+          <p:nvPr>
+            <p:ph type="sldNum" sz="quarter" idx="10"/>
+          </p:nvPr>
+        </p:nvSpPr>
+        <p:spPr/>
+        <p:txBody>
+          <a:bodyPr/>
+          <a:lstStyle/>
+          <a:p>
+            <a:fld id="{75F8A834-C7AC-431A-9AC1-8BE0AF12D329}" type="slidenum">
+              <a:rPr lang="en-GB" smtClean="0"/>
+              <a:pPr/>
+              <a:t>2</a:t>
+            </a:fld>
+            <a:endParaRPr lang="en-GB"/>
+          </a:p>
+        </p:txBody>
+      </p:sp>
+    </p:spTree>
+  </p:cSld>
+  <p:clrMapOvr>
+    <a:masterClrMapping/>
+  </p:clrMapOvr>
+</p:notes>
+</file>
+
+<file path=ppt/notesSlides/notesSlide3.xml><?xml version="1.0" encoding="utf-8"?>
+<p:notes xmlns:a="http://schemas.openxmlformats.org/drawingml/2006/main" xmlns:r="http://schemas.openxmlformats.org/officeDocument/2006/relationships" xmlns:p="http://schemas.openxmlformats.org/presentationml/2006/main">
+  <p:cSld>
+    <p:spTree>
+      <p:nvGrpSpPr>
+        <p:cNvPr id="1" name=""/>
+        <p:cNvGrpSpPr/>
+        <p:nvPr/>
+      </p:nvGrpSpPr>
+      <p:grpSpPr>
+        <a:xfrm>
+          <a:off x="0" y="0"/>
+          <a:ext cx="0" cy="0"/>
+          <a:chOff x="0" y="0"/>
+          <a:chExt cx="0" cy="0"/>
+        </a:xfrm>
+      </p:grpSpPr>
+      <p:sp>
+        <p:nvSpPr>
+          <p:cNvPr id="2" name="Slide Image Placeholder 1"/>
+          <p:cNvSpPr>
+            <a:spLocks noGrp="1" noRot="1" noChangeAspect="1"/>
+          </p:cNvSpPr>
+          <p:nvPr>
+            <p:ph type="sldImg"/>
+          </p:nvPr>
+        </p:nvSpPr>
+        <p:spPr/>
+      </p:sp>
+      <p:sp>
+        <p:nvSpPr>
+          <p:cNvPr id="3" name="Notes Placeholder 2"/>
+          <p:cNvSpPr>
+            <a:spLocks noGrp="1"/>
+          </p:cNvSpPr>
+          <p:nvPr>
+            <p:ph type="body" idx="1"/>
+          </p:nvPr>
+        </p:nvSpPr>
+        <p:spPr/>
+        <p:txBody>
+          <a:bodyPr>
+            <a:normAutofit/>
+          </a:bodyPr>
+          <a:lstStyle/>
+          <a:p>
+            <a:endParaRPr lang="en-GB" dirty="0"/>
+          </a:p>
+        </p:txBody>
+      </p:sp>
+      <p:sp>
+        <p:nvSpPr>
+          <p:cNvPr id="4" name="Slide Number Placeholder 3"/>
+          <p:cNvSpPr>
+            <a:spLocks noGrp="1"/>
+          </p:cNvSpPr>
+          <p:nvPr>
+            <p:ph type="sldNum" sz="quarter" idx="10"/>
+          </p:nvPr>
+        </p:nvSpPr>
+        <p:spPr/>
+        <p:txBody>
+          <a:bodyPr/>
+          <a:lstStyle/>
+          <a:p>
+            <a:fld id="{75F8A834-C7AC-431A-9AC1-8BE0AF12D329}" type="slidenum">
+              <a:rPr lang="en-GB" smtClean="0"/>
+              <a:pPr/>
+              <a:t>3</a:t>
+            </a:fld>
+            <a:endParaRPr lang="en-GB"/>
+          </a:p>
+        </p:txBody>
+      </p:sp>
+    </p:spTree>
+  </p:cSld>
+  <p:clrMapOvr>
+    <a:masterClrMapping/>
+  </p:clrMapOvr>
+</p:notes>
+</file>
+
 <file path=ppt/slideLayouts/slideLayout1.xml><?xml version="1.0" encoding="utf-8"?>
 <p:sldLayout xmlns:a="http://schemas.openxmlformats.org/drawingml/2006/main" xmlns:r="http://schemas.openxmlformats.org/officeDocument/2006/relationships" xmlns:p="http://schemas.openxmlformats.org/presentationml/2006/main" type="title" preserve="1">
   <p:cSld name="Title Slide">
@@ -724,7 +890,7 @@
             <a:fld id="{9E7539CF-A853-46E9-9284-C283F40F4A5C}" type="datetimeFigureOut">
               <a:rPr lang="en-GB" smtClean="0"/>
               <a:pPr/>
-              <a:t>09/12/2014</a:t>
+              <a:t>10/12/2014</a:t>
             </a:fld>
             <a:endParaRPr lang="en-GB"/>
           </a:p>
@@ -891,7 +1057,7 @@
             <a:fld id="{9E7539CF-A853-46E9-9284-C283F40F4A5C}" type="datetimeFigureOut">
               <a:rPr lang="en-GB" smtClean="0"/>
               <a:pPr/>
-              <a:t>09/12/2014</a:t>
+              <a:t>10/12/2014</a:t>
             </a:fld>
             <a:endParaRPr lang="en-GB"/>
           </a:p>
@@ -1068,7 +1234,7 @@
             <a:fld id="{9E7539CF-A853-46E9-9284-C283F40F4A5C}" type="datetimeFigureOut">
               <a:rPr lang="en-GB" smtClean="0"/>
               <a:pPr/>
-              <a:t>09/12/2014</a:t>
+              <a:t>10/12/2014</a:t>
             </a:fld>
             <a:endParaRPr lang="en-GB"/>
           </a:p>
@@ -1235,7 +1401,7 @@
             <a:fld id="{9E7539CF-A853-46E9-9284-C283F40F4A5C}" type="datetimeFigureOut">
               <a:rPr lang="en-GB" smtClean="0"/>
               <a:pPr/>
-              <a:t>09/12/2014</a:t>
+              <a:t>10/12/2014</a:t>
             </a:fld>
             <a:endParaRPr lang="en-GB"/>
           </a:p>
@@ -1478,7 +1644,7 @@
             <a:fld id="{9E7539CF-A853-46E9-9284-C283F40F4A5C}" type="datetimeFigureOut">
               <a:rPr lang="en-GB" smtClean="0"/>
               <a:pPr/>
-              <a:t>09/12/2014</a:t>
+              <a:t>10/12/2014</a:t>
             </a:fld>
             <a:endParaRPr lang="en-GB"/>
           </a:p>
@@ -1763,7 +1929,7 @@
             <a:fld id="{9E7539CF-A853-46E9-9284-C283F40F4A5C}" type="datetimeFigureOut">
               <a:rPr lang="en-GB" smtClean="0"/>
               <a:pPr/>
-              <a:t>09/12/2014</a:t>
+              <a:t>10/12/2014</a:t>
             </a:fld>
             <a:endParaRPr lang="en-GB"/>
           </a:p>
@@ -2182,7 +2348,7 @@
             <a:fld id="{9E7539CF-A853-46E9-9284-C283F40F4A5C}" type="datetimeFigureOut">
               <a:rPr lang="en-GB" smtClean="0"/>
               <a:pPr/>
-              <a:t>09/12/2014</a:t>
+              <a:t>10/12/2014</a:t>
             </a:fld>
             <a:endParaRPr lang="en-GB"/>
           </a:p>
@@ -2297,7 +2463,7 @@
             <a:fld id="{9E7539CF-A853-46E9-9284-C283F40F4A5C}" type="datetimeFigureOut">
               <a:rPr lang="en-GB" smtClean="0"/>
               <a:pPr/>
-              <a:t>09/12/2014</a:t>
+              <a:t>10/12/2014</a:t>
             </a:fld>
             <a:endParaRPr lang="en-GB"/>
           </a:p>
@@ -2389,7 +2555,7 @@
             <a:fld id="{9E7539CF-A853-46E9-9284-C283F40F4A5C}" type="datetimeFigureOut">
               <a:rPr lang="en-GB" smtClean="0"/>
               <a:pPr/>
-              <a:t>09/12/2014</a:t>
+              <a:t>10/12/2014</a:t>
             </a:fld>
             <a:endParaRPr lang="en-GB"/>
           </a:p>
@@ -2663,7 +2829,7 @@
             <a:fld id="{9E7539CF-A853-46E9-9284-C283F40F4A5C}" type="datetimeFigureOut">
               <a:rPr lang="en-GB" smtClean="0"/>
               <a:pPr/>
-              <a:t>09/12/2014</a:t>
+              <a:t>10/12/2014</a:t>
             </a:fld>
             <a:endParaRPr lang="en-GB"/>
           </a:p>
@@ -2913,7 +3079,7 @@
             <a:fld id="{9E7539CF-A853-46E9-9284-C283F40F4A5C}" type="datetimeFigureOut">
               <a:rPr lang="en-GB" smtClean="0"/>
               <a:pPr/>
-              <a:t>09/12/2014</a:t>
+              <a:t>10/12/2014</a:t>
             </a:fld>
             <a:endParaRPr lang="en-GB"/>
           </a:p>
@@ -3123,7 +3289,7 @@
             <a:fld id="{9E7539CF-A853-46E9-9284-C283F40F4A5C}" type="datetimeFigureOut">
               <a:rPr lang="en-GB" smtClean="0"/>
               <a:pPr/>
-              <a:t>09/12/2014</a:t>
+              <a:t>10/12/2014</a:t>
             </a:fld>
             <a:endParaRPr lang="en-GB"/>
           </a:p>
@@ -3502,7 +3668,7 @@
         </p:nvSpPr>
         <p:spPr>
           <a:xfrm>
-            <a:off x="2339752" y="836712"/>
+            <a:off x="2339752" y="980728"/>
             <a:ext cx="1296144" cy="288032"/>
           </a:xfrm>
           <a:prstGeom prst="rect">
@@ -3544,7 +3710,7 @@
         </p:nvSpPr>
         <p:spPr>
           <a:xfrm>
-            <a:off x="3923928" y="836712"/>
+            <a:off x="3923928" y="980728"/>
             <a:ext cx="1296144" cy="288032"/>
           </a:xfrm>
           <a:prstGeom prst="rect">
@@ -3586,7 +3752,7 @@
         </p:nvSpPr>
         <p:spPr>
           <a:xfrm>
-            <a:off x="5508104" y="836712"/>
+            <a:off x="5508104" y="980728"/>
             <a:ext cx="1296144" cy="288032"/>
           </a:xfrm>
           <a:prstGeom prst="rect">
@@ -3628,7 +3794,7 @@
         </p:nvSpPr>
         <p:spPr>
           <a:xfrm>
-            <a:off x="1115616" y="1916832"/>
+            <a:off x="3419872" y="2276872"/>
             <a:ext cx="2016224" cy="288032"/>
           </a:xfrm>
           <a:prstGeom prst="rect">
@@ -3670,7 +3836,7 @@
         </p:nvSpPr>
         <p:spPr>
           <a:xfrm>
-            <a:off x="1115616" y="1484784"/>
+            <a:off x="3419872" y="1844824"/>
             <a:ext cx="2016224" cy="288032"/>
           </a:xfrm>
           <a:prstGeom prst="rect">
@@ -3712,7 +3878,7 @@
         </p:nvSpPr>
         <p:spPr>
           <a:xfrm>
-            <a:off x="3347864" y="1916832"/>
+            <a:off x="5652120" y="1844824"/>
             <a:ext cx="2016224" cy="288032"/>
           </a:xfrm>
           <a:prstGeom prst="rect">
@@ -3754,7 +3920,7 @@
         </p:nvSpPr>
         <p:spPr>
           <a:xfrm>
-            <a:off x="3347864" y="2348880"/>
+            <a:off x="5652120" y="2276872"/>
             <a:ext cx="2016224" cy="288032"/>
           </a:xfrm>
           <a:prstGeom prst="rect">
@@ -3790,13 +3956,13 @@
       </p:sp>
       <p:sp>
         <p:nvSpPr>
-          <p:cNvPr id="74" name="Rectangle 73"/>
+          <p:cNvPr id="47" name="Rectangle 46"/>
           <p:cNvSpPr/>
           <p:nvPr/>
         </p:nvSpPr>
         <p:spPr>
           <a:xfrm>
-            <a:off x="6660232" y="2348880"/>
+            <a:off x="1187624" y="2276872"/>
             <a:ext cx="2016224" cy="288032"/>
           </a:xfrm>
           <a:prstGeom prst="rect">
@@ -3824,7 +3990,7 @@
             <a:pPr algn="ctr"/>
             <a:r>
               <a:rPr lang="en-GB" sz="1000" dirty="0" err="1" smtClean="0"/>
-              <a:t>Club.Configuration.General.App</a:t>
+              <a:t>Membership.New.Fee.App</a:t>
             </a:r>
             <a:endParaRPr lang="en-GB" sz="1000" dirty="0"/>
           </a:p>
@@ -3832,14 +3998,14 @@
       </p:sp>
       <p:sp>
         <p:nvSpPr>
-          <p:cNvPr id="47" name="Rectangle 46"/>
+          <p:cNvPr id="62" name="Rectangle 61"/>
           <p:cNvSpPr/>
           <p:nvPr/>
         </p:nvSpPr>
         <p:spPr>
           <a:xfrm>
-            <a:off x="1115616" y="2348880"/>
-            <a:ext cx="2016224" cy="288032"/>
+            <a:off x="3059832" y="3140968"/>
+            <a:ext cx="1512168" cy="288032"/>
           </a:xfrm>
           <a:prstGeom prst="rect">
             <a:avLst/>
@@ -3847,13 +4013,13 @@
         </p:spPr>
         <p:style>
           <a:lnRef idx="1">
-            <a:schemeClr val="accent4"/>
+            <a:schemeClr val="accent3"/>
           </a:lnRef>
           <a:fillRef idx="2">
-            <a:schemeClr val="accent4"/>
+            <a:schemeClr val="accent3"/>
           </a:fillRef>
           <a:effectRef idx="1">
-            <a:schemeClr val="accent4"/>
+            <a:schemeClr val="accent3"/>
           </a:effectRef>
           <a:fontRef idx="minor">
             <a:schemeClr val="dk1"/>
@@ -3866,36 +4032,69 @@
             <a:pPr algn="ctr"/>
             <a:r>
               <a:rPr lang="en-GB" sz="1000" dirty="0" err="1" smtClean="0"/>
-              <a:t>Membership.New.Fee.App</a:t>
+              <a:t>RegistrationApi</a:t>
             </a:r>
             <a:endParaRPr lang="en-GB" sz="1000" dirty="0"/>
           </a:p>
         </p:txBody>
       </p:sp>
-      <p:sp>
-        <p:nvSpPr>
-          <p:cNvPr id="61" name="Rectangle 60"/>
-          <p:cNvSpPr/>
-          <p:nvPr/>
-        </p:nvSpPr>
-        <p:spPr>
-          <a:xfrm>
-            <a:off x="6660232" y="1916832"/>
-            <a:ext cx="2016224" cy="288032"/>
-          </a:xfrm>
-          <a:prstGeom prst="rect">
+      <p:cxnSp>
+        <p:nvCxnSpPr>
+          <p:cNvPr id="64" name="Straight Connector 63"/>
+          <p:cNvCxnSpPr>
+            <a:stCxn id="65" idx="2"/>
+            <a:endCxn id="51" idx="0"/>
+          </p:cNvCxnSpPr>
+          <p:nvPr/>
+        </p:nvCxnSpPr>
+        <p:spPr>
+          <a:xfrm>
+            <a:off x="5436096" y="3429000"/>
+            <a:ext cx="0" cy="576064"/>
+          </a:xfrm>
+          <a:prstGeom prst="line">
             <a:avLst/>
           </a:prstGeom>
         </p:spPr>
         <p:style>
           <a:lnRef idx="1">
-            <a:schemeClr val="accent4"/>
+            <a:schemeClr val="accent1"/>
+          </a:lnRef>
+          <a:fillRef idx="0">
+            <a:schemeClr val="accent1"/>
+          </a:fillRef>
+          <a:effectRef idx="0">
+            <a:schemeClr val="accent1"/>
+          </a:effectRef>
+          <a:fontRef idx="minor">
+            <a:schemeClr val="tx1"/>
+          </a:fontRef>
+        </p:style>
+      </p:cxnSp>
+      <p:sp>
+        <p:nvSpPr>
+          <p:cNvPr id="65" name="Rectangle 64"/>
+          <p:cNvSpPr/>
+          <p:nvPr/>
+        </p:nvSpPr>
+        <p:spPr>
+          <a:xfrm>
+            <a:off x="4680012" y="3140968"/>
+            <a:ext cx="1512168" cy="288032"/>
+          </a:xfrm>
+          <a:prstGeom prst="rect">
+            <a:avLst/>
+          </a:prstGeom>
+        </p:spPr>
+        <p:style>
+          <a:lnRef idx="1">
+            <a:schemeClr val="accent3"/>
           </a:lnRef>
           <a:fillRef idx="2">
-            <a:schemeClr val="accent4"/>
+            <a:schemeClr val="accent3"/>
           </a:fillRef>
           <a:effectRef idx="1">
-            <a:schemeClr val="accent4"/>
+            <a:schemeClr val="accent3"/>
           </a:effectRef>
           <a:fontRef idx="minor">
             <a:schemeClr val="dk1"/>
@@ -3908,1608 +4107,1068 @@
             <a:pPr algn="ctr"/>
             <a:r>
               <a:rPr lang="en-GB" sz="1000" dirty="0" err="1" smtClean="0"/>
-              <a:t>Club.Configuration.Fixture.App</a:t>
+              <a:t>AdminMemberApi</a:t>
             </a:r>
             <a:endParaRPr lang="en-GB" sz="1000" dirty="0"/>
           </a:p>
         </p:txBody>
       </p:sp>
-      <p:grpSp>
-        <p:nvGrpSpPr>
-          <p:cNvPr id="100" name="Group 99"/>
-          <p:cNvGrpSpPr/>
-          <p:nvPr/>
-        </p:nvGrpSpPr>
-        <p:grpSpPr>
-          <a:xfrm>
-            <a:off x="179512" y="2924944"/>
-            <a:ext cx="8784976" cy="3816424"/>
-            <a:chOff x="179512" y="2924944"/>
-            <a:chExt cx="8784976" cy="3816424"/>
-          </a:xfrm>
-        </p:grpSpPr>
-        <p:sp>
-          <p:nvSpPr>
-            <p:cNvPr id="62" name="Rectangle 61"/>
-            <p:cNvSpPr/>
-            <p:nvPr/>
-          </p:nvSpPr>
-          <p:spPr>
-            <a:xfrm>
-              <a:off x="1691680" y="2924944"/>
-              <a:ext cx="1512168" cy="288032"/>
-            </a:xfrm>
-            <a:prstGeom prst="rect">
-              <a:avLst/>
-            </a:prstGeom>
-          </p:spPr>
-          <p:style>
-            <a:lnRef idx="1">
-              <a:schemeClr val="accent3"/>
-            </a:lnRef>
-            <a:fillRef idx="2">
-              <a:schemeClr val="accent3"/>
-            </a:fillRef>
-            <a:effectRef idx="1">
-              <a:schemeClr val="accent3"/>
-            </a:effectRef>
-            <a:fontRef idx="minor">
-              <a:schemeClr val="dk1"/>
-            </a:fontRef>
-          </p:style>
-          <p:txBody>
-            <a:bodyPr rtlCol="0" anchor="t"/>
-            <a:lstStyle/>
-            <a:p>
-              <a:pPr algn="ctr"/>
-              <a:r>
-                <a:rPr lang="en-GB" sz="1000" dirty="0" err="1" smtClean="0"/>
-                <a:t>RegistrationApi</a:t>
-              </a:r>
-              <a:endParaRPr lang="en-GB" sz="1000" dirty="0"/>
-            </a:p>
-          </p:txBody>
-        </p:sp>
-        <p:cxnSp>
-          <p:nvCxnSpPr>
-            <p:cNvPr id="64" name="Straight Connector 63"/>
-            <p:cNvCxnSpPr>
-              <a:stCxn id="65" idx="2"/>
-              <a:endCxn id="51" idx="0"/>
-            </p:cNvCxnSpPr>
-            <p:nvPr/>
-          </p:nvCxnSpPr>
-          <p:spPr>
-            <a:xfrm>
-              <a:off x="4067944" y="3212976"/>
-              <a:ext cx="31812" cy="792088"/>
-            </a:xfrm>
-            <a:prstGeom prst="line">
-              <a:avLst/>
-            </a:prstGeom>
-          </p:spPr>
-          <p:style>
-            <a:lnRef idx="1">
-              <a:schemeClr val="accent1"/>
-            </a:lnRef>
-            <a:fillRef idx="0">
-              <a:schemeClr val="accent1"/>
-            </a:fillRef>
-            <a:effectRef idx="0">
-              <a:schemeClr val="accent1"/>
-            </a:effectRef>
-            <a:fontRef idx="minor">
-              <a:schemeClr val="tx1"/>
-            </a:fontRef>
-          </p:style>
-        </p:cxnSp>
-        <p:sp>
-          <p:nvSpPr>
-            <p:cNvPr id="65" name="Rectangle 64"/>
-            <p:cNvSpPr/>
-            <p:nvPr/>
-          </p:nvSpPr>
-          <p:spPr>
-            <a:xfrm>
-              <a:off x="3311860" y="2924944"/>
-              <a:ext cx="1512168" cy="288032"/>
-            </a:xfrm>
-            <a:prstGeom prst="rect">
-              <a:avLst/>
-            </a:prstGeom>
-          </p:spPr>
-          <p:style>
-            <a:lnRef idx="1">
-              <a:schemeClr val="accent3"/>
-            </a:lnRef>
-            <a:fillRef idx="2">
-              <a:schemeClr val="accent3"/>
-            </a:fillRef>
-            <a:effectRef idx="1">
-              <a:schemeClr val="accent3"/>
-            </a:effectRef>
-            <a:fontRef idx="minor">
-              <a:schemeClr val="dk1"/>
-            </a:fontRef>
-          </p:style>
-          <p:txBody>
-            <a:bodyPr rtlCol="0" anchor="t"/>
-            <a:lstStyle/>
-            <a:p>
-              <a:pPr algn="ctr"/>
-              <a:r>
-                <a:rPr lang="en-GB" sz="1000" dirty="0" err="1" smtClean="0"/>
-                <a:t>AdminMemberApi</a:t>
-              </a:r>
-              <a:endParaRPr lang="en-GB" sz="1000" dirty="0"/>
-            </a:p>
-          </p:txBody>
-        </p:sp>
-        <p:sp>
-          <p:nvSpPr>
-            <p:cNvPr id="34" name="Rectangle 33"/>
-            <p:cNvSpPr/>
-            <p:nvPr/>
-          </p:nvSpPr>
-          <p:spPr>
-            <a:xfrm>
-              <a:off x="4932040" y="2924944"/>
-              <a:ext cx="1512168" cy="288032"/>
-            </a:xfrm>
-            <a:prstGeom prst="rect">
-              <a:avLst/>
-            </a:prstGeom>
-          </p:spPr>
-          <p:style>
-            <a:lnRef idx="1">
-              <a:schemeClr val="accent3"/>
-            </a:lnRef>
-            <a:fillRef idx="2">
-              <a:schemeClr val="accent3"/>
-            </a:fillRef>
-            <a:effectRef idx="1">
-              <a:schemeClr val="accent3"/>
-            </a:effectRef>
-            <a:fontRef idx="minor">
-              <a:schemeClr val="dk1"/>
-            </a:fontRef>
-          </p:style>
-          <p:txBody>
-            <a:bodyPr rtlCol="0" anchor="t"/>
-            <a:lstStyle/>
-            <a:p>
-              <a:pPr algn="ctr"/>
-              <a:r>
-                <a:rPr lang="en-GB" sz="1000" dirty="0" err="1" smtClean="0"/>
-                <a:t>CaptchaApi</a:t>
-              </a:r>
-              <a:endParaRPr lang="en-GB" sz="1000" dirty="0"/>
-            </a:p>
-          </p:txBody>
-        </p:sp>
-        <p:sp>
-          <p:nvSpPr>
-            <p:cNvPr id="53" name="Rectangle 52"/>
-            <p:cNvSpPr/>
-            <p:nvPr/>
-          </p:nvSpPr>
-          <p:spPr>
-            <a:xfrm>
-              <a:off x="1907704" y="4149080"/>
-              <a:ext cx="4320480" cy="2592288"/>
-            </a:xfrm>
-            <a:prstGeom prst="rect">
-              <a:avLst/>
-            </a:prstGeom>
-          </p:spPr>
-          <p:style>
-            <a:lnRef idx="1">
-              <a:schemeClr val="accent1"/>
-            </a:lnRef>
-            <a:fillRef idx="2">
-              <a:schemeClr val="accent1"/>
-            </a:fillRef>
-            <a:effectRef idx="1">
-              <a:schemeClr val="accent1"/>
-            </a:effectRef>
-            <a:fontRef idx="minor">
-              <a:schemeClr val="dk1"/>
-            </a:fontRef>
-          </p:style>
-          <p:txBody>
-            <a:bodyPr rtlCol="0" anchor="ctr"/>
-            <a:lstStyle/>
-            <a:p>
-              <a:pPr algn="ctr"/>
-              <a:endParaRPr lang="en-GB"/>
-            </a:p>
-          </p:txBody>
-        </p:sp>
-        <p:sp>
-          <p:nvSpPr>
-            <p:cNvPr id="57" name="Rectangle 56"/>
-            <p:cNvSpPr/>
-            <p:nvPr/>
-          </p:nvSpPr>
-          <p:spPr>
-            <a:xfrm>
-              <a:off x="179512" y="4149080"/>
-              <a:ext cx="1520552" cy="2592288"/>
-            </a:xfrm>
-            <a:prstGeom prst="rect">
-              <a:avLst/>
-            </a:prstGeom>
-          </p:spPr>
-          <p:style>
-            <a:lnRef idx="1">
-              <a:schemeClr val="accent1"/>
-            </a:lnRef>
-            <a:fillRef idx="2">
-              <a:schemeClr val="accent1"/>
-            </a:fillRef>
-            <a:effectRef idx="1">
-              <a:schemeClr val="accent1"/>
-            </a:effectRef>
-            <a:fontRef idx="minor">
-              <a:schemeClr val="dk1"/>
-            </a:fontRef>
-          </p:style>
-          <p:txBody>
-            <a:bodyPr rtlCol="0" anchor="ctr"/>
-            <a:lstStyle/>
-            <a:p>
-              <a:pPr algn="ctr"/>
-              <a:endParaRPr lang="en-GB"/>
-            </a:p>
-          </p:txBody>
-        </p:sp>
-        <p:sp>
-          <p:nvSpPr>
-            <p:cNvPr id="7" name="Rectangle 6"/>
-            <p:cNvSpPr/>
-            <p:nvPr/>
-          </p:nvSpPr>
-          <p:spPr>
-            <a:xfrm>
-              <a:off x="287524" y="4581128"/>
-              <a:ext cx="1296144" cy="288032"/>
-            </a:xfrm>
-            <a:prstGeom prst="rect">
-              <a:avLst/>
-            </a:prstGeom>
-          </p:spPr>
-          <p:style>
-            <a:lnRef idx="1">
-              <a:schemeClr val="dk1"/>
-            </a:lnRef>
-            <a:fillRef idx="2">
-              <a:schemeClr val="dk1"/>
-            </a:fillRef>
-            <a:effectRef idx="1">
-              <a:schemeClr val="dk1"/>
-            </a:effectRef>
-            <a:fontRef idx="minor">
-              <a:schemeClr val="dk1"/>
-            </a:fontRef>
-          </p:style>
-          <p:txBody>
-            <a:bodyPr rtlCol="0" anchor="t"/>
-            <a:lstStyle/>
-            <a:p>
-              <a:pPr algn="ctr"/>
-              <a:r>
-                <a:rPr lang="en-GB" sz="1000" dirty="0" smtClean="0"/>
-                <a:t>Player</a:t>
-              </a:r>
-              <a:endParaRPr lang="en-GB" sz="1000" dirty="0"/>
-            </a:p>
-          </p:txBody>
-        </p:sp>
-        <p:sp>
-          <p:nvSpPr>
-            <p:cNvPr id="13" name="Rectangle 12"/>
-            <p:cNvSpPr/>
-            <p:nvPr/>
-          </p:nvSpPr>
-          <p:spPr>
-            <a:xfrm>
-              <a:off x="287524" y="5373216"/>
-              <a:ext cx="1296144" cy="288032"/>
-            </a:xfrm>
-            <a:prstGeom prst="rect">
-              <a:avLst/>
-            </a:prstGeom>
-          </p:spPr>
-          <p:style>
-            <a:lnRef idx="1">
-              <a:schemeClr val="dk1"/>
-            </a:lnRef>
-            <a:fillRef idx="2">
-              <a:schemeClr val="dk1"/>
-            </a:fillRef>
-            <a:effectRef idx="1">
-              <a:schemeClr val="dk1"/>
-            </a:effectRef>
-            <a:fontRef idx="minor">
-              <a:schemeClr val="dk1"/>
-            </a:fontRef>
-          </p:style>
-          <p:txBody>
-            <a:bodyPr rtlCol="0" anchor="t"/>
-            <a:lstStyle/>
-            <a:p>
-              <a:pPr algn="ctr"/>
-              <a:r>
-                <a:rPr lang="en-GB" sz="1000" dirty="0" smtClean="0"/>
-                <a:t>Fee</a:t>
-              </a:r>
-              <a:endParaRPr lang="en-GB" sz="1000" dirty="0"/>
-            </a:p>
-          </p:txBody>
-        </p:sp>
-        <p:cxnSp>
-          <p:nvCxnSpPr>
-            <p:cNvPr id="44" name="Straight Connector 43"/>
-            <p:cNvCxnSpPr>
-              <a:stCxn id="7" idx="2"/>
-              <a:endCxn id="13" idx="0"/>
-            </p:cNvCxnSpPr>
-            <p:nvPr/>
-          </p:nvCxnSpPr>
-          <p:spPr>
-            <a:xfrm>
-              <a:off x="935596" y="4869160"/>
-              <a:ext cx="0" cy="504056"/>
-            </a:xfrm>
-            <a:prstGeom prst="line">
-              <a:avLst/>
-            </a:prstGeom>
-          </p:spPr>
-          <p:style>
-            <a:lnRef idx="1">
-              <a:schemeClr val="accent1"/>
-            </a:lnRef>
-            <a:fillRef idx="0">
-              <a:schemeClr val="accent1"/>
-            </a:fillRef>
-            <a:effectRef idx="0">
-              <a:schemeClr val="accent1"/>
-            </a:effectRef>
-            <a:fontRef idx="minor">
-              <a:schemeClr val="tx1"/>
-            </a:fontRef>
-          </p:style>
-        </p:cxnSp>
-        <p:sp>
-          <p:nvSpPr>
-            <p:cNvPr id="50" name="Rectangle 49"/>
-            <p:cNvSpPr/>
-            <p:nvPr/>
-          </p:nvSpPr>
-          <p:spPr>
-            <a:xfrm>
-              <a:off x="247328" y="4005064"/>
-              <a:ext cx="1440160" cy="288032"/>
-            </a:xfrm>
-            <a:prstGeom prst="rect">
-              <a:avLst/>
-            </a:prstGeom>
-          </p:spPr>
-          <p:style>
-            <a:lnRef idx="1">
-              <a:schemeClr val="accent1"/>
-            </a:lnRef>
-            <a:fillRef idx="2">
-              <a:schemeClr val="accent1"/>
-            </a:fillRef>
-            <a:effectRef idx="1">
-              <a:schemeClr val="accent1"/>
-            </a:effectRef>
-            <a:fontRef idx="minor">
-              <a:schemeClr val="dk1"/>
-            </a:fontRef>
-          </p:style>
-          <p:txBody>
-            <a:bodyPr rtlCol="0" anchor="t"/>
-            <a:lstStyle/>
-            <a:p>
-              <a:pPr algn="ctr"/>
-              <a:r>
-                <a:rPr lang="en-GB" sz="1000" dirty="0" err="1" smtClean="0"/>
-                <a:t>PlayerServices</a:t>
-              </a:r>
-              <a:endParaRPr lang="en-GB" sz="1000" dirty="0"/>
-            </a:p>
-          </p:txBody>
-        </p:sp>
-        <p:sp>
-          <p:nvSpPr>
-            <p:cNvPr id="8" name="Rectangle 7"/>
-            <p:cNvSpPr/>
-            <p:nvPr/>
-          </p:nvSpPr>
-          <p:spPr>
-            <a:xfrm>
-              <a:off x="3419872" y="5373216"/>
-              <a:ext cx="1296144" cy="288032"/>
-            </a:xfrm>
-            <a:prstGeom prst="rect">
-              <a:avLst/>
-            </a:prstGeom>
-          </p:spPr>
-          <p:style>
-            <a:lnRef idx="1">
-              <a:schemeClr val="dk1"/>
-            </a:lnRef>
-            <a:fillRef idx="2">
-              <a:schemeClr val="dk1"/>
-            </a:fillRef>
-            <a:effectRef idx="1">
-              <a:schemeClr val="dk1"/>
-            </a:effectRef>
-            <a:fontRef idx="minor">
-              <a:schemeClr val="dk1"/>
-            </a:fontRef>
-          </p:style>
-          <p:txBody>
-            <a:bodyPr rtlCol="0" anchor="t"/>
-            <a:lstStyle/>
-            <a:p>
-              <a:pPr algn="ctr"/>
-              <a:r>
-                <a:rPr lang="en-GB" sz="1000" dirty="0" smtClean="0"/>
-                <a:t>Member</a:t>
-              </a:r>
-              <a:endParaRPr lang="en-GB" sz="1000" dirty="0"/>
-            </a:p>
-          </p:txBody>
-        </p:sp>
-        <p:sp>
-          <p:nvSpPr>
-            <p:cNvPr id="9" name="Rectangle 8"/>
-            <p:cNvSpPr/>
-            <p:nvPr/>
-          </p:nvSpPr>
-          <p:spPr>
-            <a:xfrm>
-              <a:off x="2699792" y="5877272"/>
-              <a:ext cx="1296144" cy="288032"/>
-            </a:xfrm>
-            <a:prstGeom prst="rect">
-              <a:avLst/>
-            </a:prstGeom>
-          </p:spPr>
-          <p:style>
-            <a:lnRef idx="1">
-              <a:schemeClr val="dk1"/>
-            </a:lnRef>
-            <a:fillRef idx="2">
-              <a:schemeClr val="dk1"/>
-            </a:fillRef>
-            <a:effectRef idx="1">
-              <a:schemeClr val="dk1"/>
-            </a:effectRef>
-            <a:fontRef idx="minor">
-              <a:schemeClr val="dk1"/>
-            </a:fontRef>
-          </p:style>
-          <p:txBody>
-            <a:bodyPr rtlCol="0" anchor="t"/>
-            <a:lstStyle/>
-            <a:p>
-              <a:pPr algn="ctr"/>
-              <a:r>
-                <a:rPr lang="en-GB" sz="1000" dirty="0" smtClean="0"/>
-                <a:t>Kit</a:t>
-              </a:r>
-              <a:endParaRPr lang="en-GB" sz="1000" dirty="0"/>
-            </a:p>
-          </p:txBody>
-        </p:sp>
-        <p:sp>
-          <p:nvSpPr>
-            <p:cNvPr id="10" name="Rectangle 9"/>
-            <p:cNvSpPr/>
-            <p:nvPr/>
-          </p:nvSpPr>
-          <p:spPr>
-            <a:xfrm>
-              <a:off x="1979712" y="5373216"/>
-              <a:ext cx="1296144" cy="288032"/>
-            </a:xfrm>
-            <a:prstGeom prst="rect">
-              <a:avLst/>
-            </a:prstGeom>
-          </p:spPr>
-          <p:style>
-            <a:lnRef idx="1">
-              <a:schemeClr val="dk1"/>
-            </a:lnRef>
-            <a:fillRef idx="2">
-              <a:schemeClr val="dk1"/>
-            </a:fillRef>
-            <a:effectRef idx="1">
-              <a:schemeClr val="dk1"/>
-            </a:effectRef>
-            <a:fontRef idx="minor">
-              <a:schemeClr val="dk1"/>
-            </a:fontRef>
-          </p:style>
-          <p:txBody>
-            <a:bodyPr rtlCol="0" anchor="t"/>
-            <a:lstStyle/>
-            <a:p>
-              <a:pPr algn="ctr"/>
-              <a:r>
-                <a:rPr lang="en-GB" sz="1000" dirty="0" err="1" smtClean="0"/>
-                <a:t>JuniorInfo</a:t>
-              </a:r>
-              <a:endParaRPr lang="en-GB" sz="1000" dirty="0"/>
-            </a:p>
-          </p:txBody>
-        </p:sp>
-        <p:sp>
-          <p:nvSpPr>
-            <p:cNvPr id="11" name="Rectangle 10"/>
-            <p:cNvSpPr/>
-            <p:nvPr/>
-          </p:nvSpPr>
-          <p:spPr>
-            <a:xfrm>
-              <a:off x="2699792" y="4581128"/>
-              <a:ext cx="1296144" cy="288032"/>
-            </a:xfrm>
-            <a:prstGeom prst="rect">
-              <a:avLst/>
-            </a:prstGeom>
-          </p:spPr>
-          <p:style>
-            <a:lnRef idx="1">
-              <a:schemeClr val="dk1"/>
-            </a:lnRef>
-            <a:fillRef idx="2">
-              <a:schemeClr val="dk1"/>
-            </a:fillRef>
-            <a:effectRef idx="1">
-              <a:schemeClr val="dk1"/>
-            </a:effectRef>
-            <a:fontRef idx="minor">
-              <a:schemeClr val="dk1"/>
-            </a:fontRef>
-          </p:style>
-          <p:txBody>
-            <a:bodyPr rtlCol="0" anchor="t"/>
-            <a:lstStyle/>
-            <a:p>
-              <a:pPr algn="ctr"/>
-              <a:r>
-                <a:rPr lang="en-GB" sz="1000" dirty="0" smtClean="0"/>
-                <a:t>Junior</a:t>
-              </a:r>
-              <a:endParaRPr lang="en-GB" sz="1000" dirty="0"/>
-            </a:p>
-          </p:txBody>
-        </p:sp>
-        <p:sp>
-          <p:nvSpPr>
-            <p:cNvPr id="12" name="Rectangle 11"/>
-            <p:cNvSpPr/>
-            <p:nvPr/>
-          </p:nvSpPr>
-          <p:spPr>
-            <a:xfrm>
-              <a:off x="4139952" y="4581128"/>
-              <a:ext cx="1296144" cy="288032"/>
-            </a:xfrm>
-            <a:prstGeom prst="rect">
-              <a:avLst/>
-            </a:prstGeom>
-          </p:spPr>
-          <p:style>
-            <a:lnRef idx="1">
-              <a:schemeClr val="dk1"/>
-            </a:lnRef>
-            <a:fillRef idx="2">
-              <a:schemeClr val="dk1"/>
-            </a:fillRef>
-            <a:effectRef idx="1">
-              <a:schemeClr val="dk1"/>
-            </a:effectRef>
-            <a:fontRef idx="minor">
-              <a:schemeClr val="dk1"/>
-            </a:fontRef>
-          </p:style>
-          <p:txBody>
-            <a:bodyPr rtlCol="0" anchor="t"/>
-            <a:lstStyle/>
-            <a:p>
-              <a:pPr algn="ctr"/>
-              <a:r>
-                <a:rPr lang="en-GB" sz="1000" dirty="0" smtClean="0"/>
-                <a:t>Guardian</a:t>
-              </a:r>
-              <a:endParaRPr lang="en-GB" sz="1000" dirty="0"/>
-            </a:p>
-          </p:txBody>
-        </p:sp>
-        <p:sp>
-          <p:nvSpPr>
-            <p:cNvPr id="14" name="Rectangle 13"/>
-            <p:cNvSpPr/>
-            <p:nvPr/>
-          </p:nvSpPr>
-          <p:spPr>
-            <a:xfrm>
-              <a:off x="4139952" y="5877272"/>
-              <a:ext cx="1296144" cy="288032"/>
-            </a:xfrm>
-            <a:prstGeom prst="rect">
-              <a:avLst/>
-            </a:prstGeom>
-          </p:spPr>
-          <p:style>
-            <a:lnRef idx="1">
-              <a:schemeClr val="dk1"/>
-            </a:lnRef>
-            <a:fillRef idx="2">
-              <a:schemeClr val="dk1"/>
-            </a:fillRef>
-            <a:effectRef idx="1">
-              <a:schemeClr val="dk1"/>
-            </a:effectRef>
-            <a:fontRef idx="minor">
-              <a:schemeClr val="dk1"/>
-            </a:fontRef>
-          </p:style>
-          <p:txBody>
-            <a:bodyPr rtlCol="0" anchor="t"/>
-            <a:lstStyle/>
-            <a:p>
-              <a:pPr algn="ctr"/>
-              <a:r>
-                <a:rPr lang="en-GB" sz="1000" dirty="0" err="1" smtClean="0"/>
-                <a:t>ContactDetail</a:t>
-              </a:r>
-              <a:endParaRPr lang="en-GB" sz="1000" dirty="0"/>
-            </a:p>
-          </p:txBody>
-        </p:sp>
-        <p:sp>
-          <p:nvSpPr>
-            <p:cNvPr id="16" name="Rectangle 15"/>
-            <p:cNvSpPr/>
-            <p:nvPr/>
-          </p:nvSpPr>
-          <p:spPr>
-            <a:xfrm>
-              <a:off x="4860032" y="5373216"/>
-              <a:ext cx="1296144" cy="288032"/>
-            </a:xfrm>
-            <a:prstGeom prst="rect">
-              <a:avLst/>
-            </a:prstGeom>
-          </p:spPr>
-          <p:style>
-            <a:lnRef idx="1">
-              <a:schemeClr val="dk1"/>
-            </a:lnRef>
-            <a:fillRef idx="2">
-              <a:schemeClr val="dk1"/>
-            </a:fillRef>
-            <a:effectRef idx="1">
-              <a:schemeClr val="dk1"/>
-            </a:effectRef>
-            <a:fontRef idx="minor">
-              <a:schemeClr val="dk1"/>
-            </a:fontRef>
-          </p:style>
-          <p:txBody>
-            <a:bodyPr rtlCol="0" anchor="t"/>
-            <a:lstStyle/>
-            <a:p>
-              <a:pPr algn="ctr"/>
-              <a:r>
-                <a:rPr lang="en-GB" sz="1000" dirty="0" err="1" smtClean="0"/>
-                <a:t>AddressDetail</a:t>
-              </a:r>
-              <a:endParaRPr lang="en-GB" sz="1000" dirty="0"/>
-            </a:p>
-          </p:txBody>
-        </p:sp>
-        <p:cxnSp>
-          <p:nvCxnSpPr>
-            <p:cNvPr id="21" name="Straight Connector 20"/>
-            <p:cNvCxnSpPr>
-              <a:stCxn id="12" idx="2"/>
-              <a:endCxn id="8" idx="0"/>
-            </p:cNvCxnSpPr>
-            <p:nvPr/>
-          </p:nvCxnSpPr>
-          <p:spPr>
-            <a:xfrm flipH="1">
-              <a:off x="4067944" y="4869160"/>
-              <a:ext cx="720080" cy="504056"/>
-            </a:xfrm>
-            <a:prstGeom prst="line">
-              <a:avLst/>
-            </a:prstGeom>
-          </p:spPr>
-          <p:style>
-            <a:lnRef idx="1">
-              <a:schemeClr val="accent1"/>
-            </a:lnRef>
-            <a:fillRef idx="0">
-              <a:schemeClr val="accent1"/>
-            </a:fillRef>
-            <a:effectRef idx="0">
-              <a:schemeClr val="accent1"/>
-            </a:effectRef>
-            <a:fontRef idx="minor">
-              <a:schemeClr val="tx1"/>
-            </a:fontRef>
-          </p:style>
-        </p:cxnSp>
-        <p:cxnSp>
-          <p:nvCxnSpPr>
-            <p:cNvPr id="23" name="Straight Connector 22"/>
-            <p:cNvCxnSpPr>
-              <a:stCxn id="12" idx="2"/>
-              <a:endCxn id="14" idx="0"/>
-            </p:cNvCxnSpPr>
-            <p:nvPr/>
-          </p:nvCxnSpPr>
-          <p:spPr>
-            <a:xfrm>
-              <a:off x="4788024" y="4869160"/>
-              <a:ext cx="0" cy="1008112"/>
-            </a:xfrm>
-            <a:prstGeom prst="line">
-              <a:avLst/>
-            </a:prstGeom>
-          </p:spPr>
-          <p:style>
-            <a:lnRef idx="1">
-              <a:schemeClr val="accent1"/>
-            </a:lnRef>
-            <a:fillRef idx="0">
-              <a:schemeClr val="accent1"/>
-            </a:fillRef>
-            <a:effectRef idx="0">
-              <a:schemeClr val="accent1"/>
-            </a:effectRef>
-            <a:fontRef idx="minor">
-              <a:schemeClr val="tx1"/>
-            </a:fontRef>
-          </p:style>
-        </p:cxnSp>
-        <p:cxnSp>
-          <p:nvCxnSpPr>
-            <p:cNvPr id="25" name="Straight Connector 24"/>
-            <p:cNvCxnSpPr>
-              <a:stCxn id="12" idx="2"/>
-              <a:endCxn id="16" idx="0"/>
-            </p:cNvCxnSpPr>
-            <p:nvPr/>
-          </p:nvCxnSpPr>
-          <p:spPr>
-            <a:xfrm>
-              <a:off x="4788024" y="4869160"/>
-              <a:ext cx="720080" cy="504056"/>
-            </a:xfrm>
-            <a:prstGeom prst="line">
-              <a:avLst/>
-            </a:prstGeom>
-          </p:spPr>
-          <p:style>
-            <a:lnRef idx="1">
-              <a:schemeClr val="accent1"/>
-            </a:lnRef>
-            <a:fillRef idx="0">
-              <a:schemeClr val="accent1"/>
-            </a:fillRef>
-            <a:effectRef idx="0">
-              <a:schemeClr val="accent1"/>
-            </a:effectRef>
-            <a:fontRef idx="minor">
-              <a:schemeClr val="tx1"/>
-            </a:fontRef>
-          </p:style>
-        </p:cxnSp>
-        <p:cxnSp>
-          <p:nvCxnSpPr>
-            <p:cNvPr id="33" name="Straight Connector 32"/>
-            <p:cNvCxnSpPr>
-              <a:stCxn id="11" idx="2"/>
-              <a:endCxn id="8" idx="0"/>
-            </p:cNvCxnSpPr>
-            <p:nvPr/>
-          </p:nvCxnSpPr>
-          <p:spPr>
-            <a:xfrm>
-              <a:off x="3347864" y="4869160"/>
-              <a:ext cx="720080" cy="504056"/>
-            </a:xfrm>
-            <a:prstGeom prst="line">
-              <a:avLst/>
-            </a:prstGeom>
-          </p:spPr>
-          <p:style>
-            <a:lnRef idx="1">
-              <a:schemeClr val="accent1"/>
-            </a:lnRef>
-            <a:fillRef idx="0">
-              <a:schemeClr val="accent1"/>
-            </a:fillRef>
-            <a:effectRef idx="0">
-              <a:schemeClr val="accent1"/>
-            </a:effectRef>
-            <a:fontRef idx="minor">
-              <a:schemeClr val="tx1"/>
-            </a:fontRef>
-          </p:style>
-        </p:cxnSp>
-        <p:cxnSp>
-          <p:nvCxnSpPr>
-            <p:cNvPr id="35" name="Straight Connector 34"/>
-            <p:cNvCxnSpPr>
-              <a:stCxn id="11" idx="2"/>
-              <a:endCxn id="10" idx="0"/>
-            </p:cNvCxnSpPr>
-            <p:nvPr/>
-          </p:nvCxnSpPr>
-          <p:spPr>
-            <a:xfrm flipH="1">
-              <a:off x="2627784" y="4869160"/>
-              <a:ext cx="720080" cy="504056"/>
-            </a:xfrm>
-            <a:prstGeom prst="line">
-              <a:avLst/>
-            </a:prstGeom>
-          </p:spPr>
-          <p:style>
-            <a:lnRef idx="1">
-              <a:schemeClr val="accent1"/>
-            </a:lnRef>
-            <a:fillRef idx="0">
-              <a:schemeClr val="accent1"/>
-            </a:fillRef>
-            <a:effectRef idx="0">
-              <a:schemeClr val="accent1"/>
-            </a:effectRef>
-            <a:fontRef idx="minor">
-              <a:schemeClr val="tx1"/>
-            </a:fontRef>
-          </p:style>
-        </p:cxnSp>
-        <p:cxnSp>
-          <p:nvCxnSpPr>
-            <p:cNvPr id="37" name="Straight Connector 36"/>
-            <p:cNvCxnSpPr>
-              <a:stCxn id="11" idx="2"/>
-              <a:endCxn id="9" idx="0"/>
-            </p:cNvCxnSpPr>
-            <p:nvPr/>
-          </p:nvCxnSpPr>
-          <p:spPr>
-            <a:xfrm>
-              <a:off x="3347864" y="4869160"/>
-              <a:ext cx="0" cy="1008112"/>
-            </a:xfrm>
-            <a:prstGeom prst="line">
-              <a:avLst/>
-            </a:prstGeom>
-          </p:spPr>
-          <p:style>
-            <a:lnRef idx="1">
-              <a:schemeClr val="accent1"/>
-            </a:lnRef>
-            <a:fillRef idx="0">
-              <a:schemeClr val="accent1"/>
-            </a:fillRef>
-            <a:effectRef idx="0">
-              <a:schemeClr val="accent1"/>
-            </a:effectRef>
-            <a:fontRef idx="minor">
-              <a:schemeClr val="tx1"/>
-            </a:fontRef>
-          </p:style>
-        </p:cxnSp>
-        <p:sp>
-          <p:nvSpPr>
-            <p:cNvPr id="51" name="Rectangle 50"/>
-            <p:cNvSpPr/>
-            <p:nvPr/>
-          </p:nvSpPr>
-          <p:spPr>
-            <a:xfrm>
-              <a:off x="3379676" y="4005064"/>
-              <a:ext cx="1440160" cy="288032"/>
-            </a:xfrm>
-            <a:prstGeom prst="rect">
-              <a:avLst/>
-            </a:prstGeom>
-          </p:spPr>
-          <p:style>
-            <a:lnRef idx="1">
-              <a:schemeClr val="accent1"/>
-            </a:lnRef>
-            <a:fillRef idx="2">
-              <a:schemeClr val="accent1"/>
-            </a:fillRef>
-            <a:effectRef idx="1">
-              <a:schemeClr val="accent1"/>
-            </a:effectRef>
-            <a:fontRef idx="minor">
-              <a:schemeClr val="dk1"/>
-            </a:fontRef>
-          </p:style>
-          <p:txBody>
-            <a:bodyPr rtlCol="0" anchor="t"/>
-            <a:lstStyle/>
-            <a:p>
-              <a:pPr algn="ctr"/>
-              <a:r>
-                <a:rPr lang="en-GB" sz="1000" dirty="0" err="1" smtClean="0"/>
-                <a:t>MemberServices</a:t>
-              </a:r>
-              <a:endParaRPr lang="en-GB" sz="1000" dirty="0"/>
-            </a:p>
-          </p:txBody>
-        </p:sp>
-        <p:sp>
-          <p:nvSpPr>
-            <p:cNvPr id="54" name="Rectangle 53"/>
-            <p:cNvSpPr/>
-            <p:nvPr/>
-          </p:nvSpPr>
-          <p:spPr>
-            <a:xfrm>
-              <a:off x="6660232" y="4149080"/>
-              <a:ext cx="1520552" cy="2592288"/>
-            </a:xfrm>
-            <a:prstGeom prst="rect">
-              <a:avLst/>
-            </a:prstGeom>
-          </p:spPr>
-          <p:style>
-            <a:lnRef idx="1">
-              <a:schemeClr val="accent1"/>
-            </a:lnRef>
-            <a:fillRef idx="2">
-              <a:schemeClr val="accent1"/>
-            </a:fillRef>
-            <a:effectRef idx="1">
-              <a:schemeClr val="accent1"/>
-            </a:effectRef>
-            <a:fontRef idx="minor">
-              <a:schemeClr val="dk1"/>
-            </a:fontRef>
-          </p:style>
-          <p:txBody>
-            <a:bodyPr rtlCol="0" anchor="ctr"/>
-            <a:lstStyle/>
-            <a:p>
-              <a:pPr algn="ctr"/>
-              <a:endParaRPr lang="en-GB"/>
-            </a:p>
-          </p:txBody>
-        </p:sp>
-        <p:sp>
-          <p:nvSpPr>
-            <p:cNvPr id="15" name="Rectangle 14"/>
-            <p:cNvSpPr/>
-            <p:nvPr/>
-          </p:nvSpPr>
-          <p:spPr>
-            <a:xfrm>
-              <a:off x="6772436" y="4581128"/>
-              <a:ext cx="1296144" cy="288032"/>
-            </a:xfrm>
-            <a:prstGeom prst="rect">
-              <a:avLst/>
-            </a:prstGeom>
-          </p:spPr>
-          <p:style>
-            <a:lnRef idx="1">
-              <a:schemeClr val="dk1"/>
-            </a:lnRef>
-            <a:fillRef idx="2">
-              <a:schemeClr val="dk1"/>
-            </a:fillRef>
-            <a:effectRef idx="1">
-              <a:schemeClr val="dk1"/>
-            </a:effectRef>
-            <a:fontRef idx="minor">
-              <a:schemeClr val="dk1"/>
-            </a:fontRef>
-          </p:style>
-          <p:txBody>
-            <a:bodyPr rtlCol="0" anchor="t"/>
-            <a:lstStyle/>
-            <a:p>
-              <a:pPr algn="ctr"/>
-              <a:r>
-                <a:rPr lang="en-GB" sz="1000" dirty="0" err="1" smtClean="0"/>
-                <a:t>ConfigurationItem</a:t>
-              </a:r>
-              <a:endParaRPr lang="en-GB" sz="1000" dirty="0"/>
-            </a:p>
-          </p:txBody>
-        </p:sp>
-        <p:sp>
-          <p:nvSpPr>
-            <p:cNvPr id="52" name="Rectangle 51"/>
-            <p:cNvSpPr/>
-            <p:nvPr/>
-          </p:nvSpPr>
-          <p:spPr>
-            <a:xfrm>
-              <a:off x="6732240" y="4005064"/>
-              <a:ext cx="1440160" cy="288032"/>
-            </a:xfrm>
-            <a:prstGeom prst="rect">
-              <a:avLst/>
-            </a:prstGeom>
-          </p:spPr>
-          <p:style>
-            <a:lnRef idx="1">
-              <a:schemeClr val="accent1"/>
-            </a:lnRef>
-            <a:fillRef idx="2">
-              <a:schemeClr val="accent1"/>
-            </a:fillRef>
-            <a:effectRef idx="1">
-              <a:schemeClr val="accent1"/>
-            </a:effectRef>
-            <a:fontRef idx="minor">
-              <a:schemeClr val="dk1"/>
-            </a:fontRef>
-          </p:style>
-          <p:txBody>
-            <a:bodyPr rtlCol="0" anchor="t"/>
-            <a:lstStyle/>
-            <a:p>
-              <a:pPr algn="ctr"/>
-              <a:r>
-                <a:rPr lang="en-GB" sz="1000" dirty="0" err="1" smtClean="0"/>
-                <a:t>ConfigurationServices</a:t>
-              </a:r>
-              <a:endParaRPr lang="en-GB" sz="1000" dirty="0"/>
-            </a:p>
-          </p:txBody>
-        </p:sp>
-        <p:cxnSp>
-          <p:nvCxnSpPr>
-            <p:cNvPr id="40" name="Straight Connector 39"/>
-            <p:cNvCxnSpPr>
-              <a:stCxn id="11" idx="1"/>
-              <a:endCxn id="7" idx="3"/>
-            </p:cNvCxnSpPr>
-            <p:nvPr/>
-          </p:nvCxnSpPr>
-          <p:spPr>
-            <a:xfrm flipH="1">
-              <a:off x="1583668" y="4725144"/>
-              <a:ext cx="1116124" cy="0"/>
-            </a:xfrm>
-            <a:prstGeom prst="line">
-              <a:avLst/>
-            </a:prstGeom>
-          </p:spPr>
-          <p:style>
-            <a:lnRef idx="1">
-              <a:schemeClr val="accent1"/>
-            </a:lnRef>
-            <a:fillRef idx="0">
-              <a:schemeClr val="accent1"/>
-            </a:fillRef>
-            <a:effectRef idx="0">
-              <a:schemeClr val="accent1"/>
-            </a:effectRef>
-            <a:fontRef idx="minor">
-              <a:schemeClr val="tx1"/>
-            </a:fontRef>
-          </p:style>
-        </p:cxnSp>
-        <p:sp>
-          <p:nvSpPr>
-            <p:cNvPr id="36" name="Rectangle 35"/>
-            <p:cNvSpPr/>
-            <p:nvPr/>
-          </p:nvSpPr>
-          <p:spPr>
-            <a:xfrm>
-              <a:off x="2699792" y="6309320"/>
-              <a:ext cx="1296144" cy="288032"/>
-            </a:xfrm>
-            <a:prstGeom prst="rect">
-              <a:avLst/>
-            </a:prstGeom>
-          </p:spPr>
-          <p:style>
-            <a:lnRef idx="1">
-              <a:schemeClr val="dk1"/>
-            </a:lnRef>
-            <a:fillRef idx="2">
-              <a:schemeClr val="dk1"/>
-            </a:fillRef>
-            <a:effectRef idx="1">
-              <a:schemeClr val="dk1"/>
-            </a:effectRef>
-            <a:fontRef idx="minor">
-              <a:schemeClr val="dk1"/>
-            </a:fontRef>
-          </p:style>
-          <p:txBody>
-            <a:bodyPr rtlCol="0" anchor="t"/>
-            <a:lstStyle/>
-            <a:p>
-              <a:pPr algn="ctr"/>
-              <a:r>
-                <a:rPr lang="en-GB" sz="1000" dirty="0" err="1" smtClean="0"/>
-                <a:t>ActivationEmail</a:t>
-              </a:r>
-              <a:endParaRPr lang="en-GB" sz="1000" dirty="0"/>
-            </a:p>
-          </p:txBody>
-        </p:sp>
-        <p:cxnSp>
-          <p:nvCxnSpPr>
-            <p:cNvPr id="41" name="Straight Connector 40"/>
-            <p:cNvCxnSpPr>
-              <a:stCxn id="34" idx="2"/>
-              <a:endCxn id="51" idx="0"/>
-            </p:cNvCxnSpPr>
-            <p:nvPr/>
-          </p:nvCxnSpPr>
-          <p:spPr>
-            <a:xfrm flipH="1">
-              <a:off x="4099756" y="3212976"/>
-              <a:ext cx="1588368" cy="792088"/>
-            </a:xfrm>
-            <a:prstGeom prst="line">
-              <a:avLst/>
-            </a:prstGeom>
-          </p:spPr>
-          <p:style>
-            <a:lnRef idx="1">
-              <a:schemeClr val="accent1"/>
-            </a:lnRef>
-            <a:fillRef idx="0">
-              <a:schemeClr val="accent1"/>
-            </a:fillRef>
-            <a:effectRef idx="0">
-              <a:schemeClr val="accent1"/>
-            </a:effectRef>
-            <a:fontRef idx="minor">
-              <a:schemeClr val="tx1"/>
-            </a:fontRef>
-          </p:style>
-        </p:cxnSp>
-        <p:sp>
-          <p:nvSpPr>
-            <p:cNvPr id="45" name="Rectangle 44"/>
-            <p:cNvSpPr/>
-            <p:nvPr/>
-          </p:nvSpPr>
-          <p:spPr>
-            <a:xfrm>
-              <a:off x="5868144" y="3429000"/>
-              <a:ext cx="1512168" cy="288032"/>
-            </a:xfrm>
-            <a:prstGeom prst="rect">
-              <a:avLst/>
-            </a:prstGeom>
-          </p:spPr>
-          <p:style>
-            <a:lnRef idx="1">
-              <a:schemeClr val="accent3"/>
-            </a:lnRef>
-            <a:fillRef idx="2">
-              <a:schemeClr val="accent3"/>
-            </a:fillRef>
-            <a:effectRef idx="1">
-              <a:schemeClr val="accent3"/>
-            </a:effectRef>
-            <a:fontRef idx="minor">
-              <a:schemeClr val="dk1"/>
-            </a:fontRef>
-          </p:style>
-          <p:txBody>
-            <a:bodyPr rtlCol="0" anchor="t"/>
-            <a:lstStyle/>
-            <a:p>
-              <a:pPr algn="ctr"/>
-              <a:r>
-                <a:rPr lang="en-GB" sz="1000" dirty="0" err="1" smtClean="0"/>
-                <a:t>ConfigurationClubApi</a:t>
-              </a:r>
-              <a:endParaRPr lang="en-GB" sz="1000" dirty="0"/>
-            </a:p>
-          </p:txBody>
-        </p:sp>
-        <p:cxnSp>
-          <p:nvCxnSpPr>
-            <p:cNvPr id="46" name="Straight Connector 45"/>
-            <p:cNvCxnSpPr>
-              <a:stCxn id="62" idx="2"/>
-              <a:endCxn id="51" idx="0"/>
-            </p:cNvCxnSpPr>
-            <p:nvPr/>
-          </p:nvCxnSpPr>
-          <p:spPr>
-            <a:xfrm>
-              <a:off x="2447764" y="3212976"/>
-              <a:ext cx="1651992" cy="792088"/>
-            </a:xfrm>
-            <a:prstGeom prst="line">
-              <a:avLst/>
-            </a:prstGeom>
-          </p:spPr>
-          <p:style>
-            <a:lnRef idx="1">
-              <a:schemeClr val="accent1"/>
-            </a:lnRef>
-            <a:fillRef idx="0">
-              <a:schemeClr val="accent1"/>
-            </a:fillRef>
-            <a:effectRef idx="0">
-              <a:schemeClr val="accent1"/>
-            </a:effectRef>
-            <a:fontRef idx="minor">
-              <a:schemeClr val="tx1"/>
-            </a:fontRef>
-          </p:style>
-        </p:cxnSp>
-        <p:cxnSp>
-          <p:nvCxnSpPr>
-            <p:cNvPr id="49" name="Straight Connector 48"/>
-            <p:cNvCxnSpPr>
-              <a:stCxn id="45" idx="2"/>
-              <a:endCxn id="52" idx="0"/>
-            </p:cNvCxnSpPr>
-            <p:nvPr/>
-          </p:nvCxnSpPr>
-          <p:spPr>
-            <a:xfrm>
-              <a:off x="6624228" y="3717032"/>
-              <a:ext cx="828092" cy="288032"/>
-            </a:xfrm>
-            <a:prstGeom prst="line">
-              <a:avLst/>
-            </a:prstGeom>
-          </p:spPr>
-          <p:style>
-            <a:lnRef idx="1">
-              <a:schemeClr val="accent1"/>
-            </a:lnRef>
-            <a:fillRef idx="0">
-              <a:schemeClr val="accent1"/>
-            </a:fillRef>
-            <a:effectRef idx="0">
-              <a:schemeClr val="accent1"/>
-            </a:effectRef>
-            <a:fontRef idx="minor">
-              <a:schemeClr val="tx1"/>
-            </a:fontRef>
-          </p:style>
-        </p:cxnSp>
-        <p:sp>
-          <p:nvSpPr>
-            <p:cNvPr id="48" name="Rectangle 47"/>
-            <p:cNvSpPr/>
-            <p:nvPr/>
-          </p:nvSpPr>
-          <p:spPr>
-            <a:xfrm>
-              <a:off x="6772436" y="5013176"/>
-              <a:ext cx="1296144" cy="288032"/>
-            </a:xfrm>
-            <a:prstGeom prst="rect">
-              <a:avLst/>
-            </a:prstGeom>
-          </p:spPr>
-          <p:style>
-            <a:lnRef idx="1">
-              <a:schemeClr val="dk1"/>
-            </a:lnRef>
-            <a:fillRef idx="2">
-              <a:schemeClr val="dk1"/>
-            </a:fillRef>
-            <a:effectRef idx="1">
-              <a:schemeClr val="dk1"/>
-            </a:effectRef>
-            <a:fontRef idx="minor">
-              <a:schemeClr val="dk1"/>
-            </a:fontRef>
-          </p:style>
-          <p:txBody>
-            <a:bodyPr rtlCol="0" anchor="t"/>
-            <a:lstStyle/>
-            <a:p>
-              <a:pPr algn="ctr"/>
-              <a:r>
-                <a:rPr lang="en-GB" sz="1000" dirty="0" smtClean="0"/>
-                <a:t>Team</a:t>
-              </a:r>
-              <a:endParaRPr lang="en-GB" sz="1000" dirty="0"/>
-            </a:p>
-          </p:txBody>
-        </p:sp>
-        <p:sp>
-          <p:nvSpPr>
-            <p:cNvPr id="55" name="Rectangle 54"/>
-            <p:cNvSpPr/>
-            <p:nvPr/>
-          </p:nvSpPr>
-          <p:spPr>
-            <a:xfrm>
-              <a:off x="6772436" y="5445224"/>
-              <a:ext cx="1296144" cy="288032"/>
-            </a:xfrm>
-            <a:prstGeom prst="rect">
-              <a:avLst/>
-            </a:prstGeom>
-          </p:spPr>
-          <p:style>
-            <a:lnRef idx="1">
-              <a:schemeClr val="dk1"/>
-            </a:lnRef>
-            <a:fillRef idx="2">
-              <a:schemeClr val="dk1"/>
-            </a:fillRef>
-            <a:effectRef idx="1">
-              <a:schemeClr val="dk1"/>
-            </a:effectRef>
-            <a:fontRef idx="minor">
-              <a:schemeClr val="dk1"/>
-            </a:fontRef>
-          </p:style>
-          <p:txBody>
-            <a:bodyPr rtlCol="0" anchor="t"/>
-            <a:lstStyle/>
-            <a:p>
-              <a:pPr algn="ctr"/>
-              <a:r>
-                <a:rPr lang="en-GB" sz="1000" dirty="0" smtClean="0"/>
-                <a:t>Opponent</a:t>
-              </a:r>
-              <a:endParaRPr lang="en-GB" sz="1000" dirty="0"/>
-            </a:p>
-          </p:txBody>
-        </p:sp>
-        <p:sp>
-          <p:nvSpPr>
-            <p:cNvPr id="56" name="Rectangle 55"/>
-            <p:cNvSpPr/>
-            <p:nvPr/>
-          </p:nvSpPr>
-          <p:spPr>
-            <a:xfrm>
-              <a:off x="6772436" y="5877272"/>
-              <a:ext cx="1296144" cy="288032"/>
-            </a:xfrm>
-            <a:prstGeom prst="rect">
-              <a:avLst/>
-            </a:prstGeom>
-          </p:spPr>
-          <p:style>
-            <a:lnRef idx="1">
-              <a:schemeClr val="dk1"/>
-            </a:lnRef>
-            <a:fillRef idx="2">
-              <a:schemeClr val="dk1"/>
-            </a:fillRef>
-            <a:effectRef idx="1">
-              <a:schemeClr val="dk1"/>
-            </a:effectRef>
-            <a:fontRef idx="minor">
-              <a:schemeClr val="dk1"/>
-            </a:fontRef>
-          </p:style>
-          <p:txBody>
-            <a:bodyPr rtlCol="0" anchor="t"/>
-            <a:lstStyle/>
-            <a:p>
-              <a:pPr algn="ctr"/>
-              <a:r>
-                <a:rPr lang="en-GB" sz="1000" dirty="0" err="1" smtClean="0"/>
-                <a:t>FixtureType</a:t>
-              </a:r>
-              <a:endParaRPr lang="en-GB" sz="1000" dirty="0"/>
-            </a:p>
-          </p:txBody>
-        </p:sp>
-        <p:sp>
-          <p:nvSpPr>
-            <p:cNvPr id="58" name="Rectangle 57"/>
-            <p:cNvSpPr/>
-            <p:nvPr/>
-          </p:nvSpPr>
-          <p:spPr>
-            <a:xfrm>
-              <a:off x="6772436" y="6237312"/>
-              <a:ext cx="1296144" cy="288032"/>
-            </a:xfrm>
-            <a:prstGeom prst="rect">
-              <a:avLst/>
-            </a:prstGeom>
-          </p:spPr>
-          <p:style>
-            <a:lnRef idx="1">
-              <a:schemeClr val="dk1"/>
-            </a:lnRef>
-            <a:fillRef idx="2">
-              <a:schemeClr val="dk1"/>
-            </a:fillRef>
-            <a:effectRef idx="1">
-              <a:schemeClr val="dk1"/>
-            </a:effectRef>
-            <a:fontRef idx="minor">
-              <a:schemeClr val="dk1"/>
-            </a:fontRef>
-          </p:style>
-          <p:txBody>
-            <a:bodyPr rtlCol="0" anchor="t"/>
-            <a:lstStyle/>
-            <a:p>
-              <a:pPr algn="ctr"/>
-              <a:r>
-                <a:rPr lang="en-GB" sz="1000" dirty="0" smtClean="0"/>
-                <a:t>Location</a:t>
-              </a:r>
-              <a:endParaRPr lang="en-GB" sz="1000" dirty="0"/>
-            </a:p>
-          </p:txBody>
-        </p:sp>
-        <p:sp>
-          <p:nvSpPr>
-            <p:cNvPr id="63" name="Rectangle 62"/>
-            <p:cNvSpPr/>
-            <p:nvPr/>
-          </p:nvSpPr>
-          <p:spPr>
-            <a:xfrm>
-              <a:off x="7452320" y="3429000"/>
-              <a:ext cx="1512168" cy="288032"/>
-            </a:xfrm>
-            <a:prstGeom prst="rect">
-              <a:avLst/>
-            </a:prstGeom>
-          </p:spPr>
-          <p:style>
-            <a:lnRef idx="1">
-              <a:schemeClr val="accent3"/>
-            </a:lnRef>
-            <a:fillRef idx="2">
-              <a:schemeClr val="accent3"/>
-            </a:fillRef>
-            <a:effectRef idx="1">
-              <a:schemeClr val="accent3"/>
-            </a:effectRef>
-            <a:fontRef idx="minor">
-              <a:schemeClr val="dk1"/>
-            </a:fontRef>
-          </p:style>
-          <p:txBody>
-            <a:bodyPr rtlCol="0" anchor="t"/>
-            <a:lstStyle/>
-            <a:p>
-              <a:pPr algn="ctr"/>
-              <a:r>
-                <a:rPr lang="en-GB" sz="1000" dirty="0" err="1" smtClean="0"/>
-                <a:t>ConfigurationFixtureApi</a:t>
-              </a:r>
-              <a:endParaRPr lang="en-GB" sz="1000" dirty="0"/>
-            </a:p>
-          </p:txBody>
-        </p:sp>
-        <p:cxnSp>
-          <p:nvCxnSpPr>
-            <p:cNvPr id="76" name="Straight Connector 75"/>
-            <p:cNvCxnSpPr>
-              <a:stCxn id="63" idx="2"/>
-              <a:endCxn id="52" idx="0"/>
-            </p:cNvCxnSpPr>
-            <p:nvPr/>
-          </p:nvCxnSpPr>
-          <p:spPr>
-            <a:xfrm flipH="1">
-              <a:off x="7452320" y="3717032"/>
-              <a:ext cx="756084" cy="288032"/>
-            </a:xfrm>
-            <a:prstGeom prst="line">
-              <a:avLst/>
-            </a:prstGeom>
-          </p:spPr>
-          <p:style>
-            <a:lnRef idx="1">
-              <a:schemeClr val="accent1"/>
-            </a:lnRef>
-            <a:fillRef idx="0">
-              <a:schemeClr val="accent1"/>
-            </a:fillRef>
-            <a:effectRef idx="0">
-              <a:schemeClr val="accent1"/>
-            </a:effectRef>
-            <a:fontRef idx="minor">
-              <a:schemeClr val="tx1"/>
-            </a:fontRef>
-          </p:style>
-        </p:cxnSp>
-        <p:sp>
-          <p:nvSpPr>
-            <p:cNvPr id="89" name="Rectangle 88"/>
-            <p:cNvSpPr/>
-            <p:nvPr/>
-          </p:nvSpPr>
-          <p:spPr>
-            <a:xfrm>
-              <a:off x="179512" y="3429000"/>
-              <a:ext cx="1512168" cy="288032"/>
-            </a:xfrm>
-            <a:prstGeom prst="rect">
-              <a:avLst/>
-            </a:prstGeom>
-          </p:spPr>
-          <p:style>
-            <a:lnRef idx="1">
-              <a:schemeClr val="accent3"/>
-            </a:lnRef>
-            <a:fillRef idx="2">
-              <a:schemeClr val="accent3"/>
-            </a:fillRef>
-            <a:effectRef idx="1">
-              <a:schemeClr val="accent3"/>
-            </a:effectRef>
-            <a:fontRef idx="minor">
-              <a:schemeClr val="dk1"/>
-            </a:fontRef>
-          </p:style>
-          <p:txBody>
-            <a:bodyPr rtlCol="0" anchor="t"/>
-            <a:lstStyle/>
-            <a:p>
-              <a:pPr algn="ctr"/>
-              <a:r>
-                <a:rPr lang="en-GB" sz="1000" dirty="0" err="1" smtClean="0"/>
-                <a:t>FeeApi</a:t>
-              </a:r>
-              <a:endParaRPr lang="en-GB" sz="1000" dirty="0"/>
-            </a:p>
-          </p:txBody>
-        </p:sp>
-        <p:cxnSp>
-          <p:nvCxnSpPr>
-            <p:cNvPr id="90" name="Straight Connector 89"/>
-            <p:cNvCxnSpPr/>
-            <p:nvPr/>
-          </p:nvCxnSpPr>
-          <p:spPr>
-            <a:xfrm>
-              <a:off x="935596" y="3717032"/>
-              <a:ext cx="0" cy="288032"/>
-            </a:xfrm>
-            <a:prstGeom prst="line">
-              <a:avLst/>
-            </a:prstGeom>
-          </p:spPr>
-          <p:style>
-            <a:lnRef idx="1">
-              <a:schemeClr val="accent1"/>
-            </a:lnRef>
-            <a:fillRef idx="0">
-              <a:schemeClr val="accent1"/>
-            </a:fillRef>
-            <a:effectRef idx="0">
-              <a:schemeClr val="accent1"/>
-            </a:effectRef>
-            <a:fontRef idx="minor">
-              <a:schemeClr val="tx1"/>
-            </a:fontRef>
-          </p:style>
-        </p:cxnSp>
-      </p:grpSp>
+      <p:sp>
+        <p:nvSpPr>
+          <p:cNvPr id="34" name="Rectangle 33"/>
+          <p:cNvSpPr/>
+          <p:nvPr/>
+        </p:nvSpPr>
+        <p:spPr>
+          <a:xfrm>
+            <a:off x="6300192" y="3140968"/>
+            <a:ext cx="1512168" cy="288032"/>
+          </a:xfrm>
+          <a:prstGeom prst="rect">
+            <a:avLst/>
+          </a:prstGeom>
+        </p:spPr>
+        <p:style>
+          <a:lnRef idx="1">
+            <a:schemeClr val="accent3"/>
+          </a:lnRef>
+          <a:fillRef idx="2">
+            <a:schemeClr val="accent3"/>
+          </a:fillRef>
+          <a:effectRef idx="1">
+            <a:schemeClr val="accent3"/>
+          </a:effectRef>
+          <a:fontRef idx="minor">
+            <a:schemeClr val="dk1"/>
+          </a:fontRef>
+        </p:style>
+        <p:txBody>
+          <a:bodyPr rtlCol="0" anchor="t"/>
+          <a:lstStyle/>
+          <a:p>
+            <a:pPr algn="ctr"/>
+            <a:r>
+              <a:rPr lang="en-GB" sz="1000" dirty="0" err="1" smtClean="0"/>
+              <a:t>CaptchaApi</a:t>
+            </a:r>
+            <a:endParaRPr lang="en-GB" sz="1000" dirty="0"/>
+          </a:p>
+        </p:txBody>
+      </p:sp>
+      <p:sp>
+        <p:nvSpPr>
+          <p:cNvPr id="53" name="Rectangle 52"/>
+          <p:cNvSpPr/>
+          <p:nvPr/>
+        </p:nvSpPr>
+        <p:spPr>
+          <a:xfrm>
+            <a:off x="3275856" y="4149080"/>
+            <a:ext cx="4320480" cy="2592288"/>
+          </a:xfrm>
+          <a:prstGeom prst="rect">
+            <a:avLst/>
+          </a:prstGeom>
+        </p:spPr>
+        <p:style>
+          <a:lnRef idx="1">
+            <a:schemeClr val="accent1"/>
+          </a:lnRef>
+          <a:fillRef idx="2">
+            <a:schemeClr val="accent1"/>
+          </a:fillRef>
+          <a:effectRef idx="1">
+            <a:schemeClr val="accent1"/>
+          </a:effectRef>
+          <a:fontRef idx="minor">
+            <a:schemeClr val="dk1"/>
+          </a:fontRef>
+        </p:style>
+        <p:txBody>
+          <a:bodyPr rtlCol="0" anchor="ctr"/>
+          <a:lstStyle/>
+          <a:p>
+            <a:pPr algn="ctr"/>
+            <a:endParaRPr lang="en-GB"/>
+          </a:p>
+        </p:txBody>
+      </p:sp>
+      <p:sp>
+        <p:nvSpPr>
+          <p:cNvPr id="57" name="Rectangle 56"/>
+          <p:cNvSpPr/>
+          <p:nvPr/>
+        </p:nvSpPr>
+        <p:spPr>
+          <a:xfrm>
+            <a:off x="1467272" y="4149080"/>
+            <a:ext cx="1520552" cy="2592288"/>
+          </a:xfrm>
+          <a:prstGeom prst="rect">
+            <a:avLst/>
+          </a:prstGeom>
+        </p:spPr>
+        <p:style>
+          <a:lnRef idx="1">
+            <a:schemeClr val="accent1"/>
+          </a:lnRef>
+          <a:fillRef idx="2">
+            <a:schemeClr val="accent1"/>
+          </a:fillRef>
+          <a:effectRef idx="1">
+            <a:schemeClr val="accent1"/>
+          </a:effectRef>
+          <a:fontRef idx="minor">
+            <a:schemeClr val="dk1"/>
+          </a:fontRef>
+        </p:style>
+        <p:txBody>
+          <a:bodyPr rtlCol="0" anchor="ctr"/>
+          <a:lstStyle/>
+          <a:p>
+            <a:pPr algn="ctr"/>
+            <a:endParaRPr lang="en-GB"/>
+          </a:p>
+        </p:txBody>
+      </p:sp>
+      <p:sp>
+        <p:nvSpPr>
+          <p:cNvPr id="7" name="Rectangle 6"/>
+          <p:cNvSpPr/>
+          <p:nvPr/>
+        </p:nvSpPr>
+        <p:spPr>
+          <a:xfrm>
+            <a:off x="1575284" y="4581128"/>
+            <a:ext cx="1296144" cy="288032"/>
+          </a:xfrm>
+          <a:prstGeom prst="rect">
+            <a:avLst/>
+          </a:prstGeom>
+        </p:spPr>
+        <p:style>
+          <a:lnRef idx="1">
+            <a:schemeClr val="dk1"/>
+          </a:lnRef>
+          <a:fillRef idx="2">
+            <a:schemeClr val="dk1"/>
+          </a:fillRef>
+          <a:effectRef idx="1">
+            <a:schemeClr val="dk1"/>
+          </a:effectRef>
+          <a:fontRef idx="minor">
+            <a:schemeClr val="dk1"/>
+          </a:fontRef>
+        </p:style>
+        <p:txBody>
+          <a:bodyPr rtlCol="0" anchor="t"/>
+          <a:lstStyle/>
+          <a:p>
+            <a:pPr algn="ctr"/>
+            <a:r>
+              <a:rPr lang="en-GB" sz="1000" dirty="0" smtClean="0"/>
+              <a:t>Player</a:t>
+            </a:r>
+            <a:endParaRPr lang="en-GB" sz="1000" dirty="0"/>
+          </a:p>
+        </p:txBody>
+      </p:sp>
+      <p:sp>
+        <p:nvSpPr>
+          <p:cNvPr id="13" name="Rectangle 12"/>
+          <p:cNvSpPr/>
+          <p:nvPr/>
+        </p:nvSpPr>
+        <p:spPr>
+          <a:xfrm>
+            <a:off x="1575284" y="5373216"/>
+            <a:ext cx="1296144" cy="288032"/>
+          </a:xfrm>
+          <a:prstGeom prst="rect">
+            <a:avLst/>
+          </a:prstGeom>
+        </p:spPr>
+        <p:style>
+          <a:lnRef idx="1">
+            <a:schemeClr val="dk1"/>
+          </a:lnRef>
+          <a:fillRef idx="2">
+            <a:schemeClr val="dk1"/>
+          </a:fillRef>
+          <a:effectRef idx="1">
+            <a:schemeClr val="dk1"/>
+          </a:effectRef>
+          <a:fontRef idx="minor">
+            <a:schemeClr val="dk1"/>
+          </a:fontRef>
+        </p:style>
+        <p:txBody>
+          <a:bodyPr rtlCol="0" anchor="t"/>
+          <a:lstStyle/>
+          <a:p>
+            <a:pPr algn="ctr"/>
+            <a:r>
+              <a:rPr lang="en-GB" sz="1000" dirty="0" smtClean="0"/>
+              <a:t>Fee</a:t>
+            </a:r>
+            <a:endParaRPr lang="en-GB" sz="1000" dirty="0"/>
+          </a:p>
+        </p:txBody>
+      </p:sp>
+      <p:cxnSp>
+        <p:nvCxnSpPr>
+          <p:cNvPr id="44" name="Straight Connector 43"/>
+          <p:cNvCxnSpPr>
+            <a:stCxn id="7" idx="2"/>
+            <a:endCxn id="13" idx="0"/>
+          </p:cNvCxnSpPr>
+          <p:nvPr/>
+        </p:nvCxnSpPr>
+        <p:spPr>
+          <a:xfrm>
+            <a:off x="2223356" y="4869160"/>
+            <a:ext cx="0" cy="504056"/>
+          </a:xfrm>
+          <a:prstGeom prst="line">
+            <a:avLst/>
+          </a:prstGeom>
+        </p:spPr>
+        <p:style>
+          <a:lnRef idx="1">
+            <a:schemeClr val="accent1"/>
+          </a:lnRef>
+          <a:fillRef idx="0">
+            <a:schemeClr val="accent1"/>
+          </a:fillRef>
+          <a:effectRef idx="0">
+            <a:schemeClr val="accent1"/>
+          </a:effectRef>
+          <a:fontRef idx="minor">
+            <a:schemeClr val="tx1"/>
+          </a:fontRef>
+        </p:style>
+      </p:cxnSp>
+      <p:sp>
+        <p:nvSpPr>
+          <p:cNvPr id="50" name="Rectangle 49"/>
+          <p:cNvSpPr/>
+          <p:nvPr/>
+        </p:nvSpPr>
+        <p:spPr>
+          <a:xfrm>
+            <a:off x="1535088" y="4005064"/>
+            <a:ext cx="1440160" cy="288032"/>
+          </a:xfrm>
+          <a:prstGeom prst="rect">
+            <a:avLst/>
+          </a:prstGeom>
+        </p:spPr>
+        <p:style>
+          <a:lnRef idx="1">
+            <a:schemeClr val="accent1"/>
+          </a:lnRef>
+          <a:fillRef idx="2">
+            <a:schemeClr val="accent1"/>
+          </a:fillRef>
+          <a:effectRef idx="1">
+            <a:schemeClr val="accent1"/>
+          </a:effectRef>
+          <a:fontRef idx="minor">
+            <a:schemeClr val="dk1"/>
+          </a:fontRef>
+        </p:style>
+        <p:txBody>
+          <a:bodyPr rtlCol="0" anchor="t"/>
+          <a:lstStyle/>
+          <a:p>
+            <a:pPr algn="ctr"/>
+            <a:r>
+              <a:rPr lang="en-GB" sz="1000" dirty="0" err="1" smtClean="0"/>
+              <a:t>PlayerServices</a:t>
+            </a:r>
+            <a:endParaRPr lang="en-GB" sz="1000" dirty="0"/>
+          </a:p>
+        </p:txBody>
+      </p:sp>
+      <p:sp>
+        <p:nvSpPr>
+          <p:cNvPr id="8" name="Rectangle 7"/>
+          <p:cNvSpPr/>
+          <p:nvPr/>
+        </p:nvSpPr>
+        <p:spPr>
+          <a:xfrm>
+            <a:off x="4788024" y="5373216"/>
+            <a:ext cx="1296144" cy="288032"/>
+          </a:xfrm>
+          <a:prstGeom prst="rect">
+            <a:avLst/>
+          </a:prstGeom>
+        </p:spPr>
+        <p:style>
+          <a:lnRef idx="1">
+            <a:schemeClr val="dk1"/>
+          </a:lnRef>
+          <a:fillRef idx="2">
+            <a:schemeClr val="dk1"/>
+          </a:fillRef>
+          <a:effectRef idx="1">
+            <a:schemeClr val="dk1"/>
+          </a:effectRef>
+          <a:fontRef idx="minor">
+            <a:schemeClr val="dk1"/>
+          </a:fontRef>
+        </p:style>
+        <p:txBody>
+          <a:bodyPr rtlCol="0" anchor="t"/>
+          <a:lstStyle/>
+          <a:p>
+            <a:pPr algn="ctr"/>
+            <a:r>
+              <a:rPr lang="en-GB" sz="1000" dirty="0" smtClean="0"/>
+              <a:t>Member</a:t>
+            </a:r>
+            <a:endParaRPr lang="en-GB" sz="1000" dirty="0"/>
+          </a:p>
+        </p:txBody>
+      </p:sp>
+      <p:sp>
+        <p:nvSpPr>
+          <p:cNvPr id="9" name="Rectangle 8"/>
+          <p:cNvSpPr/>
+          <p:nvPr/>
+        </p:nvSpPr>
+        <p:spPr>
+          <a:xfrm>
+            <a:off x="4067944" y="5877272"/>
+            <a:ext cx="1296144" cy="288032"/>
+          </a:xfrm>
+          <a:prstGeom prst="rect">
+            <a:avLst/>
+          </a:prstGeom>
+        </p:spPr>
+        <p:style>
+          <a:lnRef idx="1">
+            <a:schemeClr val="dk1"/>
+          </a:lnRef>
+          <a:fillRef idx="2">
+            <a:schemeClr val="dk1"/>
+          </a:fillRef>
+          <a:effectRef idx="1">
+            <a:schemeClr val="dk1"/>
+          </a:effectRef>
+          <a:fontRef idx="minor">
+            <a:schemeClr val="dk1"/>
+          </a:fontRef>
+        </p:style>
+        <p:txBody>
+          <a:bodyPr rtlCol="0" anchor="t"/>
+          <a:lstStyle/>
+          <a:p>
+            <a:pPr algn="ctr"/>
+            <a:r>
+              <a:rPr lang="en-GB" sz="1000" dirty="0" smtClean="0"/>
+              <a:t>Kit</a:t>
+            </a:r>
+            <a:endParaRPr lang="en-GB" sz="1000" dirty="0"/>
+          </a:p>
+        </p:txBody>
+      </p:sp>
+      <p:sp>
+        <p:nvSpPr>
+          <p:cNvPr id="10" name="Rectangle 9"/>
+          <p:cNvSpPr/>
+          <p:nvPr/>
+        </p:nvSpPr>
+        <p:spPr>
+          <a:xfrm>
+            <a:off x="3347864" y="5373216"/>
+            <a:ext cx="1296144" cy="288032"/>
+          </a:xfrm>
+          <a:prstGeom prst="rect">
+            <a:avLst/>
+          </a:prstGeom>
+        </p:spPr>
+        <p:style>
+          <a:lnRef idx="1">
+            <a:schemeClr val="dk1"/>
+          </a:lnRef>
+          <a:fillRef idx="2">
+            <a:schemeClr val="dk1"/>
+          </a:fillRef>
+          <a:effectRef idx="1">
+            <a:schemeClr val="dk1"/>
+          </a:effectRef>
+          <a:fontRef idx="minor">
+            <a:schemeClr val="dk1"/>
+          </a:fontRef>
+        </p:style>
+        <p:txBody>
+          <a:bodyPr rtlCol="0" anchor="t"/>
+          <a:lstStyle/>
+          <a:p>
+            <a:pPr algn="ctr"/>
+            <a:r>
+              <a:rPr lang="en-GB" sz="1000" dirty="0" err="1" smtClean="0"/>
+              <a:t>JuniorInfo</a:t>
+            </a:r>
+            <a:endParaRPr lang="en-GB" sz="1000" dirty="0"/>
+          </a:p>
+        </p:txBody>
+      </p:sp>
+      <p:sp>
+        <p:nvSpPr>
+          <p:cNvPr id="11" name="Rectangle 10"/>
+          <p:cNvSpPr/>
+          <p:nvPr/>
+        </p:nvSpPr>
+        <p:spPr>
+          <a:xfrm>
+            <a:off x="4067944" y="4581128"/>
+            <a:ext cx="1296144" cy="288032"/>
+          </a:xfrm>
+          <a:prstGeom prst="rect">
+            <a:avLst/>
+          </a:prstGeom>
+        </p:spPr>
+        <p:style>
+          <a:lnRef idx="1">
+            <a:schemeClr val="dk1"/>
+          </a:lnRef>
+          <a:fillRef idx="2">
+            <a:schemeClr val="dk1"/>
+          </a:fillRef>
+          <a:effectRef idx="1">
+            <a:schemeClr val="dk1"/>
+          </a:effectRef>
+          <a:fontRef idx="minor">
+            <a:schemeClr val="dk1"/>
+          </a:fontRef>
+        </p:style>
+        <p:txBody>
+          <a:bodyPr rtlCol="0" anchor="t"/>
+          <a:lstStyle/>
+          <a:p>
+            <a:pPr algn="ctr"/>
+            <a:r>
+              <a:rPr lang="en-GB" sz="1000" dirty="0" smtClean="0"/>
+              <a:t>Junior</a:t>
+            </a:r>
+            <a:endParaRPr lang="en-GB" sz="1000" dirty="0"/>
+          </a:p>
+        </p:txBody>
+      </p:sp>
+      <p:sp>
+        <p:nvSpPr>
+          <p:cNvPr id="12" name="Rectangle 11"/>
+          <p:cNvSpPr/>
+          <p:nvPr/>
+        </p:nvSpPr>
+        <p:spPr>
+          <a:xfrm>
+            <a:off x="5508104" y="4581128"/>
+            <a:ext cx="1296144" cy="288032"/>
+          </a:xfrm>
+          <a:prstGeom prst="rect">
+            <a:avLst/>
+          </a:prstGeom>
+        </p:spPr>
+        <p:style>
+          <a:lnRef idx="1">
+            <a:schemeClr val="dk1"/>
+          </a:lnRef>
+          <a:fillRef idx="2">
+            <a:schemeClr val="dk1"/>
+          </a:fillRef>
+          <a:effectRef idx="1">
+            <a:schemeClr val="dk1"/>
+          </a:effectRef>
+          <a:fontRef idx="minor">
+            <a:schemeClr val="dk1"/>
+          </a:fontRef>
+        </p:style>
+        <p:txBody>
+          <a:bodyPr rtlCol="0" anchor="t"/>
+          <a:lstStyle/>
+          <a:p>
+            <a:pPr algn="ctr"/>
+            <a:r>
+              <a:rPr lang="en-GB" sz="1000" dirty="0" smtClean="0"/>
+              <a:t>Guardian</a:t>
+            </a:r>
+            <a:endParaRPr lang="en-GB" sz="1000" dirty="0"/>
+          </a:p>
+        </p:txBody>
+      </p:sp>
+      <p:sp>
+        <p:nvSpPr>
+          <p:cNvPr id="14" name="Rectangle 13"/>
+          <p:cNvSpPr/>
+          <p:nvPr/>
+        </p:nvSpPr>
+        <p:spPr>
+          <a:xfrm>
+            <a:off x="5508104" y="5877272"/>
+            <a:ext cx="1296144" cy="288032"/>
+          </a:xfrm>
+          <a:prstGeom prst="rect">
+            <a:avLst/>
+          </a:prstGeom>
+        </p:spPr>
+        <p:style>
+          <a:lnRef idx="1">
+            <a:schemeClr val="dk1"/>
+          </a:lnRef>
+          <a:fillRef idx="2">
+            <a:schemeClr val="dk1"/>
+          </a:fillRef>
+          <a:effectRef idx="1">
+            <a:schemeClr val="dk1"/>
+          </a:effectRef>
+          <a:fontRef idx="minor">
+            <a:schemeClr val="dk1"/>
+          </a:fontRef>
+        </p:style>
+        <p:txBody>
+          <a:bodyPr rtlCol="0" anchor="t"/>
+          <a:lstStyle/>
+          <a:p>
+            <a:pPr algn="ctr"/>
+            <a:r>
+              <a:rPr lang="en-GB" sz="1000" dirty="0" err="1" smtClean="0"/>
+              <a:t>ContactDetail</a:t>
+            </a:r>
+            <a:endParaRPr lang="en-GB" sz="1000" dirty="0"/>
+          </a:p>
+        </p:txBody>
+      </p:sp>
+      <p:sp>
+        <p:nvSpPr>
+          <p:cNvPr id="16" name="Rectangle 15"/>
+          <p:cNvSpPr/>
+          <p:nvPr/>
+        </p:nvSpPr>
+        <p:spPr>
+          <a:xfrm>
+            <a:off x="6228184" y="5373216"/>
+            <a:ext cx="1296144" cy="288032"/>
+          </a:xfrm>
+          <a:prstGeom prst="rect">
+            <a:avLst/>
+          </a:prstGeom>
+        </p:spPr>
+        <p:style>
+          <a:lnRef idx="1">
+            <a:schemeClr val="dk1"/>
+          </a:lnRef>
+          <a:fillRef idx="2">
+            <a:schemeClr val="dk1"/>
+          </a:fillRef>
+          <a:effectRef idx="1">
+            <a:schemeClr val="dk1"/>
+          </a:effectRef>
+          <a:fontRef idx="minor">
+            <a:schemeClr val="dk1"/>
+          </a:fontRef>
+        </p:style>
+        <p:txBody>
+          <a:bodyPr rtlCol="0" anchor="t"/>
+          <a:lstStyle/>
+          <a:p>
+            <a:pPr algn="ctr"/>
+            <a:r>
+              <a:rPr lang="en-GB" sz="1000" dirty="0" err="1" smtClean="0"/>
+              <a:t>AddressDetail</a:t>
+            </a:r>
+            <a:endParaRPr lang="en-GB" sz="1000" dirty="0"/>
+          </a:p>
+        </p:txBody>
+      </p:sp>
+      <p:cxnSp>
+        <p:nvCxnSpPr>
+          <p:cNvPr id="21" name="Straight Connector 20"/>
+          <p:cNvCxnSpPr>
+            <a:stCxn id="12" idx="2"/>
+            <a:endCxn id="8" idx="0"/>
+          </p:cNvCxnSpPr>
+          <p:nvPr/>
+        </p:nvCxnSpPr>
+        <p:spPr>
+          <a:xfrm flipH="1">
+            <a:off x="5436096" y="4869160"/>
+            <a:ext cx="720080" cy="504056"/>
+          </a:xfrm>
+          <a:prstGeom prst="line">
+            <a:avLst/>
+          </a:prstGeom>
+        </p:spPr>
+        <p:style>
+          <a:lnRef idx="1">
+            <a:schemeClr val="accent1"/>
+          </a:lnRef>
+          <a:fillRef idx="0">
+            <a:schemeClr val="accent1"/>
+          </a:fillRef>
+          <a:effectRef idx="0">
+            <a:schemeClr val="accent1"/>
+          </a:effectRef>
+          <a:fontRef idx="minor">
+            <a:schemeClr val="tx1"/>
+          </a:fontRef>
+        </p:style>
+      </p:cxnSp>
+      <p:cxnSp>
+        <p:nvCxnSpPr>
+          <p:cNvPr id="23" name="Straight Connector 22"/>
+          <p:cNvCxnSpPr>
+            <a:stCxn id="12" idx="2"/>
+            <a:endCxn id="14" idx="0"/>
+          </p:cNvCxnSpPr>
+          <p:nvPr/>
+        </p:nvCxnSpPr>
+        <p:spPr>
+          <a:xfrm>
+            <a:off x="6156176" y="4869160"/>
+            <a:ext cx="0" cy="1008112"/>
+          </a:xfrm>
+          <a:prstGeom prst="line">
+            <a:avLst/>
+          </a:prstGeom>
+        </p:spPr>
+        <p:style>
+          <a:lnRef idx="1">
+            <a:schemeClr val="accent1"/>
+          </a:lnRef>
+          <a:fillRef idx="0">
+            <a:schemeClr val="accent1"/>
+          </a:fillRef>
+          <a:effectRef idx="0">
+            <a:schemeClr val="accent1"/>
+          </a:effectRef>
+          <a:fontRef idx="minor">
+            <a:schemeClr val="tx1"/>
+          </a:fontRef>
+        </p:style>
+      </p:cxnSp>
+      <p:cxnSp>
+        <p:nvCxnSpPr>
+          <p:cNvPr id="25" name="Straight Connector 24"/>
+          <p:cNvCxnSpPr>
+            <a:stCxn id="12" idx="2"/>
+            <a:endCxn id="16" idx="0"/>
+          </p:cNvCxnSpPr>
+          <p:nvPr/>
+        </p:nvCxnSpPr>
+        <p:spPr>
+          <a:xfrm>
+            <a:off x="6156176" y="4869160"/>
+            <a:ext cx="720080" cy="504056"/>
+          </a:xfrm>
+          <a:prstGeom prst="line">
+            <a:avLst/>
+          </a:prstGeom>
+        </p:spPr>
+        <p:style>
+          <a:lnRef idx="1">
+            <a:schemeClr val="accent1"/>
+          </a:lnRef>
+          <a:fillRef idx="0">
+            <a:schemeClr val="accent1"/>
+          </a:fillRef>
+          <a:effectRef idx="0">
+            <a:schemeClr val="accent1"/>
+          </a:effectRef>
+          <a:fontRef idx="minor">
+            <a:schemeClr val="tx1"/>
+          </a:fontRef>
+        </p:style>
+      </p:cxnSp>
+      <p:cxnSp>
+        <p:nvCxnSpPr>
+          <p:cNvPr id="33" name="Straight Connector 32"/>
+          <p:cNvCxnSpPr>
+            <a:stCxn id="11" idx="2"/>
+            <a:endCxn id="8" idx="0"/>
+          </p:cNvCxnSpPr>
+          <p:nvPr/>
+        </p:nvCxnSpPr>
+        <p:spPr>
+          <a:xfrm>
+            <a:off x="4716016" y="4869160"/>
+            <a:ext cx="720080" cy="504056"/>
+          </a:xfrm>
+          <a:prstGeom prst="line">
+            <a:avLst/>
+          </a:prstGeom>
+        </p:spPr>
+        <p:style>
+          <a:lnRef idx="1">
+            <a:schemeClr val="accent1"/>
+          </a:lnRef>
+          <a:fillRef idx="0">
+            <a:schemeClr val="accent1"/>
+          </a:fillRef>
+          <a:effectRef idx="0">
+            <a:schemeClr val="accent1"/>
+          </a:effectRef>
+          <a:fontRef idx="minor">
+            <a:schemeClr val="tx1"/>
+          </a:fontRef>
+        </p:style>
+      </p:cxnSp>
+      <p:cxnSp>
+        <p:nvCxnSpPr>
+          <p:cNvPr id="35" name="Straight Connector 34"/>
+          <p:cNvCxnSpPr>
+            <a:stCxn id="11" idx="2"/>
+            <a:endCxn id="10" idx="0"/>
+          </p:cNvCxnSpPr>
+          <p:nvPr/>
+        </p:nvCxnSpPr>
+        <p:spPr>
+          <a:xfrm flipH="1">
+            <a:off x="3995936" y="4869160"/>
+            <a:ext cx="720080" cy="504056"/>
+          </a:xfrm>
+          <a:prstGeom prst="line">
+            <a:avLst/>
+          </a:prstGeom>
+        </p:spPr>
+        <p:style>
+          <a:lnRef idx="1">
+            <a:schemeClr val="accent1"/>
+          </a:lnRef>
+          <a:fillRef idx="0">
+            <a:schemeClr val="accent1"/>
+          </a:fillRef>
+          <a:effectRef idx="0">
+            <a:schemeClr val="accent1"/>
+          </a:effectRef>
+          <a:fontRef idx="minor">
+            <a:schemeClr val="tx1"/>
+          </a:fontRef>
+        </p:style>
+      </p:cxnSp>
+      <p:cxnSp>
+        <p:nvCxnSpPr>
+          <p:cNvPr id="37" name="Straight Connector 36"/>
+          <p:cNvCxnSpPr>
+            <a:stCxn id="11" idx="2"/>
+            <a:endCxn id="9" idx="0"/>
+          </p:cNvCxnSpPr>
+          <p:nvPr/>
+        </p:nvCxnSpPr>
+        <p:spPr>
+          <a:xfrm>
+            <a:off x="4716016" y="4869160"/>
+            <a:ext cx="0" cy="1008112"/>
+          </a:xfrm>
+          <a:prstGeom prst="line">
+            <a:avLst/>
+          </a:prstGeom>
+        </p:spPr>
+        <p:style>
+          <a:lnRef idx="1">
+            <a:schemeClr val="accent1"/>
+          </a:lnRef>
+          <a:fillRef idx="0">
+            <a:schemeClr val="accent1"/>
+          </a:fillRef>
+          <a:effectRef idx="0">
+            <a:schemeClr val="accent1"/>
+          </a:effectRef>
+          <a:fontRef idx="minor">
+            <a:schemeClr val="tx1"/>
+          </a:fontRef>
+        </p:style>
+      </p:cxnSp>
+      <p:sp>
+        <p:nvSpPr>
+          <p:cNvPr id="51" name="Rectangle 50"/>
+          <p:cNvSpPr/>
+          <p:nvPr/>
+        </p:nvSpPr>
+        <p:spPr>
+          <a:xfrm>
+            <a:off x="4716016" y="4005064"/>
+            <a:ext cx="1440160" cy="288032"/>
+          </a:xfrm>
+          <a:prstGeom prst="rect">
+            <a:avLst/>
+          </a:prstGeom>
+        </p:spPr>
+        <p:style>
+          <a:lnRef idx="1">
+            <a:schemeClr val="accent1"/>
+          </a:lnRef>
+          <a:fillRef idx="2">
+            <a:schemeClr val="accent1"/>
+          </a:fillRef>
+          <a:effectRef idx="1">
+            <a:schemeClr val="accent1"/>
+          </a:effectRef>
+          <a:fontRef idx="minor">
+            <a:schemeClr val="dk1"/>
+          </a:fontRef>
+        </p:style>
+        <p:txBody>
+          <a:bodyPr rtlCol="0" anchor="t"/>
+          <a:lstStyle/>
+          <a:p>
+            <a:pPr algn="ctr"/>
+            <a:r>
+              <a:rPr lang="en-GB" sz="1000" dirty="0" err="1" smtClean="0"/>
+              <a:t>MemberServices</a:t>
+            </a:r>
+            <a:endParaRPr lang="en-GB" sz="1000" dirty="0"/>
+          </a:p>
+        </p:txBody>
+      </p:sp>
+      <p:cxnSp>
+        <p:nvCxnSpPr>
+          <p:cNvPr id="40" name="Straight Connector 39"/>
+          <p:cNvCxnSpPr>
+            <a:stCxn id="11" idx="1"/>
+            <a:endCxn id="7" idx="3"/>
+          </p:cNvCxnSpPr>
+          <p:nvPr/>
+        </p:nvCxnSpPr>
+        <p:spPr>
+          <a:xfrm flipH="1">
+            <a:off x="2871428" y="4725144"/>
+            <a:ext cx="1196516" cy="0"/>
+          </a:xfrm>
+          <a:prstGeom prst="line">
+            <a:avLst/>
+          </a:prstGeom>
+        </p:spPr>
+        <p:style>
+          <a:lnRef idx="1">
+            <a:schemeClr val="accent1"/>
+          </a:lnRef>
+          <a:fillRef idx="0">
+            <a:schemeClr val="accent1"/>
+          </a:fillRef>
+          <a:effectRef idx="0">
+            <a:schemeClr val="accent1"/>
+          </a:effectRef>
+          <a:fontRef idx="minor">
+            <a:schemeClr val="tx1"/>
+          </a:fontRef>
+        </p:style>
+      </p:cxnSp>
+      <p:sp>
+        <p:nvSpPr>
+          <p:cNvPr id="36" name="Rectangle 35"/>
+          <p:cNvSpPr/>
+          <p:nvPr/>
+        </p:nvSpPr>
+        <p:spPr>
+          <a:xfrm>
+            <a:off x="4067944" y="6309320"/>
+            <a:ext cx="1296144" cy="288032"/>
+          </a:xfrm>
+          <a:prstGeom prst="rect">
+            <a:avLst/>
+          </a:prstGeom>
+        </p:spPr>
+        <p:style>
+          <a:lnRef idx="1">
+            <a:schemeClr val="dk1"/>
+          </a:lnRef>
+          <a:fillRef idx="2">
+            <a:schemeClr val="dk1"/>
+          </a:fillRef>
+          <a:effectRef idx="1">
+            <a:schemeClr val="dk1"/>
+          </a:effectRef>
+          <a:fontRef idx="minor">
+            <a:schemeClr val="dk1"/>
+          </a:fontRef>
+        </p:style>
+        <p:txBody>
+          <a:bodyPr rtlCol="0" anchor="t"/>
+          <a:lstStyle/>
+          <a:p>
+            <a:pPr algn="ctr"/>
+            <a:r>
+              <a:rPr lang="en-GB" sz="1000" dirty="0" err="1" smtClean="0"/>
+              <a:t>ActivationEmail</a:t>
+            </a:r>
+            <a:endParaRPr lang="en-GB" sz="1000" dirty="0"/>
+          </a:p>
+        </p:txBody>
+      </p:sp>
+      <p:cxnSp>
+        <p:nvCxnSpPr>
+          <p:cNvPr id="41" name="Straight Connector 40"/>
+          <p:cNvCxnSpPr>
+            <a:stCxn id="34" idx="2"/>
+            <a:endCxn id="51" idx="0"/>
+          </p:cNvCxnSpPr>
+          <p:nvPr/>
+        </p:nvCxnSpPr>
+        <p:spPr>
+          <a:xfrm flipH="1">
+            <a:off x="5436096" y="3429000"/>
+            <a:ext cx="1620180" cy="576064"/>
+          </a:xfrm>
+          <a:prstGeom prst="line">
+            <a:avLst/>
+          </a:prstGeom>
+        </p:spPr>
+        <p:style>
+          <a:lnRef idx="1">
+            <a:schemeClr val="accent1"/>
+          </a:lnRef>
+          <a:fillRef idx="0">
+            <a:schemeClr val="accent1"/>
+          </a:fillRef>
+          <a:effectRef idx="0">
+            <a:schemeClr val="accent1"/>
+          </a:effectRef>
+          <a:fontRef idx="minor">
+            <a:schemeClr val="tx1"/>
+          </a:fontRef>
+        </p:style>
+      </p:cxnSp>
+      <p:cxnSp>
+        <p:nvCxnSpPr>
+          <p:cNvPr id="46" name="Straight Connector 45"/>
+          <p:cNvCxnSpPr>
+            <a:stCxn id="62" idx="2"/>
+            <a:endCxn id="51" idx="0"/>
+          </p:cNvCxnSpPr>
+          <p:nvPr/>
+        </p:nvCxnSpPr>
+        <p:spPr>
+          <a:xfrm>
+            <a:off x="3815916" y="3429000"/>
+            <a:ext cx="1620180" cy="576064"/>
+          </a:xfrm>
+          <a:prstGeom prst="line">
+            <a:avLst/>
+          </a:prstGeom>
+        </p:spPr>
+        <p:style>
+          <a:lnRef idx="1">
+            <a:schemeClr val="accent1"/>
+          </a:lnRef>
+          <a:fillRef idx="0">
+            <a:schemeClr val="accent1"/>
+          </a:fillRef>
+          <a:effectRef idx="0">
+            <a:schemeClr val="accent1"/>
+          </a:effectRef>
+          <a:fontRef idx="minor">
+            <a:schemeClr val="tx1"/>
+          </a:fontRef>
+        </p:style>
+      </p:cxnSp>
+      <p:sp>
+        <p:nvSpPr>
+          <p:cNvPr id="89" name="Rectangle 88"/>
+          <p:cNvSpPr/>
+          <p:nvPr/>
+        </p:nvSpPr>
+        <p:spPr>
+          <a:xfrm>
+            <a:off x="1467272" y="3140968"/>
+            <a:ext cx="1512168" cy="288032"/>
+          </a:xfrm>
+          <a:prstGeom prst="rect">
+            <a:avLst/>
+          </a:prstGeom>
+        </p:spPr>
+        <p:style>
+          <a:lnRef idx="1">
+            <a:schemeClr val="accent3"/>
+          </a:lnRef>
+          <a:fillRef idx="2">
+            <a:schemeClr val="accent3"/>
+          </a:fillRef>
+          <a:effectRef idx="1">
+            <a:schemeClr val="accent3"/>
+          </a:effectRef>
+          <a:fontRef idx="minor">
+            <a:schemeClr val="dk1"/>
+          </a:fontRef>
+        </p:style>
+        <p:txBody>
+          <a:bodyPr rtlCol="0" anchor="t"/>
+          <a:lstStyle/>
+          <a:p>
+            <a:pPr algn="ctr"/>
+            <a:r>
+              <a:rPr lang="en-GB" sz="1000" dirty="0" err="1" smtClean="0"/>
+              <a:t>FeeApi</a:t>
+            </a:r>
+            <a:endParaRPr lang="en-GB" sz="1000" dirty="0"/>
+          </a:p>
+        </p:txBody>
+      </p:sp>
+      <p:cxnSp>
+        <p:nvCxnSpPr>
+          <p:cNvPr id="90" name="Straight Connector 89"/>
+          <p:cNvCxnSpPr>
+            <a:stCxn id="89" idx="2"/>
+          </p:cNvCxnSpPr>
+          <p:nvPr/>
+        </p:nvCxnSpPr>
+        <p:spPr>
+          <a:xfrm>
+            <a:off x="2223356" y="3429000"/>
+            <a:ext cx="0" cy="792088"/>
+          </a:xfrm>
+          <a:prstGeom prst="line">
+            <a:avLst/>
+          </a:prstGeom>
+        </p:spPr>
+        <p:style>
+          <a:lnRef idx="1">
+            <a:schemeClr val="accent1"/>
+          </a:lnRef>
+          <a:fillRef idx="0">
+            <a:schemeClr val="accent1"/>
+          </a:fillRef>
+          <a:effectRef idx="0">
+            <a:schemeClr val="accent1"/>
+          </a:effectRef>
+          <a:fontRef idx="minor">
+            <a:schemeClr val="tx1"/>
+          </a:fontRef>
+        </p:style>
+      </p:cxnSp>
+      <p:sp>
+        <p:nvSpPr>
+          <p:cNvPr id="78" name="TextBox 77"/>
+          <p:cNvSpPr txBox="1"/>
+          <p:nvPr/>
+        </p:nvSpPr>
+        <p:spPr>
+          <a:xfrm>
+            <a:off x="179512" y="116632"/>
+            <a:ext cx="3298660" cy="369332"/>
+          </a:xfrm>
+          <a:prstGeom prst="rect">
+            <a:avLst/>
+          </a:prstGeom>
+          <a:noFill/>
+        </p:spPr>
+        <p:txBody>
+          <a:bodyPr wrap="none" rtlCol="0">
+            <a:spAutoFit/>
+          </a:bodyPr>
+          <a:lstStyle/>
+          <a:p>
+            <a:r>
+              <a:rPr lang="en-GB" dirty="0" smtClean="0"/>
+              <a:t>Member Admin and  Registration</a:t>
+            </a:r>
+            <a:endParaRPr lang="en-GB" dirty="0"/>
+          </a:p>
+        </p:txBody>
+      </p:sp>
     </p:spTree>
   </p:cSld>
   <p:clrMapOvr>
@@ -5526,6 +5185,1142 @@
 </file>
 
 <file path=ppt/slides/slide2.xml><?xml version="1.0" encoding="utf-8"?>
+<p:sld xmlns:a="http://schemas.openxmlformats.org/drawingml/2006/main" xmlns:r="http://schemas.openxmlformats.org/officeDocument/2006/relationships" xmlns:p="http://schemas.openxmlformats.org/presentationml/2006/main">
+  <p:cSld>
+    <p:spTree>
+      <p:nvGrpSpPr>
+        <p:cNvPr id="1" name=""/>
+        <p:cNvGrpSpPr/>
+        <p:nvPr/>
+      </p:nvGrpSpPr>
+      <p:grpSpPr>
+        <a:xfrm>
+          <a:off x="0" y="0"/>
+          <a:ext cx="0" cy="0"/>
+          <a:chOff x="0" y="0"/>
+          <a:chExt cx="0" cy="0"/>
+        </a:xfrm>
+      </p:grpSpPr>
+      <p:sp>
+        <p:nvSpPr>
+          <p:cNvPr id="68" name="Rectangle 67"/>
+          <p:cNvSpPr/>
+          <p:nvPr/>
+        </p:nvSpPr>
+        <p:spPr>
+          <a:xfrm>
+            <a:off x="3995936" y="836712"/>
+            <a:ext cx="1296144" cy="288032"/>
+          </a:xfrm>
+          <a:prstGeom prst="rect">
+            <a:avLst/>
+          </a:prstGeom>
+        </p:spPr>
+        <p:style>
+          <a:lnRef idx="1">
+            <a:schemeClr val="accent6"/>
+          </a:lnRef>
+          <a:fillRef idx="2">
+            <a:schemeClr val="accent6"/>
+          </a:fillRef>
+          <a:effectRef idx="1">
+            <a:schemeClr val="accent6"/>
+          </a:effectRef>
+          <a:fontRef idx="minor">
+            <a:schemeClr val="dk1"/>
+          </a:fontRef>
+        </p:style>
+        <p:txBody>
+          <a:bodyPr rtlCol="0" anchor="t"/>
+          <a:lstStyle/>
+          <a:p>
+            <a:pPr algn="ctr"/>
+            <a:r>
+              <a:rPr lang="en-GB" sz="1000" dirty="0" err="1" smtClean="0"/>
+              <a:t>AdminSiteController</a:t>
+            </a:r>
+            <a:endParaRPr lang="en-GB" sz="1000" dirty="0"/>
+          </a:p>
+        </p:txBody>
+      </p:sp>
+      <p:sp>
+        <p:nvSpPr>
+          <p:cNvPr id="74" name="Rectangle 73"/>
+          <p:cNvSpPr/>
+          <p:nvPr/>
+        </p:nvSpPr>
+        <p:spPr>
+          <a:xfrm>
+            <a:off x="3635896" y="2204864"/>
+            <a:ext cx="2016224" cy="288032"/>
+          </a:xfrm>
+          <a:prstGeom prst="rect">
+            <a:avLst/>
+          </a:prstGeom>
+        </p:spPr>
+        <p:style>
+          <a:lnRef idx="1">
+            <a:schemeClr val="accent4"/>
+          </a:lnRef>
+          <a:fillRef idx="2">
+            <a:schemeClr val="accent4"/>
+          </a:fillRef>
+          <a:effectRef idx="1">
+            <a:schemeClr val="accent4"/>
+          </a:effectRef>
+          <a:fontRef idx="minor">
+            <a:schemeClr val="dk1"/>
+          </a:fontRef>
+        </p:style>
+        <p:txBody>
+          <a:bodyPr rtlCol="0" anchor="t"/>
+          <a:lstStyle/>
+          <a:p>
+            <a:pPr algn="ctr"/>
+            <a:r>
+              <a:rPr lang="en-GB" sz="1000" dirty="0" err="1" smtClean="0"/>
+              <a:t>Club.Configuration.General.App</a:t>
+            </a:r>
+            <a:endParaRPr lang="en-GB" sz="1000" dirty="0"/>
+          </a:p>
+        </p:txBody>
+      </p:sp>
+      <p:sp>
+        <p:nvSpPr>
+          <p:cNvPr id="61" name="Rectangle 60"/>
+          <p:cNvSpPr/>
+          <p:nvPr/>
+        </p:nvSpPr>
+        <p:spPr>
+          <a:xfrm>
+            <a:off x="3635896" y="1772816"/>
+            <a:ext cx="2016224" cy="288032"/>
+          </a:xfrm>
+          <a:prstGeom prst="rect">
+            <a:avLst/>
+          </a:prstGeom>
+        </p:spPr>
+        <p:style>
+          <a:lnRef idx="1">
+            <a:schemeClr val="accent4"/>
+          </a:lnRef>
+          <a:fillRef idx="2">
+            <a:schemeClr val="accent4"/>
+          </a:fillRef>
+          <a:effectRef idx="1">
+            <a:schemeClr val="accent4"/>
+          </a:effectRef>
+          <a:fontRef idx="minor">
+            <a:schemeClr val="dk1"/>
+          </a:fontRef>
+        </p:style>
+        <p:txBody>
+          <a:bodyPr rtlCol="0" anchor="t"/>
+          <a:lstStyle/>
+          <a:p>
+            <a:pPr algn="ctr"/>
+            <a:r>
+              <a:rPr lang="en-GB" sz="1000" dirty="0" err="1" smtClean="0"/>
+              <a:t>Club.Configuration.Fixture.App</a:t>
+            </a:r>
+            <a:endParaRPr lang="en-GB" sz="1000" dirty="0"/>
+          </a:p>
+        </p:txBody>
+      </p:sp>
+      <p:sp>
+        <p:nvSpPr>
+          <p:cNvPr id="54" name="Rectangle 53"/>
+          <p:cNvSpPr/>
+          <p:nvPr/>
+        </p:nvSpPr>
+        <p:spPr>
+          <a:xfrm>
+            <a:off x="3923928" y="4149080"/>
+            <a:ext cx="1520552" cy="2592288"/>
+          </a:xfrm>
+          <a:prstGeom prst="rect">
+            <a:avLst/>
+          </a:prstGeom>
+        </p:spPr>
+        <p:style>
+          <a:lnRef idx="1">
+            <a:schemeClr val="accent1"/>
+          </a:lnRef>
+          <a:fillRef idx="2">
+            <a:schemeClr val="accent1"/>
+          </a:fillRef>
+          <a:effectRef idx="1">
+            <a:schemeClr val="accent1"/>
+          </a:effectRef>
+          <a:fontRef idx="minor">
+            <a:schemeClr val="dk1"/>
+          </a:fontRef>
+        </p:style>
+        <p:txBody>
+          <a:bodyPr rtlCol="0" anchor="ctr"/>
+          <a:lstStyle/>
+          <a:p>
+            <a:pPr algn="ctr"/>
+            <a:endParaRPr lang="en-GB"/>
+          </a:p>
+        </p:txBody>
+      </p:sp>
+      <p:sp>
+        <p:nvSpPr>
+          <p:cNvPr id="15" name="Rectangle 14"/>
+          <p:cNvSpPr/>
+          <p:nvPr/>
+        </p:nvSpPr>
+        <p:spPr>
+          <a:xfrm>
+            <a:off x="4036132" y="4581128"/>
+            <a:ext cx="1296144" cy="288032"/>
+          </a:xfrm>
+          <a:prstGeom prst="rect">
+            <a:avLst/>
+          </a:prstGeom>
+        </p:spPr>
+        <p:style>
+          <a:lnRef idx="1">
+            <a:schemeClr val="dk1"/>
+          </a:lnRef>
+          <a:fillRef idx="2">
+            <a:schemeClr val="dk1"/>
+          </a:fillRef>
+          <a:effectRef idx="1">
+            <a:schemeClr val="dk1"/>
+          </a:effectRef>
+          <a:fontRef idx="minor">
+            <a:schemeClr val="dk1"/>
+          </a:fontRef>
+        </p:style>
+        <p:txBody>
+          <a:bodyPr rtlCol="0" anchor="t"/>
+          <a:lstStyle/>
+          <a:p>
+            <a:pPr algn="ctr"/>
+            <a:r>
+              <a:rPr lang="en-GB" sz="1000" dirty="0" err="1" smtClean="0"/>
+              <a:t>ConfigurationItem</a:t>
+            </a:r>
+            <a:endParaRPr lang="en-GB" sz="1000" dirty="0"/>
+          </a:p>
+        </p:txBody>
+      </p:sp>
+      <p:sp>
+        <p:nvSpPr>
+          <p:cNvPr id="52" name="Rectangle 51"/>
+          <p:cNvSpPr/>
+          <p:nvPr/>
+        </p:nvSpPr>
+        <p:spPr>
+          <a:xfrm>
+            <a:off x="3995936" y="4005064"/>
+            <a:ext cx="1440160" cy="288032"/>
+          </a:xfrm>
+          <a:prstGeom prst="rect">
+            <a:avLst/>
+          </a:prstGeom>
+        </p:spPr>
+        <p:style>
+          <a:lnRef idx="1">
+            <a:schemeClr val="accent1"/>
+          </a:lnRef>
+          <a:fillRef idx="2">
+            <a:schemeClr val="accent1"/>
+          </a:fillRef>
+          <a:effectRef idx="1">
+            <a:schemeClr val="accent1"/>
+          </a:effectRef>
+          <a:fontRef idx="minor">
+            <a:schemeClr val="dk1"/>
+          </a:fontRef>
+        </p:style>
+        <p:txBody>
+          <a:bodyPr rtlCol="0" anchor="t"/>
+          <a:lstStyle/>
+          <a:p>
+            <a:pPr algn="ctr"/>
+            <a:r>
+              <a:rPr lang="en-GB" sz="1000" dirty="0" err="1" smtClean="0"/>
+              <a:t>ConfigurationServices</a:t>
+            </a:r>
+            <a:endParaRPr lang="en-GB" sz="1000" dirty="0"/>
+          </a:p>
+        </p:txBody>
+      </p:sp>
+      <p:sp>
+        <p:nvSpPr>
+          <p:cNvPr id="45" name="Rectangle 44"/>
+          <p:cNvSpPr/>
+          <p:nvPr/>
+        </p:nvSpPr>
+        <p:spPr>
+          <a:xfrm>
+            <a:off x="3131840" y="3140968"/>
+            <a:ext cx="1512168" cy="288032"/>
+          </a:xfrm>
+          <a:prstGeom prst="rect">
+            <a:avLst/>
+          </a:prstGeom>
+        </p:spPr>
+        <p:style>
+          <a:lnRef idx="1">
+            <a:schemeClr val="accent3"/>
+          </a:lnRef>
+          <a:fillRef idx="2">
+            <a:schemeClr val="accent3"/>
+          </a:fillRef>
+          <a:effectRef idx="1">
+            <a:schemeClr val="accent3"/>
+          </a:effectRef>
+          <a:fontRef idx="minor">
+            <a:schemeClr val="dk1"/>
+          </a:fontRef>
+        </p:style>
+        <p:txBody>
+          <a:bodyPr rtlCol="0" anchor="t"/>
+          <a:lstStyle/>
+          <a:p>
+            <a:pPr algn="ctr"/>
+            <a:r>
+              <a:rPr lang="en-GB" sz="1000" dirty="0" err="1" smtClean="0"/>
+              <a:t>ConfigurationClubApi</a:t>
+            </a:r>
+            <a:endParaRPr lang="en-GB" sz="1000" dirty="0"/>
+          </a:p>
+        </p:txBody>
+      </p:sp>
+      <p:cxnSp>
+        <p:nvCxnSpPr>
+          <p:cNvPr id="49" name="Straight Connector 48"/>
+          <p:cNvCxnSpPr>
+            <a:stCxn id="45" idx="2"/>
+            <a:endCxn id="52" idx="0"/>
+          </p:cNvCxnSpPr>
+          <p:nvPr/>
+        </p:nvCxnSpPr>
+        <p:spPr>
+          <a:xfrm>
+            <a:off x="3887924" y="3429000"/>
+            <a:ext cx="828092" cy="576064"/>
+          </a:xfrm>
+          <a:prstGeom prst="line">
+            <a:avLst/>
+          </a:prstGeom>
+        </p:spPr>
+        <p:style>
+          <a:lnRef idx="1">
+            <a:schemeClr val="accent1"/>
+          </a:lnRef>
+          <a:fillRef idx="0">
+            <a:schemeClr val="accent1"/>
+          </a:fillRef>
+          <a:effectRef idx="0">
+            <a:schemeClr val="accent1"/>
+          </a:effectRef>
+          <a:fontRef idx="minor">
+            <a:schemeClr val="tx1"/>
+          </a:fontRef>
+        </p:style>
+      </p:cxnSp>
+      <p:sp>
+        <p:nvSpPr>
+          <p:cNvPr id="48" name="Rectangle 47"/>
+          <p:cNvSpPr/>
+          <p:nvPr/>
+        </p:nvSpPr>
+        <p:spPr>
+          <a:xfrm>
+            <a:off x="4036132" y="5013176"/>
+            <a:ext cx="1296144" cy="288032"/>
+          </a:xfrm>
+          <a:prstGeom prst="rect">
+            <a:avLst/>
+          </a:prstGeom>
+        </p:spPr>
+        <p:style>
+          <a:lnRef idx="1">
+            <a:schemeClr val="dk1"/>
+          </a:lnRef>
+          <a:fillRef idx="2">
+            <a:schemeClr val="dk1"/>
+          </a:fillRef>
+          <a:effectRef idx="1">
+            <a:schemeClr val="dk1"/>
+          </a:effectRef>
+          <a:fontRef idx="minor">
+            <a:schemeClr val="dk1"/>
+          </a:fontRef>
+        </p:style>
+        <p:txBody>
+          <a:bodyPr rtlCol="0" anchor="t"/>
+          <a:lstStyle/>
+          <a:p>
+            <a:pPr algn="ctr"/>
+            <a:r>
+              <a:rPr lang="en-GB" sz="1000" dirty="0" smtClean="0"/>
+              <a:t>Team</a:t>
+            </a:r>
+            <a:endParaRPr lang="en-GB" sz="1000" dirty="0"/>
+          </a:p>
+        </p:txBody>
+      </p:sp>
+      <p:sp>
+        <p:nvSpPr>
+          <p:cNvPr id="55" name="Rectangle 54"/>
+          <p:cNvSpPr/>
+          <p:nvPr/>
+        </p:nvSpPr>
+        <p:spPr>
+          <a:xfrm>
+            <a:off x="4036132" y="5445224"/>
+            <a:ext cx="1296144" cy="288032"/>
+          </a:xfrm>
+          <a:prstGeom prst="rect">
+            <a:avLst/>
+          </a:prstGeom>
+        </p:spPr>
+        <p:style>
+          <a:lnRef idx="1">
+            <a:schemeClr val="dk1"/>
+          </a:lnRef>
+          <a:fillRef idx="2">
+            <a:schemeClr val="dk1"/>
+          </a:fillRef>
+          <a:effectRef idx="1">
+            <a:schemeClr val="dk1"/>
+          </a:effectRef>
+          <a:fontRef idx="minor">
+            <a:schemeClr val="dk1"/>
+          </a:fontRef>
+        </p:style>
+        <p:txBody>
+          <a:bodyPr rtlCol="0" anchor="t"/>
+          <a:lstStyle/>
+          <a:p>
+            <a:pPr algn="ctr"/>
+            <a:r>
+              <a:rPr lang="en-GB" sz="1000" dirty="0" smtClean="0"/>
+              <a:t>Opponent</a:t>
+            </a:r>
+            <a:endParaRPr lang="en-GB" sz="1000" dirty="0"/>
+          </a:p>
+        </p:txBody>
+      </p:sp>
+      <p:sp>
+        <p:nvSpPr>
+          <p:cNvPr id="56" name="Rectangle 55"/>
+          <p:cNvSpPr/>
+          <p:nvPr/>
+        </p:nvSpPr>
+        <p:spPr>
+          <a:xfrm>
+            <a:off x="4036132" y="5877272"/>
+            <a:ext cx="1296144" cy="288032"/>
+          </a:xfrm>
+          <a:prstGeom prst="rect">
+            <a:avLst/>
+          </a:prstGeom>
+        </p:spPr>
+        <p:style>
+          <a:lnRef idx="1">
+            <a:schemeClr val="dk1"/>
+          </a:lnRef>
+          <a:fillRef idx="2">
+            <a:schemeClr val="dk1"/>
+          </a:fillRef>
+          <a:effectRef idx="1">
+            <a:schemeClr val="dk1"/>
+          </a:effectRef>
+          <a:fontRef idx="minor">
+            <a:schemeClr val="dk1"/>
+          </a:fontRef>
+        </p:style>
+        <p:txBody>
+          <a:bodyPr rtlCol="0" anchor="t"/>
+          <a:lstStyle/>
+          <a:p>
+            <a:pPr algn="ctr"/>
+            <a:r>
+              <a:rPr lang="en-GB" sz="1000" dirty="0" err="1" smtClean="0"/>
+              <a:t>FixtureType</a:t>
+            </a:r>
+            <a:endParaRPr lang="en-GB" sz="1000" dirty="0"/>
+          </a:p>
+        </p:txBody>
+      </p:sp>
+      <p:sp>
+        <p:nvSpPr>
+          <p:cNvPr id="58" name="Rectangle 57"/>
+          <p:cNvSpPr/>
+          <p:nvPr/>
+        </p:nvSpPr>
+        <p:spPr>
+          <a:xfrm>
+            <a:off x="4036132" y="6309320"/>
+            <a:ext cx="1296144" cy="288032"/>
+          </a:xfrm>
+          <a:prstGeom prst="rect">
+            <a:avLst/>
+          </a:prstGeom>
+        </p:spPr>
+        <p:style>
+          <a:lnRef idx="1">
+            <a:schemeClr val="dk1"/>
+          </a:lnRef>
+          <a:fillRef idx="2">
+            <a:schemeClr val="dk1"/>
+          </a:fillRef>
+          <a:effectRef idx="1">
+            <a:schemeClr val="dk1"/>
+          </a:effectRef>
+          <a:fontRef idx="minor">
+            <a:schemeClr val="dk1"/>
+          </a:fontRef>
+        </p:style>
+        <p:txBody>
+          <a:bodyPr rtlCol="0" anchor="t"/>
+          <a:lstStyle/>
+          <a:p>
+            <a:pPr algn="ctr"/>
+            <a:r>
+              <a:rPr lang="en-GB" sz="1000" dirty="0" smtClean="0"/>
+              <a:t>Location</a:t>
+            </a:r>
+            <a:endParaRPr lang="en-GB" sz="1000" dirty="0"/>
+          </a:p>
+        </p:txBody>
+      </p:sp>
+      <p:sp>
+        <p:nvSpPr>
+          <p:cNvPr id="63" name="Rectangle 62"/>
+          <p:cNvSpPr/>
+          <p:nvPr/>
+        </p:nvSpPr>
+        <p:spPr>
+          <a:xfrm>
+            <a:off x="4716016" y="3140968"/>
+            <a:ext cx="1512168" cy="288032"/>
+          </a:xfrm>
+          <a:prstGeom prst="rect">
+            <a:avLst/>
+          </a:prstGeom>
+        </p:spPr>
+        <p:style>
+          <a:lnRef idx="1">
+            <a:schemeClr val="accent3"/>
+          </a:lnRef>
+          <a:fillRef idx="2">
+            <a:schemeClr val="accent3"/>
+          </a:fillRef>
+          <a:effectRef idx="1">
+            <a:schemeClr val="accent3"/>
+          </a:effectRef>
+          <a:fontRef idx="minor">
+            <a:schemeClr val="dk1"/>
+          </a:fontRef>
+        </p:style>
+        <p:txBody>
+          <a:bodyPr rtlCol="0" anchor="t"/>
+          <a:lstStyle/>
+          <a:p>
+            <a:pPr algn="ctr"/>
+            <a:r>
+              <a:rPr lang="en-GB" sz="1000" dirty="0" err="1" smtClean="0"/>
+              <a:t>ConfigurationFixtureApi</a:t>
+            </a:r>
+            <a:endParaRPr lang="en-GB" sz="1000" dirty="0"/>
+          </a:p>
+        </p:txBody>
+      </p:sp>
+      <p:cxnSp>
+        <p:nvCxnSpPr>
+          <p:cNvPr id="76" name="Straight Connector 75"/>
+          <p:cNvCxnSpPr>
+            <a:stCxn id="63" idx="2"/>
+            <a:endCxn id="52" idx="0"/>
+          </p:cNvCxnSpPr>
+          <p:nvPr/>
+        </p:nvCxnSpPr>
+        <p:spPr>
+          <a:xfrm flipH="1">
+            <a:off x="4716016" y="3429000"/>
+            <a:ext cx="756084" cy="576064"/>
+          </a:xfrm>
+          <a:prstGeom prst="line">
+            <a:avLst/>
+          </a:prstGeom>
+        </p:spPr>
+        <p:style>
+          <a:lnRef idx="1">
+            <a:schemeClr val="accent1"/>
+          </a:lnRef>
+          <a:fillRef idx="0">
+            <a:schemeClr val="accent1"/>
+          </a:fillRef>
+          <a:effectRef idx="0">
+            <a:schemeClr val="accent1"/>
+          </a:effectRef>
+          <a:fontRef idx="minor">
+            <a:schemeClr val="tx1"/>
+          </a:fontRef>
+        </p:style>
+      </p:cxnSp>
+      <p:sp>
+        <p:nvSpPr>
+          <p:cNvPr id="60" name="TextBox 59"/>
+          <p:cNvSpPr txBox="1"/>
+          <p:nvPr/>
+        </p:nvSpPr>
+        <p:spPr>
+          <a:xfrm>
+            <a:off x="179512" y="116632"/>
+            <a:ext cx="1462067" cy="369332"/>
+          </a:xfrm>
+          <a:prstGeom prst="rect">
+            <a:avLst/>
+          </a:prstGeom>
+          <a:noFill/>
+        </p:spPr>
+        <p:txBody>
+          <a:bodyPr wrap="none" rtlCol="0">
+            <a:spAutoFit/>
+          </a:bodyPr>
+          <a:lstStyle/>
+          <a:p>
+            <a:r>
+              <a:rPr lang="en-GB" dirty="0" smtClean="0"/>
+              <a:t>Configuration</a:t>
+            </a:r>
+            <a:endParaRPr lang="en-GB" dirty="0"/>
+          </a:p>
+        </p:txBody>
+      </p:sp>
+    </p:spTree>
+  </p:cSld>
+  <p:clrMapOvr>
+    <a:masterClrMapping/>
+  </p:clrMapOvr>
+  <p:timing>
+    <p:tnLst>
+      <p:par>
+        <p:cTn id="1" dur="indefinite" restart="never" nodeType="tmRoot"/>
+      </p:par>
+    </p:tnLst>
+  </p:timing>
+</p:sld>
+</file>
+
+<file path=ppt/slides/slide3.xml><?xml version="1.0" encoding="utf-8"?>
+<p:sld xmlns:a="http://schemas.openxmlformats.org/drawingml/2006/main" xmlns:r="http://schemas.openxmlformats.org/officeDocument/2006/relationships" xmlns:p="http://schemas.openxmlformats.org/presentationml/2006/main">
+  <p:cSld>
+    <p:spTree>
+      <p:nvGrpSpPr>
+        <p:cNvPr id="1" name=""/>
+        <p:cNvGrpSpPr/>
+        <p:nvPr/>
+      </p:nvGrpSpPr>
+      <p:grpSpPr>
+        <a:xfrm>
+          <a:off x="0" y="0"/>
+          <a:ext cx="0" cy="0"/>
+          <a:chOff x="0" y="0"/>
+          <a:chExt cx="0" cy="0"/>
+        </a:xfrm>
+      </p:grpSpPr>
+      <p:sp>
+        <p:nvSpPr>
+          <p:cNvPr id="68" name="Rectangle 67"/>
+          <p:cNvSpPr/>
+          <p:nvPr/>
+        </p:nvSpPr>
+        <p:spPr>
+          <a:xfrm>
+            <a:off x="3995936" y="836712"/>
+            <a:ext cx="1296144" cy="288032"/>
+          </a:xfrm>
+          <a:prstGeom prst="rect">
+            <a:avLst/>
+          </a:prstGeom>
+        </p:spPr>
+        <p:style>
+          <a:lnRef idx="1">
+            <a:schemeClr val="accent6"/>
+          </a:lnRef>
+          <a:fillRef idx="2">
+            <a:schemeClr val="accent6"/>
+          </a:fillRef>
+          <a:effectRef idx="1">
+            <a:schemeClr val="accent6"/>
+          </a:effectRef>
+          <a:fontRef idx="minor">
+            <a:schemeClr val="dk1"/>
+          </a:fontRef>
+        </p:style>
+        <p:txBody>
+          <a:bodyPr rtlCol="0" anchor="t"/>
+          <a:lstStyle/>
+          <a:p>
+            <a:pPr algn="ctr"/>
+            <a:r>
+              <a:rPr lang="en-GB" sz="1000" dirty="0" err="1" smtClean="0"/>
+              <a:t>AdminSiteController</a:t>
+            </a:r>
+            <a:endParaRPr lang="en-GB" sz="1000" dirty="0"/>
+          </a:p>
+        </p:txBody>
+      </p:sp>
+      <p:sp>
+        <p:nvSpPr>
+          <p:cNvPr id="61" name="Rectangle 60"/>
+          <p:cNvSpPr/>
+          <p:nvPr/>
+        </p:nvSpPr>
+        <p:spPr>
+          <a:xfrm>
+            <a:off x="3635896" y="1772816"/>
+            <a:ext cx="2016224" cy="288032"/>
+          </a:xfrm>
+          <a:prstGeom prst="rect">
+            <a:avLst/>
+          </a:prstGeom>
+        </p:spPr>
+        <p:style>
+          <a:lnRef idx="1">
+            <a:schemeClr val="accent4"/>
+          </a:lnRef>
+          <a:fillRef idx="2">
+            <a:schemeClr val="accent4"/>
+          </a:fillRef>
+          <a:effectRef idx="1">
+            <a:schemeClr val="accent4"/>
+          </a:effectRef>
+          <a:fontRef idx="minor">
+            <a:schemeClr val="dk1"/>
+          </a:fontRef>
+        </p:style>
+        <p:txBody>
+          <a:bodyPr rtlCol="0" anchor="t"/>
+          <a:lstStyle/>
+          <a:p>
+            <a:pPr algn="ctr"/>
+            <a:r>
+              <a:rPr lang="en-GB" sz="1000" dirty="0" err="1" smtClean="0"/>
+              <a:t>Admin.Fixture.New.App</a:t>
+            </a:r>
+            <a:endParaRPr lang="en-GB" sz="1000" dirty="0"/>
+          </a:p>
+        </p:txBody>
+      </p:sp>
+      <p:sp>
+        <p:nvSpPr>
+          <p:cNvPr id="54" name="Rectangle 53"/>
+          <p:cNvSpPr/>
+          <p:nvPr/>
+        </p:nvSpPr>
+        <p:spPr>
+          <a:xfrm>
+            <a:off x="3883732" y="4149080"/>
+            <a:ext cx="1520552" cy="2592288"/>
+          </a:xfrm>
+          <a:prstGeom prst="rect">
+            <a:avLst/>
+          </a:prstGeom>
+        </p:spPr>
+        <p:style>
+          <a:lnRef idx="1">
+            <a:schemeClr val="accent1"/>
+          </a:lnRef>
+          <a:fillRef idx="2">
+            <a:schemeClr val="accent1"/>
+          </a:fillRef>
+          <a:effectRef idx="1">
+            <a:schemeClr val="accent1"/>
+          </a:effectRef>
+          <a:fontRef idx="minor">
+            <a:schemeClr val="dk1"/>
+          </a:fontRef>
+        </p:style>
+        <p:txBody>
+          <a:bodyPr rtlCol="0" anchor="ctr"/>
+          <a:lstStyle/>
+          <a:p>
+            <a:pPr algn="ctr"/>
+            <a:endParaRPr lang="en-GB"/>
+          </a:p>
+        </p:txBody>
+      </p:sp>
+      <p:sp>
+        <p:nvSpPr>
+          <p:cNvPr id="15" name="Rectangle 14"/>
+          <p:cNvSpPr/>
+          <p:nvPr/>
+        </p:nvSpPr>
+        <p:spPr>
+          <a:xfrm>
+            <a:off x="3995936" y="4581128"/>
+            <a:ext cx="1296144" cy="288032"/>
+          </a:xfrm>
+          <a:prstGeom prst="rect">
+            <a:avLst/>
+          </a:prstGeom>
+        </p:spPr>
+        <p:style>
+          <a:lnRef idx="1">
+            <a:schemeClr val="dk1"/>
+          </a:lnRef>
+          <a:fillRef idx="2">
+            <a:schemeClr val="dk1"/>
+          </a:fillRef>
+          <a:effectRef idx="1">
+            <a:schemeClr val="dk1"/>
+          </a:effectRef>
+          <a:fontRef idx="minor">
+            <a:schemeClr val="dk1"/>
+          </a:fontRef>
+        </p:style>
+        <p:txBody>
+          <a:bodyPr rtlCol="0" anchor="t"/>
+          <a:lstStyle/>
+          <a:p>
+            <a:pPr algn="ctr"/>
+            <a:r>
+              <a:rPr lang="en-GB" sz="1000" dirty="0" smtClean="0"/>
+              <a:t>Fixture</a:t>
+            </a:r>
+            <a:endParaRPr lang="en-GB" sz="1000" dirty="0"/>
+          </a:p>
+        </p:txBody>
+      </p:sp>
+      <p:sp>
+        <p:nvSpPr>
+          <p:cNvPr id="52" name="Rectangle 51"/>
+          <p:cNvSpPr/>
+          <p:nvPr/>
+        </p:nvSpPr>
+        <p:spPr>
+          <a:xfrm>
+            <a:off x="3923928" y="4005064"/>
+            <a:ext cx="1440160" cy="288032"/>
+          </a:xfrm>
+          <a:prstGeom prst="rect">
+            <a:avLst/>
+          </a:prstGeom>
+        </p:spPr>
+        <p:style>
+          <a:lnRef idx="1">
+            <a:schemeClr val="accent1"/>
+          </a:lnRef>
+          <a:fillRef idx="2">
+            <a:schemeClr val="accent1"/>
+          </a:fillRef>
+          <a:effectRef idx="1">
+            <a:schemeClr val="accent1"/>
+          </a:effectRef>
+          <a:fontRef idx="minor">
+            <a:schemeClr val="dk1"/>
+          </a:fontRef>
+        </p:style>
+        <p:txBody>
+          <a:bodyPr rtlCol="0" anchor="t"/>
+          <a:lstStyle/>
+          <a:p>
+            <a:pPr algn="ctr"/>
+            <a:r>
+              <a:rPr lang="en-GB" sz="1000" dirty="0" err="1" smtClean="0"/>
+              <a:t>FixtureServices</a:t>
+            </a:r>
+            <a:endParaRPr lang="en-GB" sz="1000" dirty="0"/>
+          </a:p>
+        </p:txBody>
+      </p:sp>
+      <p:sp>
+        <p:nvSpPr>
+          <p:cNvPr id="45" name="Rectangle 44"/>
+          <p:cNvSpPr/>
+          <p:nvPr/>
+        </p:nvSpPr>
+        <p:spPr>
+          <a:xfrm>
+            <a:off x="3887924" y="3140968"/>
+            <a:ext cx="1512168" cy="288032"/>
+          </a:xfrm>
+          <a:prstGeom prst="rect">
+            <a:avLst/>
+          </a:prstGeom>
+        </p:spPr>
+        <p:style>
+          <a:lnRef idx="1">
+            <a:schemeClr val="accent3"/>
+          </a:lnRef>
+          <a:fillRef idx="2">
+            <a:schemeClr val="accent3"/>
+          </a:fillRef>
+          <a:effectRef idx="1">
+            <a:schemeClr val="accent3"/>
+          </a:effectRef>
+          <a:fontRef idx="minor">
+            <a:schemeClr val="dk1"/>
+          </a:fontRef>
+        </p:style>
+        <p:txBody>
+          <a:bodyPr rtlCol="0" anchor="t"/>
+          <a:lstStyle/>
+          <a:p>
+            <a:pPr algn="ctr"/>
+            <a:r>
+              <a:rPr lang="en-GB" sz="1000" dirty="0" err="1" smtClean="0"/>
+              <a:t>AdminFixtureApi</a:t>
+            </a:r>
+            <a:endParaRPr lang="en-GB" sz="1000" dirty="0"/>
+          </a:p>
+        </p:txBody>
+      </p:sp>
+      <p:cxnSp>
+        <p:nvCxnSpPr>
+          <p:cNvPr id="49" name="Straight Connector 48"/>
+          <p:cNvCxnSpPr/>
+          <p:nvPr/>
+        </p:nvCxnSpPr>
+        <p:spPr>
+          <a:xfrm>
+            <a:off x="4644008" y="3429000"/>
+            <a:ext cx="0" cy="576064"/>
+          </a:xfrm>
+          <a:prstGeom prst="line">
+            <a:avLst/>
+          </a:prstGeom>
+        </p:spPr>
+        <p:style>
+          <a:lnRef idx="1">
+            <a:schemeClr val="accent1"/>
+          </a:lnRef>
+          <a:fillRef idx="0">
+            <a:schemeClr val="accent1"/>
+          </a:fillRef>
+          <a:effectRef idx="0">
+            <a:schemeClr val="accent1"/>
+          </a:effectRef>
+          <a:fontRef idx="minor">
+            <a:schemeClr val="tx1"/>
+          </a:fontRef>
+        </p:style>
+      </p:cxnSp>
+      <p:sp>
+        <p:nvSpPr>
+          <p:cNvPr id="48" name="Rectangle 47"/>
+          <p:cNvSpPr/>
+          <p:nvPr/>
+        </p:nvSpPr>
+        <p:spPr>
+          <a:xfrm>
+            <a:off x="3995936" y="5013176"/>
+            <a:ext cx="1296144" cy="288032"/>
+          </a:xfrm>
+          <a:prstGeom prst="rect">
+            <a:avLst/>
+          </a:prstGeom>
+        </p:spPr>
+        <p:style>
+          <a:lnRef idx="1">
+            <a:schemeClr val="dk1"/>
+          </a:lnRef>
+          <a:fillRef idx="2">
+            <a:schemeClr val="dk1"/>
+          </a:fillRef>
+          <a:effectRef idx="1">
+            <a:schemeClr val="dk1"/>
+          </a:effectRef>
+          <a:fontRef idx="minor">
+            <a:schemeClr val="dk1"/>
+          </a:fontRef>
+        </p:style>
+        <p:txBody>
+          <a:bodyPr rtlCol="0" anchor="t"/>
+          <a:lstStyle/>
+          <a:p>
+            <a:pPr algn="ctr"/>
+            <a:r>
+              <a:rPr lang="en-GB" sz="1000" dirty="0" smtClean="0"/>
+              <a:t>Team</a:t>
+            </a:r>
+            <a:endParaRPr lang="en-GB" sz="1000" dirty="0"/>
+          </a:p>
+        </p:txBody>
+      </p:sp>
+      <p:sp>
+        <p:nvSpPr>
+          <p:cNvPr id="55" name="Rectangle 54"/>
+          <p:cNvSpPr/>
+          <p:nvPr/>
+        </p:nvSpPr>
+        <p:spPr>
+          <a:xfrm>
+            <a:off x="3995936" y="5445224"/>
+            <a:ext cx="1296144" cy="288032"/>
+          </a:xfrm>
+          <a:prstGeom prst="rect">
+            <a:avLst/>
+          </a:prstGeom>
+        </p:spPr>
+        <p:style>
+          <a:lnRef idx="1">
+            <a:schemeClr val="dk1"/>
+          </a:lnRef>
+          <a:fillRef idx="2">
+            <a:schemeClr val="dk1"/>
+          </a:fillRef>
+          <a:effectRef idx="1">
+            <a:schemeClr val="dk1"/>
+          </a:effectRef>
+          <a:fontRef idx="minor">
+            <a:schemeClr val="dk1"/>
+          </a:fontRef>
+        </p:style>
+        <p:txBody>
+          <a:bodyPr rtlCol="0" anchor="t"/>
+          <a:lstStyle/>
+          <a:p>
+            <a:pPr algn="ctr"/>
+            <a:r>
+              <a:rPr lang="en-GB" sz="1000" dirty="0" smtClean="0"/>
+              <a:t>Opponent</a:t>
+            </a:r>
+            <a:endParaRPr lang="en-GB" sz="1000" dirty="0"/>
+          </a:p>
+        </p:txBody>
+      </p:sp>
+      <p:sp>
+        <p:nvSpPr>
+          <p:cNvPr id="56" name="Rectangle 55"/>
+          <p:cNvSpPr/>
+          <p:nvPr/>
+        </p:nvSpPr>
+        <p:spPr>
+          <a:xfrm>
+            <a:off x="3995936" y="5877272"/>
+            <a:ext cx="1296144" cy="288032"/>
+          </a:xfrm>
+          <a:prstGeom prst="rect">
+            <a:avLst/>
+          </a:prstGeom>
+        </p:spPr>
+        <p:style>
+          <a:lnRef idx="1">
+            <a:schemeClr val="dk1"/>
+          </a:lnRef>
+          <a:fillRef idx="2">
+            <a:schemeClr val="dk1"/>
+          </a:fillRef>
+          <a:effectRef idx="1">
+            <a:schemeClr val="dk1"/>
+          </a:effectRef>
+          <a:fontRef idx="minor">
+            <a:schemeClr val="dk1"/>
+          </a:fontRef>
+        </p:style>
+        <p:txBody>
+          <a:bodyPr rtlCol="0" anchor="t"/>
+          <a:lstStyle/>
+          <a:p>
+            <a:pPr algn="ctr"/>
+            <a:r>
+              <a:rPr lang="en-GB" sz="1000" dirty="0" err="1" smtClean="0"/>
+              <a:t>FixtureType</a:t>
+            </a:r>
+            <a:endParaRPr lang="en-GB" sz="1000" dirty="0"/>
+          </a:p>
+        </p:txBody>
+      </p:sp>
+      <p:sp>
+        <p:nvSpPr>
+          <p:cNvPr id="58" name="Rectangle 57"/>
+          <p:cNvSpPr/>
+          <p:nvPr/>
+        </p:nvSpPr>
+        <p:spPr>
+          <a:xfrm>
+            <a:off x="3995936" y="6309320"/>
+            <a:ext cx="1296144" cy="288032"/>
+          </a:xfrm>
+          <a:prstGeom prst="rect">
+            <a:avLst/>
+          </a:prstGeom>
+        </p:spPr>
+        <p:style>
+          <a:lnRef idx="1">
+            <a:schemeClr val="dk1"/>
+          </a:lnRef>
+          <a:fillRef idx="2">
+            <a:schemeClr val="dk1"/>
+          </a:fillRef>
+          <a:effectRef idx="1">
+            <a:schemeClr val="dk1"/>
+          </a:effectRef>
+          <a:fontRef idx="minor">
+            <a:schemeClr val="dk1"/>
+          </a:fontRef>
+        </p:style>
+        <p:txBody>
+          <a:bodyPr rtlCol="0" anchor="t"/>
+          <a:lstStyle/>
+          <a:p>
+            <a:pPr algn="ctr"/>
+            <a:r>
+              <a:rPr lang="en-GB" sz="1000" dirty="0" smtClean="0"/>
+              <a:t>Location</a:t>
+            </a:r>
+            <a:endParaRPr lang="en-GB" sz="1000" dirty="0"/>
+          </a:p>
+        </p:txBody>
+      </p:sp>
+      <p:sp>
+        <p:nvSpPr>
+          <p:cNvPr id="60" name="TextBox 59"/>
+          <p:cNvSpPr txBox="1"/>
+          <p:nvPr/>
+        </p:nvSpPr>
+        <p:spPr>
+          <a:xfrm>
+            <a:off x="179512" y="116632"/>
+            <a:ext cx="2146806" cy="369332"/>
+          </a:xfrm>
+          <a:prstGeom prst="rect">
+            <a:avLst/>
+          </a:prstGeom>
+          <a:noFill/>
+        </p:spPr>
+        <p:txBody>
+          <a:bodyPr wrap="none" rtlCol="0">
+            <a:spAutoFit/>
+          </a:bodyPr>
+          <a:lstStyle/>
+          <a:p>
+            <a:r>
+              <a:rPr lang="en-GB" dirty="0" smtClean="0"/>
+              <a:t>Fixture Management</a:t>
+            </a:r>
+            <a:endParaRPr lang="en-GB" dirty="0"/>
+          </a:p>
+        </p:txBody>
+      </p:sp>
+    </p:spTree>
+  </p:cSld>
+  <p:clrMapOvr>
+    <a:masterClrMapping/>
+  </p:clrMapOvr>
+  <p:timing>
+    <p:tnLst>
+      <p:par>
+        <p:cTn id="1" dur="indefinite" restart="never" nodeType="tmRoot"/>
+      </p:par>
+    </p:tnLst>
+  </p:timing>
+</p:sld>
+</file>
+
+<file path=ppt/slides/slide4.xml><?xml version="1.0" encoding="utf-8"?>
 <p:sld xmlns:a="http://schemas.openxmlformats.org/drawingml/2006/main" xmlns:r="http://schemas.openxmlformats.org/officeDocument/2006/relationships" xmlns:p="http://schemas.openxmlformats.org/presentationml/2006/main">
   <p:cSld>
     <p:spTree>

--- a/Documentation/Architecture.pptx
+++ b/Documentation/Architecture.pptx
@@ -196,7 +196,7 @@
             <a:fld id="{3D842951-A5D4-4CCE-A843-7F2B2D8D0F7F}" type="datetimeFigureOut">
               <a:rPr lang="en-GB" smtClean="0"/>
               <a:pPr/>
-              <a:t>10/12/2014</a:t>
+              <a:t>16/12/2014</a:t>
             </a:fld>
             <a:endParaRPr lang="en-GB"/>
           </a:p>
@@ -890,7 +890,7 @@
             <a:fld id="{9E7539CF-A853-46E9-9284-C283F40F4A5C}" type="datetimeFigureOut">
               <a:rPr lang="en-GB" smtClean="0"/>
               <a:pPr/>
-              <a:t>10/12/2014</a:t>
+              <a:t>16/12/2014</a:t>
             </a:fld>
             <a:endParaRPr lang="en-GB"/>
           </a:p>
@@ -1057,7 +1057,7 @@
             <a:fld id="{9E7539CF-A853-46E9-9284-C283F40F4A5C}" type="datetimeFigureOut">
               <a:rPr lang="en-GB" smtClean="0"/>
               <a:pPr/>
-              <a:t>10/12/2014</a:t>
+              <a:t>16/12/2014</a:t>
             </a:fld>
             <a:endParaRPr lang="en-GB"/>
           </a:p>
@@ -1234,7 +1234,7 @@
             <a:fld id="{9E7539CF-A853-46E9-9284-C283F40F4A5C}" type="datetimeFigureOut">
               <a:rPr lang="en-GB" smtClean="0"/>
               <a:pPr/>
-              <a:t>10/12/2014</a:t>
+              <a:t>16/12/2014</a:t>
             </a:fld>
             <a:endParaRPr lang="en-GB"/>
           </a:p>
@@ -1401,7 +1401,7 @@
             <a:fld id="{9E7539CF-A853-46E9-9284-C283F40F4A5C}" type="datetimeFigureOut">
               <a:rPr lang="en-GB" smtClean="0"/>
               <a:pPr/>
-              <a:t>10/12/2014</a:t>
+              <a:t>16/12/2014</a:t>
             </a:fld>
             <a:endParaRPr lang="en-GB"/>
           </a:p>
@@ -1644,7 +1644,7 @@
             <a:fld id="{9E7539CF-A853-46E9-9284-C283F40F4A5C}" type="datetimeFigureOut">
               <a:rPr lang="en-GB" smtClean="0"/>
               <a:pPr/>
-              <a:t>10/12/2014</a:t>
+              <a:t>16/12/2014</a:t>
             </a:fld>
             <a:endParaRPr lang="en-GB"/>
           </a:p>
@@ -1929,7 +1929,7 @@
             <a:fld id="{9E7539CF-A853-46E9-9284-C283F40F4A5C}" type="datetimeFigureOut">
               <a:rPr lang="en-GB" smtClean="0"/>
               <a:pPr/>
-              <a:t>10/12/2014</a:t>
+              <a:t>16/12/2014</a:t>
             </a:fld>
             <a:endParaRPr lang="en-GB"/>
           </a:p>
@@ -2348,7 +2348,7 @@
             <a:fld id="{9E7539CF-A853-46E9-9284-C283F40F4A5C}" type="datetimeFigureOut">
               <a:rPr lang="en-GB" smtClean="0"/>
               <a:pPr/>
-              <a:t>10/12/2014</a:t>
+              <a:t>16/12/2014</a:t>
             </a:fld>
             <a:endParaRPr lang="en-GB"/>
           </a:p>
@@ -2463,7 +2463,7 @@
             <a:fld id="{9E7539CF-A853-46E9-9284-C283F40F4A5C}" type="datetimeFigureOut">
               <a:rPr lang="en-GB" smtClean="0"/>
               <a:pPr/>
-              <a:t>10/12/2014</a:t>
+              <a:t>16/12/2014</a:t>
             </a:fld>
             <a:endParaRPr lang="en-GB"/>
           </a:p>
@@ -2555,7 +2555,7 @@
             <a:fld id="{9E7539CF-A853-46E9-9284-C283F40F4A5C}" type="datetimeFigureOut">
               <a:rPr lang="en-GB" smtClean="0"/>
               <a:pPr/>
-              <a:t>10/12/2014</a:t>
+              <a:t>16/12/2014</a:t>
             </a:fld>
             <a:endParaRPr lang="en-GB"/>
           </a:p>
@@ -2829,7 +2829,7 @@
             <a:fld id="{9E7539CF-A853-46E9-9284-C283F40F4A5C}" type="datetimeFigureOut">
               <a:rPr lang="en-GB" smtClean="0"/>
               <a:pPr/>
-              <a:t>10/12/2014</a:t>
+              <a:t>16/12/2014</a:t>
             </a:fld>
             <a:endParaRPr lang="en-GB"/>
           </a:p>
@@ -3079,7 +3079,7 @@
             <a:fld id="{9E7539CF-A853-46E9-9284-C283F40F4A5C}" type="datetimeFigureOut">
               <a:rPr lang="en-GB" smtClean="0"/>
               <a:pPr/>
-              <a:t>10/12/2014</a:t>
+              <a:t>16/12/2014</a:t>
             </a:fld>
             <a:endParaRPr lang="en-GB"/>
           </a:p>
@@ -3289,7 +3289,7 @@
             <a:fld id="{9E7539CF-A853-46E9-9284-C283F40F4A5C}" type="datetimeFigureOut">
               <a:rPr lang="en-GB" smtClean="0"/>
               <a:pPr/>
-              <a:t>10/12/2014</a:t>
+              <a:t>16/12/2014</a:t>
             </a:fld>
             <a:endParaRPr lang="en-GB"/>
           </a:p>
@@ -4239,7 +4239,7 @@
         </p:nvSpPr>
         <p:spPr>
           <a:xfrm>
-            <a:off x="1575284" y="4581128"/>
+            <a:off x="1579476" y="4581128"/>
             <a:ext cx="1296144" cy="288032"/>
           </a:xfrm>
           <a:prstGeom prst="rect">
@@ -4281,7 +4281,7 @@
         </p:nvSpPr>
         <p:spPr>
           <a:xfrm>
-            <a:off x="1575284" y="5373216"/>
+            <a:off x="1579476" y="5373216"/>
             <a:ext cx="1296144" cy="288032"/>
           </a:xfrm>
           <a:prstGeom prst="rect">
@@ -4318,15 +4318,12 @@
       <p:cxnSp>
         <p:nvCxnSpPr>
           <p:cNvPr id="44" name="Straight Connector 43"/>
-          <p:cNvCxnSpPr>
-            <a:stCxn id="7" idx="2"/>
-            <a:endCxn id="13" idx="0"/>
-          </p:cNvCxnSpPr>
+          <p:cNvCxnSpPr/>
           <p:nvPr/>
         </p:nvCxnSpPr>
         <p:spPr>
           <a:xfrm>
-            <a:off x="2223356" y="4869160"/>
+            <a:off x="2227548" y="4869160"/>
             <a:ext cx="0" cy="504056"/>
           </a:xfrm>
           <a:prstGeom prst="line">
@@ -4356,7 +4353,7 @@
         </p:nvSpPr>
         <p:spPr>
           <a:xfrm>
-            <a:off x="1535088" y="4005064"/>
+            <a:off x="1507468" y="4005064"/>
             <a:ext cx="1440160" cy="288032"/>
           </a:xfrm>
           <a:prstGeom prst="rect">
@@ -4935,8 +4932,8 @@
         </p:nvCxnSpPr>
         <p:spPr>
           <a:xfrm flipH="1">
-            <a:off x="2871428" y="4725144"/>
-            <a:ext cx="1196516" cy="0"/>
+            <a:off x="2875620" y="4725144"/>
+            <a:ext cx="1192324" cy="0"/>
           </a:xfrm>
           <a:prstGeom prst="line">
             <a:avLst/>
@@ -5073,7 +5070,7 @@
         </p:nvSpPr>
         <p:spPr>
           <a:xfrm>
-            <a:off x="1467272" y="3140968"/>
+            <a:off x="1471464" y="3140968"/>
             <a:ext cx="1512168" cy="288032"/>
           </a:xfrm>
           <a:prstGeom prst="rect">
@@ -5112,13 +5109,14 @@
           <p:cNvPr id="90" name="Straight Connector 89"/>
           <p:cNvCxnSpPr>
             <a:stCxn id="89" idx="2"/>
+            <a:endCxn id="50" idx="0"/>
           </p:cNvCxnSpPr>
           <p:nvPr/>
         </p:nvCxnSpPr>
         <p:spPr>
           <a:xfrm>
-            <a:off x="2223356" y="3429000"/>
-            <a:ext cx="0" cy="792088"/>
+            <a:off x="2227548" y="3429000"/>
+            <a:ext cx="0" cy="576064"/>
           </a:xfrm>
           <a:prstGeom prst="line">
             <a:avLst/>
@@ -5879,7 +5877,7 @@
         </p:nvSpPr>
         <p:spPr>
           <a:xfrm>
-            <a:off x="3635896" y="1772816"/>
+            <a:off x="4860032" y="1772816"/>
             <a:ext cx="2016224" cy="288032"/>
           </a:xfrm>
           <a:prstGeom prst="rect">
@@ -5915,135 +5913,13 @@
       </p:sp>
       <p:sp>
         <p:nvSpPr>
-          <p:cNvPr id="54" name="Rectangle 53"/>
-          <p:cNvSpPr/>
-          <p:nvPr/>
-        </p:nvSpPr>
-        <p:spPr>
-          <a:xfrm>
-            <a:off x="3883732" y="4149080"/>
-            <a:ext cx="1520552" cy="2592288"/>
-          </a:xfrm>
-          <a:prstGeom prst="rect">
-            <a:avLst/>
-          </a:prstGeom>
-        </p:spPr>
-        <p:style>
-          <a:lnRef idx="1">
-            <a:schemeClr val="accent1"/>
-          </a:lnRef>
-          <a:fillRef idx="2">
-            <a:schemeClr val="accent1"/>
-          </a:fillRef>
-          <a:effectRef idx="1">
-            <a:schemeClr val="accent1"/>
-          </a:effectRef>
-          <a:fontRef idx="minor">
-            <a:schemeClr val="dk1"/>
-          </a:fontRef>
-        </p:style>
-        <p:txBody>
-          <a:bodyPr rtlCol="0" anchor="ctr"/>
-          <a:lstStyle/>
-          <a:p>
-            <a:pPr algn="ctr"/>
-            <a:endParaRPr lang="en-GB"/>
-          </a:p>
-        </p:txBody>
-      </p:sp>
-      <p:sp>
-        <p:nvSpPr>
-          <p:cNvPr id="15" name="Rectangle 14"/>
-          <p:cNvSpPr/>
-          <p:nvPr/>
-        </p:nvSpPr>
-        <p:spPr>
-          <a:xfrm>
-            <a:off x="3995936" y="4581128"/>
-            <a:ext cx="1296144" cy="288032"/>
-          </a:xfrm>
-          <a:prstGeom prst="rect">
-            <a:avLst/>
-          </a:prstGeom>
-        </p:spPr>
-        <p:style>
-          <a:lnRef idx="1">
-            <a:schemeClr val="dk1"/>
-          </a:lnRef>
-          <a:fillRef idx="2">
-            <a:schemeClr val="dk1"/>
-          </a:fillRef>
-          <a:effectRef idx="1">
-            <a:schemeClr val="dk1"/>
-          </a:effectRef>
-          <a:fontRef idx="minor">
-            <a:schemeClr val="dk1"/>
-          </a:fontRef>
-        </p:style>
-        <p:txBody>
-          <a:bodyPr rtlCol="0" anchor="t"/>
-          <a:lstStyle/>
-          <a:p>
-            <a:pPr algn="ctr"/>
-            <a:r>
-              <a:rPr lang="en-GB" sz="1000" dirty="0" smtClean="0"/>
-              <a:t>Fixture</a:t>
-            </a:r>
-            <a:endParaRPr lang="en-GB" sz="1000" dirty="0"/>
-          </a:p>
-        </p:txBody>
-      </p:sp>
-      <p:sp>
-        <p:nvSpPr>
-          <p:cNvPr id="52" name="Rectangle 51"/>
-          <p:cNvSpPr/>
-          <p:nvPr/>
-        </p:nvSpPr>
-        <p:spPr>
-          <a:xfrm>
-            <a:off x="3923928" y="4005064"/>
-            <a:ext cx="1440160" cy="288032"/>
-          </a:xfrm>
-          <a:prstGeom prst="rect">
-            <a:avLst/>
-          </a:prstGeom>
-        </p:spPr>
-        <p:style>
-          <a:lnRef idx="1">
-            <a:schemeClr val="accent1"/>
-          </a:lnRef>
-          <a:fillRef idx="2">
-            <a:schemeClr val="accent1"/>
-          </a:fillRef>
-          <a:effectRef idx="1">
-            <a:schemeClr val="accent1"/>
-          </a:effectRef>
-          <a:fontRef idx="minor">
-            <a:schemeClr val="dk1"/>
-          </a:fontRef>
-        </p:style>
-        <p:txBody>
-          <a:bodyPr rtlCol="0" anchor="t"/>
-          <a:lstStyle/>
-          <a:p>
-            <a:pPr algn="ctr"/>
-            <a:r>
-              <a:rPr lang="en-GB" sz="1000" dirty="0" err="1" smtClean="0"/>
-              <a:t>FixtureServices</a:t>
-            </a:r>
-            <a:endParaRPr lang="en-GB" sz="1000" dirty="0"/>
-          </a:p>
-        </p:txBody>
-      </p:sp>
-      <p:sp>
-        <p:nvSpPr>
           <p:cNvPr id="45" name="Rectangle 44"/>
           <p:cNvSpPr/>
           <p:nvPr/>
         </p:nvSpPr>
         <p:spPr>
           <a:xfrm>
-            <a:off x="3887924" y="3140968"/>
+            <a:off x="5004048" y="2996952"/>
             <a:ext cx="1512168" cy="288032"/>
           </a:xfrm>
           <a:prstGeom prst="rect">
@@ -6080,13 +5956,16 @@
       <p:cxnSp>
         <p:nvCxnSpPr>
           <p:cNvPr id="49" name="Straight Connector 48"/>
-          <p:cNvCxnSpPr/>
+          <p:cNvCxnSpPr>
+            <a:stCxn id="45" idx="2"/>
+            <a:endCxn id="52" idx="0"/>
+          </p:cNvCxnSpPr>
           <p:nvPr/>
         </p:nvCxnSpPr>
         <p:spPr>
           <a:xfrm>
-            <a:off x="4644008" y="3429000"/>
-            <a:ext cx="0" cy="576064"/>
+            <a:off x="5760132" y="3284984"/>
+            <a:ext cx="1219944" cy="720080"/>
           </a:xfrm>
           <a:prstGeom prst="line">
             <a:avLst/>
@@ -6109,14 +5988,14 @@
       </p:cxnSp>
       <p:sp>
         <p:nvSpPr>
-          <p:cNvPr id="48" name="Rectangle 47"/>
+          <p:cNvPr id="54" name="Rectangle 53"/>
           <p:cNvSpPr/>
           <p:nvPr/>
         </p:nvSpPr>
         <p:spPr>
           <a:xfrm>
-            <a:off x="3995936" y="5013176"/>
-            <a:ext cx="1296144" cy="288032"/>
+            <a:off x="6219800" y="4149080"/>
+            <a:ext cx="1520552" cy="2592288"/>
           </a:xfrm>
           <a:prstGeom prst="rect">
             <a:avLst/>
@@ -6124,40 +6003,36 @@
         </p:spPr>
         <p:style>
           <a:lnRef idx="1">
-            <a:schemeClr val="dk1"/>
+            <a:schemeClr val="accent1"/>
           </a:lnRef>
           <a:fillRef idx="2">
-            <a:schemeClr val="dk1"/>
+            <a:schemeClr val="accent1"/>
           </a:fillRef>
           <a:effectRef idx="1">
-            <a:schemeClr val="dk1"/>
+            <a:schemeClr val="accent1"/>
           </a:effectRef>
           <a:fontRef idx="minor">
             <a:schemeClr val="dk1"/>
           </a:fontRef>
         </p:style>
         <p:txBody>
-          <a:bodyPr rtlCol="0" anchor="t"/>
+          <a:bodyPr rtlCol="0" anchor="ctr"/>
           <a:lstStyle/>
           <a:p>
             <a:pPr algn="ctr"/>
-            <a:r>
-              <a:rPr lang="en-GB" sz="1000" dirty="0" smtClean="0"/>
-              <a:t>Team</a:t>
-            </a:r>
-            <a:endParaRPr lang="en-GB" sz="1000" dirty="0"/>
-          </a:p>
-        </p:txBody>
-      </p:sp>
-      <p:sp>
-        <p:nvSpPr>
-          <p:cNvPr id="55" name="Rectangle 54"/>
+            <a:endParaRPr lang="en-GB"/>
+          </a:p>
+        </p:txBody>
+      </p:sp>
+      <p:sp>
+        <p:nvSpPr>
+          <p:cNvPr id="15" name="Rectangle 14"/>
           <p:cNvSpPr/>
           <p:nvPr/>
         </p:nvSpPr>
         <p:spPr>
           <a:xfrm>
-            <a:off x="3995936" y="5445224"/>
+            <a:off x="6332004" y="4581128"/>
             <a:ext cx="1296144" cy="288032"/>
           </a:xfrm>
           <a:prstGeom prst="rect">
@@ -6185,7 +6060,7 @@
             <a:pPr algn="ctr"/>
             <a:r>
               <a:rPr lang="en-GB" sz="1000" dirty="0" smtClean="0"/>
-              <a:t>Opponent</a:t>
+              <a:t>Fixture</a:t>
             </a:r>
             <a:endParaRPr lang="en-GB" sz="1000" dirty="0"/>
           </a:p>
@@ -6193,14 +6068,14 @@
       </p:sp>
       <p:sp>
         <p:nvSpPr>
-          <p:cNvPr id="56" name="Rectangle 55"/>
+          <p:cNvPr id="52" name="Rectangle 51"/>
           <p:cNvSpPr/>
           <p:nvPr/>
         </p:nvSpPr>
         <p:spPr>
           <a:xfrm>
-            <a:off x="3995936" y="5877272"/>
-            <a:ext cx="1296144" cy="288032"/>
+            <a:off x="6259996" y="4005064"/>
+            <a:ext cx="1440160" cy="288032"/>
           </a:xfrm>
           <a:prstGeom prst="rect">
             <a:avLst/>
@@ -6208,13 +6083,13 @@
         </p:spPr>
         <p:style>
           <a:lnRef idx="1">
-            <a:schemeClr val="dk1"/>
+            <a:schemeClr val="accent1"/>
           </a:lnRef>
           <a:fillRef idx="2">
-            <a:schemeClr val="dk1"/>
+            <a:schemeClr val="accent1"/>
           </a:fillRef>
           <a:effectRef idx="1">
-            <a:schemeClr val="dk1"/>
+            <a:schemeClr val="accent1"/>
           </a:effectRef>
           <a:fontRef idx="minor">
             <a:schemeClr val="dk1"/>
@@ -6227,49 +6102,7 @@
             <a:pPr algn="ctr"/>
             <a:r>
               <a:rPr lang="en-GB" sz="1000" dirty="0" err="1" smtClean="0"/>
-              <a:t>FixtureType</a:t>
-            </a:r>
-            <a:endParaRPr lang="en-GB" sz="1000" dirty="0"/>
-          </a:p>
-        </p:txBody>
-      </p:sp>
-      <p:sp>
-        <p:nvSpPr>
-          <p:cNvPr id="58" name="Rectangle 57"/>
-          <p:cNvSpPr/>
-          <p:nvPr/>
-        </p:nvSpPr>
-        <p:spPr>
-          <a:xfrm>
-            <a:off x="3995936" y="6309320"/>
-            <a:ext cx="1296144" cy="288032"/>
-          </a:xfrm>
-          <a:prstGeom prst="rect">
-            <a:avLst/>
-          </a:prstGeom>
-        </p:spPr>
-        <p:style>
-          <a:lnRef idx="1">
-            <a:schemeClr val="dk1"/>
-          </a:lnRef>
-          <a:fillRef idx="2">
-            <a:schemeClr val="dk1"/>
-          </a:fillRef>
-          <a:effectRef idx="1">
-            <a:schemeClr val="dk1"/>
-          </a:effectRef>
-          <a:fontRef idx="minor">
-            <a:schemeClr val="dk1"/>
-          </a:fontRef>
-        </p:style>
-        <p:txBody>
-          <a:bodyPr rtlCol="0" anchor="t"/>
-          <a:lstStyle/>
-          <a:p>
-            <a:pPr algn="ctr"/>
-            <a:r>
-              <a:rPr lang="en-GB" sz="1000" dirty="0" smtClean="0"/>
-              <a:t>Location</a:t>
+              <a:t>FixtureServices</a:t>
             </a:r>
             <a:endParaRPr lang="en-GB" sz="1000" dirty="0"/>
           </a:p>
@@ -6284,7 +6117,7 @@
         <p:spPr>
           <a:xfrm>
             <a:off x="179512" y="116632"/>
-            <a:ext cx="2146806" cy="369332"/>
+            <a:ext cx="2738635" cy="369332"/>
           </a:xfrm>
           <a:prstGeom prst="rect">
             <a:avLst/>
@@ -6299,12 +6132,617 @@
           <a:p>
             <a:r>
               <a:rPr lang="en-GB" dirty="0" smtClean="0"/>
-              <a:t>Fixture Management</a:t>
+              <a:t>Fixture/Team </a:t>
+            </a:r>
+            <a:r>
+              <a:rPr lang="en-GB" dirty="0" smtClean="0"/>
+              <a:t>Management</a:t>
             </a:r>
             <a:endParaRPr lang="en-GB" dirty="0"/>
           </a:p>
         </p:txBody>
       </p:sp>
+      <p:sp>
+        <p:nvSpPr>
+          <p:cNvPr id="14" name="Rectangle 13"/>
+          <p:cNvSpPr/>
+          <p:nvPr/>
+        </p:nvSpPr>
+        <p:spPr>
+          <a:xfrm>
+            <a:off x="2195736" y="1772816"/>
+            <a:ext cx="2016224" cy="288032"/>
+          </a:xfrm>
+          <a:prstGeom prst="rect">
+            <a:avLst/>
+          </a:prstGeom>
+        </p:spPr>
+        <p:style>
+          <a:lnRef idx="1">
+            <a:schemeClr val="accent4"/>
+          </a:lnRef>
+          <a:fillRef idx="2">
+            <a:schemeClr val="accent4"/>
+          </a:fillRef>
+          <a:effectRef idx="1">
+            <a:schemeClr val="accent4"/>
+          </a:effectRef>
+          <a:fontRef idx="minor">
+            <a:schemeClr val="dk1"/>
+          </a:fontRef>
+        </p:style>
+        <p:txBody>
+          <a:bodyPr rtlCol="0" anchor="t"/>
+          <a:lstStyle/>
+          <a:p>
+            <a:pPr algn="ctr"/>
+            <a:r>
+              <a:rPr lang="en-GB" sz="1000" dirty="0" err="1" smtClean="0"/>
+              <a:t>Admin.Team.New.App</a:t>
+            </a:r>
+            <a:endParaRPr lang="en-GB" sz="1000" dirty="0"/>
+          </a:p>
+        </p:txBody>
+      </p:sp>
+      <p:sp>
+        <p:nvSpPr>
+          <p:cNvPr id="16" name="Rectangle 15"/>
+          <p:cNvSpPr/>
+          <p:nvPr/>
+        </p:nvSpPr>
+        <p:spPr>
+          <a:xfrm>
+            <a:off x="2519772" y="2996952"/>
+            <a:ext cx="1512168" cy="288032"/>
+          </a:xfrm>
+          <a:prstGeom prst="rect">
+            <a:avLst/>
+          </a:prstGeom>
+        </p:spPr>
+        <p:style>
+          <a:lnRef idx="1">
+            <a:schemeClr val="accent3"/>
+          </a:lnRef>
+          <a:fillRef idx="2">
+            <a:schemeClr val="accent3"/>
+          </a:fillRef>
+          <a:effectRef idx="1">
+            <a:schemeClr val="accent3"/>
+          </a:effectRef>
+          <a:fontRef idx="minor">
+            <a:schemeClr val="dk1"/>
+          </a:fontRef>
+        </p:style>
+        <p:txBody>
+          <a:bodyPr rtlCol="0" anchor="t"/>
+          <a:lstStyle/>
+          <a:p>
+            <a:pPr algn="ctr"/>
+            <a:r>
+              <a:rPr lang="en-GB" sz="1000" dirty="0" err="1" smtClean="0"/>
+              <a:t>AdminTeamApi</a:t>
+            </a:r>
+            <a:endParaRPr lang="en-GB" sz="1000" dirty="0"/>
+          </a:p>
+        </p:txBody>
+      </p:sp>
+      <p:cxnSp>
+        <p:nvCxnSpPr>
+          <p:cNvPr id="19" name="Straight Connector 18"/>
+          <p:cNvCxnSpPr>
+            <a:stCxn id="16" idx="2"/>
+            <a:endCxn id="52" idx="0"/>
+          </p:cNvCxnSpPr>
+          <p:nvPr/>
+        </p:nvCxnSpPr>
+        <p:spPr>
+          <a:xfrm>
+            <a:off x="3275856" y="3284984"/>
+            <a:ext cx="3704220" cy="720080"/>
+          </a:xfrm>
+          <a:prstGeom prst="line">
+            <a:avLst/>
+          </a:prstGeom>
+        </p:spPr>
+        <p:style>
+          <a:lnRef idx="1">
+            <a:schemeClr val="accent1"/>
+          </a:lnRef>
+          <a:fillRef idx="0">
+            <a:schemeClr val="accent1"/>
+          </a:fillRef>
+          <a:effectRef idx="0">
+            <a:schemeClr val="accent1"/>
+          </a:effectRef>
+          <a:fontRef idx="minor">
+            <a:schemeClr val="tx1"/>
+          </a:fontRef>
+        </p:style>
+      </p:cxnSp>
+      <p:grpSp>
+        <p:nvGrpSpPr>
+          <p:cNvPr id="59" name="Group 58"/>
+          <p:cNvGrpSpPr/>
+          <p:nvPr/>
+        </p:nvGrpSpPr>
+        <p:grpSpPr>
+          <a:xfrm>
+            <a:off x="1763688" y="4005064"/>
+            <a:ext cx="1520552" cy="2736304"/>
+            <a:chOff x="1835696" y="4005064"/>
+            <a:chExt cx="1520552" cy="2736304"/>
+          </a:xfrm>
+        </p:grpSpPr>
+        <p:sp>
+          <p:nvSpPr>
+            <p:cNvPr id="22" name="Rectangle 21"/>
+            <p:cNvSpPr/>
+            <p:nvPr/>
+          </p:nvSpPr>
+          <p:spPr>
+            <a:xfrm>
+              <a:off x="1835696" y="4149080"/>
+              <a:ext cx="1520552" cy="2592288"/>
+            </a:xfrm>
+            <a:prstGeom prst="rect">
+              <a:avLst/>
+            </a:prstGeom>
+          </p:spPr>
+          <p:style>
+            <a:lnRef idx="1">
+              <a:schemeClr val="accent1"/>
+            </a:lnRef>
+            <a:fillRef idx="2">
+              <a:schemeClr val="accent1"/>
+            </a:fillRef>
+            <a:effectRef idx="1">
+              <a:schemeClr val="accent1"/>
+            </a:effectRef>
+            <a:fontRef idx="minor">
+              <a:schemeClr val="dk1"/>
+            </a:fontRef>
+          </p:style>
+          <p:txBody>
+            <a:bodyPr rtlCol="0" anchor="ctr"/>
+            <a:lstStyle/>
+            <a:p>
+              <a:pPr algn="ctr"/>
+              <a:endParaRPr lang="en-GB"/>
+            </a:p>
+          </p:txBody>
+        </p:sp>
+        <p:sp>
+          <p:nvSpPr>
+            <p:cNvPr id="23" name="Rectangle 22"/>
+            <p:cNvSpPr/>
+            <p:nvPr/>
+          </p:nvSpPr>
+          <p:spPr>
+            <a:xfrm>
+              <a:off x="1947900" y="4581128"/>
+              <a:ext cx="1296144" cy="288032"/>
+            </a:xfrm>
+            <a:prstGeom prst="rect">
+              <a:avLst/>
+            </a:prstGeom>
+          </p:spPr>
+          <p:style>
+            <a:lnRef idx="1">
+              <a:schemeClr val="dk1"/>
+            </a:lnRef>
+            <a:fillRef idx="2">
+              <a:schemeClr val="dk1"/>
+            </a:fillRef>
+            <a:effectRef idx="1">
+              <a:schemeClr val="dk1"/>
+            </a:effectRef>
+            <a:fontRef idx="minor">
+              <a:schemeClr val="dk1"/>
+            </a:fontRef>
+          </p:style>
+          <p:txBody>
+            <a:bodyPr rtlCol="0" anchor="t"/>
+            <a:lstStyle/>
+            <a:p>
+              <a:pPr algn="ctr"/>
+              <a:r>
+                <a:rPr lang="en-GB" sz="1000" dirty="0" smtClean="0"/>
+                <a:t>Player</a:t>
+              </a:r>
+              <a:endParaRPr lang="en-GB" sz="1000" dirty="0"/>
+            </a:p>
+          </p:txBody>
+        </p:sp>
+        <p:sp>
+          <p:nvSpPr>
+            <p:cNvPr id="24" name="Rectangle 23"/>
+            <p:cNvSpPr/>
+            <p:nvPr/>
+          </p:nvSpPr>
+          <p:spPr>
+            <a:xfrm>
+              <a:off x="1875892" y="4005064"/>
+              <a:ext cx="1440160" cy="288032"/>
+            </a:xfrm>
+            <a:prstGeom prst="rect">
+              <a:avLst/>
+            </a:prstGeom>
+          </p:spPr>
+          <p:style>
+            <a:lnRef idx="1">
+              <a:schemeClr val="accent1"/>
+            </a:lnRef>
+            <a:fillRef idx="2">
+              <a:schemeClr val="accent1"/>
+            </a:fillRef>
+            <a:effectRef idx="1">
+              <a:schemeClr val="accent1"/>
+            </a:effectRef>
+            <a:fontRef idx="minor">
+              <a:schemeClr val="dk1"/>
+            </a:fontRef>
+          </p:style>
+          <p:txBody>
+            <a:bodyPr rtlCol="0" anchor="t"/>
+            <a:lstStyle/>
+            <a:p>
+              <a:pPr algn="ctr"/>
+              <a:r>
+                <a:rPr lang="en-GB" sz="1000" dirty="0" err="1" smtClean="0"/>
+                <a:t>PlayerServices</a:t>
+              </a:r>
+              <a:endParaRPr lang="en-GB" sz="1000" dirty="0"/>
+            </a:p>
+          </p:txBody>
+        </p:sp>
+      </p:grpSp>
+      <p:cxnSp>
+        <p:nvCxnSpPr>
+          <p:cNvPr id="29" name="Straight Connector 28"/>
+          <p:cNvCxnSpPr>
+            <a:stCxn id="16" idx="2"/>
+            <a:endCxn id="24" idx="0"/>
+          </p:cNvCxnSpPr>
+          <p:nvPr/>
+        </p:nvCxnSpPr>
+        <p:spPr>
+          <a:xfrm flipH="1">
+            <a:off x="2523964" y="3284984"/>
+            <a:ext cx="751892" cy="720080"/>
+          </a:xfrm>
+          <a:prstGeom prst="line">
+            <a:avLst/>
+          </a:prstGeom>
+        </p:spPr>
+        <p:style>
+          <a:lnRef idx="1">
+            <a:schemeClr val="accent1"/>
+          </a:lnRef>
+          <a:fillRef idx="0">
+            <a:schemeClr val="accent1"/>
+          </a:fillRef>
+          <a:effectRef idx="0">
+            <a:schemeClr val="accent1"/>
+          </a:effectRef>
+          <a:fontRef idx="minor">
+            <a:schemeClr val="tx1"/>
+          </a:fontRef>
+        </p:style>
+      </p:cxnSp>
+      <p:sp>
+        <p:nvSpPr>
+          <p:cNvPr id="35" name="Rectangle 34"/>
+          <p:cNvSpPr/>
+          <p:nvPr/>
+        </p:nvSpPr>
+        <p:spPr>
+          <a:xfrm>
+            <a:off x="3995936" y="4149080"/>
+            <a:ext cx="1520552" cy="2592288"/>
+          </a:xfrm>
+          <a:prstGeom prst="rect">
+            <a:avLst/>
+          </a:prstGeom>
+        </p:spPr>
+        <p:style>
+          <a:lnRef idx="1">
+            <a:schemeClr val="accent1"/>
+          </a:lnRef>
+          <a:fillRef idx="2">
+            <a:schemeClr val="accent1"/>
+          </a:fillRef>
+          <a:effectRef idx="1">
+            <a:schemeClr val="accent1"/>
+          </a:effectRef>
+          <a:fontRef idx="minor">
+            <a:schemeClr val="dk1"/>
+          </a:fontRef>
+        </p:style>
+        <p:txBody>
+          <a:bodyPr rtlCol="0" anchor="ctr"/>
+          <a:lstStyle/>
+          <a:p>
+            <a:pPr algn="ctr"/>
+            <a:endParaRPr lang="en-GB"/>
+          </a:p>
+        </p:txBody>
+      </p:sp>
+      <p:sp>
+        <p:nvSpPr>
+          <p:cNvPr id="37" name="Rectangle 36"/>
+          <p:cNvSpPr/>
+          <p:nvPr/>
+        </p:nvSpPr>
+        <p:spPr>
+          <a:xfrm>
+            <a:off x="4067944" y="4005064"/>
+            <a:ext cx="1440160" cy="288032"/>
+          </a:xfrm>
+          <a:prstGeom prst="rect">
+            <a:avLst/>
+          </a:prstGeom>
+        </p:spPr>
+        <p:style>
+          <a:lnRef idx="1">
+            <a:schemeClr val="accent1"/>
+          </a:lnRef>
+          <a:fillRef idx="2">
+            <a:schemeClr val="accent1"/>
+          </a:fillRef>
+          <a:effectRef idx="1">
+            <a:schemeClr val="accent1"/>
+          </a:effectRef>
+          <a:fontRef idx="minor">
+            <a:schemeClr val="dk1"/>
+          </a:fontRef>
+        </p:style>
+        <p:txBody>
+          <a:bodyPr rtlCol="0" anchor="t"/>
+          <a:lstStyle/>
+          <a:p>
+            <a:pPr algn="ctr"/>
+            <a:r>
+              <a:rPr lang="en-GB" sz="1000" dirty="0" err="1" smtClean="0"/>
+              <a:t>ConfigurationServices</a:t>
+            </a:r>
+            <a:endParaRPr lang="en-GB" sz="1000" dirty="0"/>
+          </a:p>
+        </p:txBody>
+      </p:sp>
+      <p:sp>
+        <p:nvSpPr>
+          <p:cNvPr id="38" name="Rectangle 37"/>
+          <p:cNvSpPr/>
+          <p:nvPr/>
+        </p:nvSpPr>
+        <p:spPr>
+          <a:xfrm>
+            <a:off x="4108140" y="5013176"/>
+            <a:ext cx="1296144" cy="288032"/>
+          </a:xfrm>
+          <a:prstGeom prst="rect">
+            <a:avLst/>
+          </a:prstGeom>
+        </p:spPr>
+        <p:style>
+          <a:lnRef idx="1">
+            <a:schemeClr val="dk1"/>
+          </a:lnRef>
+          <a:fillRef idx="2">
+            <a:schemeClr val="dk1"/>
+          </a:fillRef>
+          <a:effectRef idx="1">
+            <a:schemeClr val="dk1"/>
+          </a:effectRef>
+          <a:fontRef idx="minor">
+            <a:schemeClr val="dk1"/>
+          </a:fontRef>
+        </p:style>
+        <p:txBody>
+          <a:bodyPr rtlCol="0" anchor="t"/>
+          <a:lstStyle/>
+          <a:p>
+            <a:pPr algn="ctr"/>
+            <a:r>
+              <a:rPr lang="en-GB" sz="1000" dirty="0" smtClean="0"/>
+              <a:t>Team</a:t>
+            </a:r>
+            <a:endParaRPr lang="en-GB" sz="1000" dirty="0"/>
+          </a:p>
+        </p:txBody>
+      </p:sp>
+      <p:sp>
+        <p:nvSpPr>
+          <p:cNvPr id="39" name="Rectangle 38"/>
+          <p:cNvSpPr/>
+          <p:nvPr/>
+        </p:nvSpPr>
+        <p:spPr>
+          <a:xfrm>
+            <a:off x="4108140" y="5445224"/>
+            <a:ext cx="1296144" cy="288032"/>
+          </a:xfrm>
+          <a:prstGeom prst="rect">
+            <a:avLst/>
+          </a:prstGeom>
+        </p:spPr>
+        <p:style>
+          <a:lnRef idx="1">
+            <a:schemeClr val="dk1"/>
+          </a:lnRef>
+          <a:fillRef idx="2">
+            <a:schemeClr val="dk1"/>
+          </a:fillRef>
+          <a:effectRef idx="1">
+            <a:schemeClr val="dk1"/>
+          </a:effectRef>
+          <a:fontRef idx="minor">
+            <a:schemeClr val="dk1"/>
+          </a:fontRef>
+        </p:style>
+        <p:txBody>
+          <a:bodyPr rtlCol="0" anchor="t"/>
+          <a:lstStyle/>
+          <a:p>
+            <a:pPr algn="ctr"/>
+            <a:r>
+              <a:rPr lang="en-GB" sz="1000" dirty="0" smtClean="0"/>
+              <a:t>Opponent</a:t>
+            </a:r>
+            <a:endParaRPr lang="en-GB" sz="1000" dirty="0"/>
+          </a:p>
+        </p:txBody>
+      </p:sp>
+      <p:sp>
+        <p:nvSpPr>
+          <p:cNvPr id="40" name="Rectangle 39"/>
+          <p:cNvSpPr/>
+          <p:nvPr/>
+        </p:nvSpPr>
+        <p:spPr>
+          <a:xfrm>
+            <a:off x="4108140" y="5877272"/>
+            <a:ext cx="1296144" cy="288032"/>
+          </a:xfrm>
+          <a:prstGeom prst="rect">
+            <a:avLst/>
+          </a:prstGeom>
+        </p:spPr>
+        <p:style>
+          <a:lnRef idx="1">
+            <a:schemeClr val="dk1"/>
+          </a:lnRef>
+          <a:fillRef idx="2">
+            <a:schemeClr val="dk1"/>
+          </a:fillRef>
+          <a:effectRef idx="1">
+            <a:schemeClr val="dk1"/>
+          </a:effectRef>
+          <a:fontRef idx="minor">
+            <a:schemeClr val="dk1"/>
+          </a:fontRef>
+        </p:style>
+        <p:txBody>
+          <a:bodyPr rtlCol="0" anchor="t"/>
+          <a:lstStyle/>
+          <a:p>
+            <a:pPr algn="ctr"/>
+            <a:r>
+              <a:rPr lang="en-GB" sz="1000" dirty="0" err="1" smtClean="0"/>
+              <a:t>FixtureType</a:t>
+            </a:r>
+            <a:endParaRPr lang="en-GB" sz="1000" dirty="0"/>
+          </a:p>
+        </p:txBody>
+      </p:sp>
+      <p:sp>
+        <p:nvSpPr>
+          <p:cNvPr id="41" name="Rectangle 40"/>
+          <p:cNvSpPr/>
+          <p:nvPr/>
+        </p:nvSpPr>
+        <p:spPr>
+          <a:xfrm>
+            <a:off x="4108140" y="6309320"/>
+            <a:ext cx="1296144" cy="288032"/>
+          </a:xfrm>
+          <a:prstGeom prst="rect">
+            <a:avLst/>
+          </a:prstGeom>
+        </p:spPr>
+        <p:style>
+          <a:lnRef idx="1">
+            <a:schemeClr val="dk1"/>
+          </a:lnRef>
+          <a:fillRef idx="2">
+            <a:schemeClr val="dk1"/>
+          </a:fillRef>
+          <a:effectRef idx="1">
+            <a:schemeClr val="dk1"/>
+          </a:effectRef>
+          <a:fontRef idx="minor">
+            <a:schemeClr val="dk1"/>
+          </a:fontRef>
+        </p:style>
+        <p:txBody>
+          <a:bodyPr rtlCol="0" anchor="t"/>
+          <a:lstStyle/>
+          <a:p>
+            <a:pPr algn="ctr"/>
+            <a:r>
+              <a:rPr lang="en-GB" sz="1000" dirty="0" smtClean="0"/>
+              <a:t>Location</a:t>
+            </a:r>
+            <a:endParaRPr lang="en-GB" sz="1000" dirty="0"/>
+          </a:p>
+        </p:txBody>
+      </p:sp>
+      <p:cxnSp>
+        <p:nvCxnSpPr>
+          <p:cNvPr id="44" name="Straight Connector 43"/>
+          <p:cNvCxnSpPr>
+            <a:stCxn id="45" idx="2"/>
+            <a:endCxn id="37" idx="0"/>
+          </p:cNvCxnSpPr>
+          <p:nvPr/>
+        </p:nvCxnSpPr>
+        <p:spPr>
+          <a:xfrm flipH="1">
+            <a:off x="4788024" y="3284984"/>
+            <a:ext cx="972108" cy="720080"/>
+          </a:xfrm>
+          <a:prstGeom prst="line">
+            <a:avLst/>
+          </a:prstGeom>
+        </p:spPr>
+        <p:style>
+          <a:lnRef idx="1">
+            <a:schemeClr val="accent1"/>
+          </a:lnRef>
+          <a:fillRef idx="0">
+            <a:schemeClr val="accent1"/>
+          </a:fillRef>
+          <a:effectRef idx="0">
+            <a:schemeClr val="accent1"/>
+          </a:effectRef>
+          <a:fontRef idx="minor">
+            <a:schemeClr val="tx1"/>
+          </a:fontRef>
+        </p:style>
+      </p:cxnSp>
+      <p:cxnSp>
+        <p:nvCxnSpPr>
+          <p:cNvPr id="51" name="Straight Connector 50"/>
+          <p:cNvCxnSpPr>
+            <a:stCxn id="16" idx="2"/>
+            <a:endCxn id="37" idx="0"/>
+          </p:cNvCxnSpPr>
+          <p:nvPr/>
+        </p:nvCxnSpPr>
+        <p:spPr>
+          <a:xfrm>
+            <a:off x="3275856" y="3284984"/>
+            <a:ext cx="1512168" cy="720080"/>
+          </a:xfrm>
+          <a:prstGeom prst="line">
+            <a:avLst/>
+          </a:prstGeom>
+        </p:spPr>
+        <p:style>
+          <a:lnRef idx="1">
+            <a:schemeClr val="accent1"/>
+          </a:lnRef>
+          <a:fillRef idx="0">
+            <a:schemeClr val="accent1"/>
+          </a:fillRef>
+          <a:effectRef idx="0">
+            <a:schemeClr val="accent1"/>
+          </a:effectRef>
+          <a:fontRef idx="minor">
+            <a:schemeClr val="tx1"/>
+          </a:fontRef>
+        </p:style>
+      </p:cxnSp>
     </p:spTree>
   </p:cSld>
   <p:clrMapOvr>
